--- a/slides/2-Terraform Configuration Language.pptx
+++ b/slides/2-Terraform Configuration Language.pptx
@@ -2,10 +2,20 @@
 <file path=ppt/presentation.xml><?xml version="1.0" encoding="utf-8"?>
 <p:presentation xmlns:a="http://schemas.openxmlformats.org/drawingml/2006/main" xmlns:r="http://schemas.openxmlformats.org/officeDocument/2006/relationships" xmlns:p="http://schemas.openxmlformats.org/presentationml/2006/main" saveSubsetFonts="1">
   <p:sldMasterIdLst>
-    <p:sldMasterId id="2147483672" r:id="rId1"/>
+    <p:sldMasterId id="2147483684" r:id="rId1"/>
   </p:sldMasterIdLst>
+  <p:notesMasterIdLst>
+    <p:notesMasterId r:id="rId10"/>
+  </p:notesMasterIdLst>
   <p:sldIdLst>
     <p:sldId id="256" r:id="rId2"/>
+    <p:sldId id="258" r:id="rId3"/>
+    <p:sldId id="257" r:id="rId4"/>
+    <p:sldId id="259" r:id="rId5"/>
+    <p:sldId id="260" r:id="rId6"/>
+    <p:sldId id="261" r:id="rId7"/>
+    <p:sldId id="262" r:id="rId8"/>
+    <p:sldId id="263" r:id="rId9"/>
   </p:sldIdLst>
   <p:sldSz cx="12192000" cy="6858000"/>
   <p:notesSz cx="6858000" cy="9144000"/>
@@ -104,12 +114,22 @@
       </a:defRPr>
     </a:lvl9pPr>
   </p:defaultTextStyle>
+  <p:extLst>
+    <p:ext uri="{EFAFB233-063F-42B5-8137-9DF3F51BA10A}">
+      <p15:sldGuideLst xmlns:p15="http://schemas.microsoft.com/office/powerpoint/2012/main"/>
+    </p:ext>
+  </p:extLst>
 </p:presentation>
 </file>
 
-<file path=ppt/slideLayouts/slideLayout1.xml><?xml version="1.0" encoding="utf-8"?>
-<p:sldLayout xmlns:a="http://schemas.openxmlformats.org/drawingml/2006/main" xmlns:r="http://schemas.openxmlformats.org/officeDocument/2006/relationships" xmlns:p="http://schemas.openxmlformats.org/presentationml/2006/main" showMasterSp="0" type="title" preserve="1">
-  <p:cSld name="Title Slide">
+<file path=ppt/notesMasters/notesMaster1.xml><?xml version="1.0" encoding="utf-8"?>
+<p:notesMaster xmlns:a="http://schemas.openxmlformats.org/drawingml/2006/main" xmlns:r="http://schemas.openxmlformats.org/officeDocument/2006/relationships" xmlns:p="http://schemas.openxmlformats.org/presentationml/2006/main">
+  <p:cSld>
+    <p:bg>
+      <p:bgRef idx="1001">
+        <a:schemeClr val="bg1"/>
+      </p:bgRef>
+    </p:bg>
     <p:spTree>
       <p:nvGrpSpPr>
         <p:cNvPr id="1" name=""/>
@@ -126,187 +146,550 @@
       </p:grpSpPr>
       <p:sp>
         <p:nvSpPr>
-          <p:cNvPr id="7" name="Rectangle 6"/>
-          <p:cNvSpPr/>
-          <p:nvPr/>
+          <p:cNvPr id="2" name="Header Placeholder 1"/>
+          <p:cNvSpPr>
+            <a:spLocks noGrp="1"/>
+          </p:cNvSpPr>
+          <p:nvPr>
+            <p:ph type="hdr" sz="quarter"/>
+          </p:nvPr>
         </p:nvSpPr>
         <p:spPr>
           <a:xfrm>
-            <a:off x="3175" y="6400800"/>
-            <a:ext cx="12188825" cy="457200"/>
+            <a:off x="0" y="0"/>
+            <a:ext cx="2971800" cy="458788"/>
           </a:xfrm>
           <a:prstGeom prst="rect">
             <a:avLst/>
           </a:prstGeom>
-          <a:solidFill>
-            <a:schemeClr val="accent4">
-              <a:lumMod val="75000"/>
-            </a:schemeClr>
-          </a:solidFill>
-          <a:ln>
-            <a:noFill/>
-          </a:ln>
         </p:spPr>
-        <p:style>
-          <a:lnRef idx="2">
-            <a:schemeClr val="accent1">
-              <a:shade val="50000"/>
-            </a:schemeClr>
-          </a:lnRef>
-          <a:fillRef idx="1">
-            <a:schemeClr val="accent1"/>
-          </a:fillRef>
-          <a:effectRef idx="0">
-            <a:schemeClr val="accent1"/>
-          </a:effectRef>
-          <a:fontRef idx="minor">
-            <a:schemeClr val="lt1"/>
-          </a:fontRef>
-        </p:style>
-      </p:sp>
-      <p:sp>
-        <p:nvSpPr>
-          <p:cNvPr id="8" name="Rectangle 7"/>
-          <p:cNvSpPr/>
-          <p:nvPr/>
+        <p:txBody>
+          <a:bodyPr vert="horz" lIns="91440" tIns="45720" rIns="91440" bIns="45720" rtlCol="0"/>
+          <a:lstStyle>
+            <a:lvl1pPr algn="l">
+              <a:defRPr sz="1200"/>
+            </a:lvl1pPr>
+          </a:lstStyle>
+          <a:p>
+            <a:endParaRPr lang="en-US"/>
+          </a:p>
+        </p:txBody>
+      </p:sp>
+      <p:sp>
+        <p:nvSpPr>
+          <p:cNvPr id="3" name="Date Placeholder 2"/>
+          <p:cNvSpPr>
+            <a:spLocks noGrp="1"/>
+          </p:cNvSpPr>
+          <p:nvPr>
+            <p:ph type="dt" idx="1"/>
+          </p:nvPr>
         </p:nvSpPr>
         <p:spPr>
           <a:xfrm>
-            <a:off x="15" y="6334316"/>
-            <a:ext cx="12188825" cy="64008"/>
+            <a:off x="3884613" y="0"/>
+            <a:ext cx="2971800" cy="458788"/>
           </a:xfrm>
           <a:prstGeom prst="rect">
             <a:avLst/>
           </a:prstGeom>
-          <a:solidFill>
-            <a:schemeClr val="accent4"/>
-          </a:solidFill>
-          <a:ln>
-            <a:noFill/>
+        </p:spPr>
+        <p:txBody>
+          <a:bodyPr vert="horz" lIns="91440" tIns="45720" rIns="91440" bIns="45720" rtlCol="0"/>
+          <a:lstStyle>
+            <a:lvl1pPr algn="r">
+              <a:defRPr sz="1200"/>
+            </a:lvl1pPr>
+          </a:lstStyle>
+          <a:p>
+            <a:fld id="{FE4F2414-4F02-4348-8B25-B7C5BF9EB218}" type="datetimeFigureOut">
+              <a:rPr lang="en-US" smtClean="0"/>
+              <a:t>10/24/24</a:t>
+            </a:fld>
+            <a:endParaRPr lang="en-US"/>
+          </a:p>
+        </p:txBody>
+      </p:sp>
+      <p:sp>
+        <p:nvSpPr>
+          <p:cNvPr id="4" name="Slide Image Placeholder 3"/>
+          <p:cNvSpPr>
+            <a:spLocks noGrp="1" noRot="1" noChangeAspect="1"/>
+          </p:cNvSpPr>
+          <p:nvPr>
+            <p:ph type="sldImg" idx="2"/>
+          </p:nvPr>
+        </p:nvSpPr>
+        <p:spPr>
+          <a:xfrm>
+            <a:off x="685800" y="1143000"/>
+            <a:ext cx="5486400" cy="3086100"/>
+          </a:xfrm>
+          <a:prstGeom prst="rect">
+            <a:avLst/>
+          </a:prstGeom>
+          <a:noFill/>
+          <a:ln w="12700">
+            <a:solidFill>
+              <a:prstClr val="black"/>
+            </a:solidFill>
           </a:ln>
         </p:spPr>
-        <p:style>
-          <a:lnRef idx="2">
-            <a:schemeClr val="accent1">
-              <a:shade val="50000"/>
-            </a:schemeClr>
-          </a:lnRef>
-          <a:fillRef idx="1">
-            <a:schemeClr val="accent1"/>
-          </a:fillRef>
-          <a:effectRef idx="0">
-            <a:schemeClr val="accent1"/>
-          </a:effectRef>
-          <a:fontRef idx="minor">
-            <a:schemeClr val="lt1"/>
-          </a:fontRef>
-        </p:style>
-      </p:sp>
-      <p:sp>
-        <p:nvSpPr>
-          <p:cNvPr id="2" name="Title 1"/>
-          <p:cNvSpPr>
-            <a:spLocks noGrp="1"/>
-          </p:cNvSpPr>
-          <p:nvPr>
-            <p:ph type="ctrTitle"/>
+        <p:txBody>
+          <a:bodyPr vert="horz" lIns="91440" tIns="45720" rIns="91440" bIns="45720" rtlCol="0" anchor="ctr"/>
+          <a:lstStyle/>
+          <a:p>
+            <a:endParaRPr lang="en-US"/>
+          </a:p>
+        </p:txBody>
+      </p:sp>
+      <p:sp>
+        <p:nvSpPr>
+          <p:cNvPr id="5" name="Notes Placeholder 4"/>
+          <p:cNvSpPr>
+            <a:spLocks noGrp="1"/>
+          </p:cNvSpPr>
+          <p:nvPr>
+            <p:ph type="body" sz="quarter" idx="3"/>
           </p:nvPr>
         </p:nvSpPr>
         <p:spPr>
           <a:xfrm>
-            <a:off x="1097280" y="758952"/>
-            <a:ext cx="10058400" cy="3566160"/>
+            <a:off x="685800" y="4400550"/>
+            <a:ext cx="5486400" cy="3600450"/>
           </a:xfrm>
+          <a:prstGeom prst="rect">
+            <a:avLst/>
+          </a:prstGeom>
         </p:spPr>
         <p:txBody>
-          <a:bodyPr anchor="b">
+          <a:bodyPr vert="horz" lIns="91440" tIns="45720" rIns="91440" bIns="45720" rtlCol="0"/>
+          <a:lstStyle/>
+          <a:p>
+            <a:pPr lvl="0"/>
+            <a:r>
+              <a:rPr lang="en-US"/>
+              <a:t>Click to edit Master text styles</a:t>
+            </a:r>
+          </a:p>
+          <a:p>
+            <a:pPr lvl="1"/>
+            <a:r>
+              <a:rPr lang="en-US"/>
+              <a:t>Second level</a:t>
+            </a:r>
+          </a:p>
+          <a:p>
+            <a:pPr lvl="2"/>
+            <a:r>
+              <a:rPr lang="en-US"/>
+              <a:t>Third level</a:t>
+            </a:r>
+          </a:p>
+          <a:p>
+            <a:pPr lvl="3"/>
+            <a:r>
+              <a:rPr lang="en-US"/>
+              <a:t>Fourth level</a:t>
+            </a:r>
+          </a:p>
+          <a:p>
+            <a:pPr lvl="4"/>
+            <a:r>
+              <a:rPr lang="en-US"/>
+              <a:t>Fifth level</a:t>
+            </a:r>
+          </a:p>
+        </p:txBody>
+      </p:sp>
+      <p:sp>
+        <p:nvSpPr>
+          <p:cNvPr id="6" name="Footer Placeholder 5"/>
+          <p:cNvSpPr>
+            <a:spLocks noGrp="1"/>
+          </p:cNvSpPr>
+          <p:nvPr>
+            <p:ph type="ftr" sz="quarter" idx="4"/>
+          </p:nvPr>
+        </p:nvSpPr>
+        <p:spPr>
+          <a:xfrm>
+            <a:off x="0" y="8685213"/>
+            <a:ext cx="2971800" cy="458787"/>
+          </a:xfrm>
+          <a:prstGeom prst="rect">
+            <a:avLst/>
+          </a:prstGeom>
+        </p:spPr>
+        <p:txBody>
+          <a:bodyPr vert="horz" lIns="91440" tIns="45720" rIns="91440" bIns="45720" rtlCol="0" anchor="b"/>
+          <a:lstStyle>
+            <a:lvl1pPr algn="l">
+              <a:defRPr sz="1200"/>
+            </a:lvl1pPr>
+          </a:lstStyle>
+          <a:p>
+            <a:endParaRPr lang="en-US"/>
+          </a:p>
+        </p:txBody>
+      </p:sp>
+      <p:sp>
+        <p:nvSpPr>
+          <p:cNvPr id="7" name="Slide Number Placeholder 6"/>
+          <p:cNvSpPr>
+            <a:spLocks noGrp="1"/>
+          </p:cNvSpPr>
+          <p:nvPr>
+            <p:ph type="sldNum" sz="quarter" idx="5"/>
+          </p:nvPr>
+        </p:nvSpPr>
+        <p:spPr>
+          <a:xfrm>
+            <a:off x="3884613" y="8685213"/>
+            <a:ext cx="2971800" cy="458787"/>
+          </a:xfrm>
+          <a:prstGeom prst="rect">
+            <a:avLst/>
+          </a:prstGeom>
+        </p:spPr>
+        <p:txBody>
+          <a:bodyPr vert="horz" lIns="91440" tIns="45720" rIns="91440" bIns="45720" rtlCol="0" anchor="b"/>
+          <a:lstStyle>
+            <a:lvl1pPr algn="r">
+              <a:defRPr sz="1200"/>
+            </a:lvl1pPr>
+          </a:lstStyle>
+          <a:p>
+            <a:fld id="{45FFE374-1A6C-6841-B1F2-2EC365F3CC28}" type="slidenum">
+              <a:rPr lang="en-US" smtClean="0"/>
+              <a:t>‹#›</a:t>
+            </a:fld>
+            <a:endParaRPr lang="en-US"/>
+          </a:p>
+        </p:txBody>
+      </p:sp>
+    </p:spTree>
+    <p:extLst>
+      <p:ext uri="{BB962C8B-B14F-4D97-AF65-F5344CB8AC3E}">
+        <p14:creationId xmlns:p14="http://schemas.microsoft.com/office/powerpoint/2010/main" val="536387495"/>
+      </p:ext>
+    </p:extLst>
+  </p:cSld>
+  <p:clrMap bg1="lt1" tx1="dk1" bg2="lt2" tx2="dk2" accent1="accent1" accent2="accent2" accent3="accent3" accent4="accent4" accent5="accent5" accent6="accent6" hlink="hlink" folHlink="folHlink"/>
+  <p:notesStyle>
+    <a:lvl1pPr marL="0" algn="l" defTabSz="914400" rtl="0" eaLnBrk="1" latinLnBrk="0" hangingPunct="1">
+      <a:defRPr sz="1200" kern="1200">
+        <a:solidFill>
+          <a:schemeClr val="tx1"/>
+        </a:solidFill>
+        <a:latin typeface="+mn-lt"/>
+        <a:ea typeface="+mn-ea"/>
+        <a:cs typeface="+mn-cs"/>
+      </a:defRPr>
+    </a:lvl1pPr>
+    <a:lvl2pPr marL="457200" algn="l" defTabSz="914400" rtl="0" eaLnBrk="1" latinLnBrk="0" hangingPunct="1">
+      <a:defRPr sz="1200" kern="1200">
+        <a:solidFill>
+          <a:schemeClr val="tx1"/>
+        </a:solidFill>
+        <a:latin typeface="+mn-lt"/>
+        <a:ea typeface="+mn-ea"/>
+        <a:cs typeface="+mn-cs"/>
+      </a:defRPr>
+    </a:lvl2pPr>
+    <a:lvl3pPr marL="914400" algn="l" defTabSz="914400" rtl="0" eaLnBrk="1" latinLnBrk="0" hangingPunct="1">
+      <a:defRPr sz="1200" kern="1200">
+        <a:solidFill>
+          <a:schemeClr val="tx1"/>
+        </a:solidFill>
+        <a:latin typeface="+mn-lt"/>
+        <a:ea typeface="+mn-ea"/>
+        <a:cs typeface="+mn-cs"/>
+      </a:defRPr>
+    </a:lvl3pPr>
+    <a:lvl4pPr marL="1371600" algn="l" defTabSz="914400" rtl="0" eaLnBrk="1" latinLnBrk="0" hangingPunct="1">
+      <a:defRPr sz="1200" kern="1200">
+        <a:solidFill>
+          <a:schemeClr val="tx1"/>
+        </a:solidFill>
+        <a:latin typeface="+mn-lt"/>
+        <a:ea typeface="+mn-ea"/>
+        <a:cs typeface="+mn-cs"/>
+      </a:defRPr>
+    </a:lvl4pPr>
+    <a:lvl5pPr marL="1828800" algn="l" defTabSz="914400" rtl="0" eaLnBrk="1" latinLnBrk="0" hangingPunct="1">
+      <a:defRPr sz="1200" kern="1200">
+        <a:solidFill>
+          <a:schemeClr val="tx1"/>
+        </a:solidFill>
+        <a:latin typeface="+mn-lt"/>
+        <a:ea typeface="+mn-ea"/>
+        <a:cs typeface="+mn-cs"/>
+      </a:defRPr>
+    </a:lvl5pPr>
+    <a:lvl6pPr marL="2286000" algn="l" defTabSz="914400" rtl="0" eaLnBrk="1" latinLnBrk="0" hangingPunct="1">
+      <a:defRPr sz="1200" kern="1200">
+        <a:solidFill>
+          <a:schemeClr val="tx1"/>
+        </a:solidFill>
+        <a:latin typeface="+mn-lt"/>
+        <a:ea typeface="+mn-ea"/>
+        <a:cs typeface="+mn-cs"/>
+      </a:defRPr>
+    </a:lvl6pPr>
+    <a:lvl7pPr marL="2743200" algn="l" defTabSz="914400" rtl="0" eaLnBrk="1" latinLnBrk="0" hangingPunct="1">
+      <a:defRPr sz="1200" kern="1200">
+        <a:solidFill>
+          <a:schemeClr val="tx1"/>
+        </a:solidFill>
+        <a:latin typeface="+mn-lt"/>
+        <a:ea typeface="+mn-ea"/>
+        <a:cs typeface="+mn-cs"/>
+      </a:defRPr>
+    </a:lvl7pPr>
+    <a:lvl8pPr marL="3200400" algn="l" defTabSz="914400" rtl="0" eaLnBrk="1" latinLnBrk="0" hangingPunct="1">
+      <a:defRPr sz="1200" kern="1200">
+        <a:solidFill>
+          <a:schemeClr val="tx1"/>
+        </a:solidFill>
+        <a:latin typeface="+mn-lt"/>
+        <a:ea typeface="+mn-ea"/>
+        <a:cs typeface="+mn-cs"/>
+      </a:defRPr>
+    </a:lvl8pPr>
+    <a:lvl9pPr marL="3657600" algn="l" defTabSz="914400" rtl="0" eaLnBrk="1" latinLnBrk="0" hangingPunct="1">
+      <a:defRPr sz="1200" kern="1200">
+        <a:solidFill>
+          <a:schemeClr val="tx1"/>
+        </a:solidFill>
+        <a:latin typeface="+mn-lt"/>
+        <a:ea typeface="+mn-ea"/>
+        <a:cs typeface="+mn-cs"/>
+      </a:defRPr>
+    </a:lvl9pPr>
+  </p:notesStyle>
+</p:notesMaster>
+</file>
+
+<file path=ppt/notesSlides/notesSlide1.xml><?xml version="1.0" encoding="utf-8"?>
+<p:notes xmlns:a="http://schemas.openxmlformats.org/drawingml/2006/main" xmlns:r="http://schemas.openxmlformats.org/officeDocument/2006/relationships" xmlns:p="http://schemas.openxmlformats.org/presentationml/2006/main">
+  <p:cSld>
+    <p:spTree>
+      <p:nvGrpSpPr>
+        <p:cNvPr id="1" name=""/>
+        <p:cNvGrpSpPr/>
+        <p:nvPr/>
+      </p:nvGrpSpPr>
+      <p:grpSpPr>
+        <a:xfrm>
+          <a:off x="0" y="0"/>
+          <a:ext cx="0" cy="0"/>
+          <a:chOff x="0" y="0"/>
+          <a:chExt cx="0" cy="0"/>
+        </a:xfrm>
+      </p:grpSpPr>
+      <p:sp>
+        <p:nvSpPr>
+          <p:cNvPr id="2" name="Slide Image Placeholder 1"/>
+          <p:cNvSpPr>
+            <a:spLocks noGrp="1" noRot="1" noChangeAspect="1"/>
+          </p:cNvSpPr>
+          <p:nvPr>
+            <p:ph type="sldImg"/>
+          </p:nvPr>
+        </p:nvSpPr>
+        <p:spPr/>
+      </p:sp>
+      <p:sp>
+        <p:nvSpPr>
+          <p:cNvPr id="3" name="Notes Placeholder 2"/>
+          <p:cNvSpPr>
+            <a:spLocks noGrp="1"/>
+          </p:cNvSpPr>
+          <p:nvPr>
+            <p:ph type="body" idx="1"/>
+          </p:nvPr>
+        </p:nvSpPr>
+        <p:spPr/>
+        <p:txBody>
+          <a:bodyPr/>
+          <a:lstStyle/>
+          <a:p>
+            <a:endParaRPr lang="en-US" dirty="0"/>
+          </a:p>
+        </p:txBody>
+      </p:sp>
+      <p:sp>
+        <p:nvSpPr>
+          <p:cNvPr id="4" name="Slide Number Placeholder 3"/>
+          <p:cNvSpPr>
+            <a:spLocks noGrp="1"/>
+          </p:cNvSpPr>
+          <p:nvPr>
+            <p:ph type="sldNum" sz="quarter" idx="5"/>
+          </p:nvPr>
+        </p:nvSpPr>
+        <p:spPr/>
+        <p:txBody>
+          <a:bodyPr/>
+          <a:lstStyle/>
+          <a:p>
+            <a:fld id="{45FFE374-1A6C-6841-B1F2-2EC365F3CC28}" type="slidenum">
+              <a:rPr lang="en-US" smtClean="0"/>
+              <a:t>7</a:t>
+            </a:fld>
+            <a:endParaRPr lang="en-US"/>
+          </a:p>
+        </p:txBody>
+      </p:sp>
+    </p:spTree>
+    <p:extLst>
+      <p:ext uri="{BB962C8B-B14F-4D97-AF65-F5344CB8AC3E}">
+        <p14:creationId xmlns:p14="http://schemas.microsoft.com/office/powerpoint/2010/main" val="3241142621"/>
+      </p:ext>
+    </p:extLst>
+  </p:cSld>
+  <p:clrMapOvr>
+    <a:masterClrMapping/>
+  </p:clrMapOvr>
+</p:notes>
+</file>
+
+<file path=ppt/slideLayouts/slideLayout1.xml><?xml version="1.0" encoding="utf-8"?>
+<p:sldLayout xmlns:a="http://schemas.openxmlformats.org/drawingml/2006/main" xmlns:r="http://schemas.openxmlformats.org/officeDocument/2006/relationships" xmlns:p="http://schemas.openxmlformats.org/presentationml/2006/main" type="title" preserve="1">
+  <p:cSld name="Title Slide">
+    <p:bg>
+      <p:bgPr>
+        <a:solidFill>
+          <a:schemeClr val="accent2"/>
+        </a:solidFill>
+        <a:effectLst/>
+      </p:bgPr>
+    </p:bg>
+    <p:spTree>
+      <p:nvGrpSpPr>
+        <p:cNvPr id="1" name=""/>
+        <p:cNvGrpSpPr/>
+        <p:nvPr/>
+      </p:nvGrpSpPr>
+      <p:grpSpPr>
+        <a:xfrm>
+          <a:off x="0" y="0"/>
+          <a:ext cx="0" cy="0"/>
+          <a:chOff x="0" y="0"/>
+          <a:chExt cx="0" cy="0"/>
+        </a:xfrm>
+      </p:grpSpPr>
+      <p:sp>
+        <p:nvSpPr>
+          <p:cNvPr id="2" name="Title 1"/>
+          <p:cNvSpPr>
+            <a:spLocks noGrp="1"/>
+          </p:cNvSpPr>
+          <p:nvPr>
+            <p:ph type="ctrTitle"/>
+          </p:nvPr>
+        </p:nvSpPr>
+        <p:spPr bwMode="blackWhite">
+          <a:xfrm>
+            <a:off x="1600200" y="2386744"/>
+            <a:ext cx="8991600" cy="1645920"/>
+          </a:xfrm>
+          <a:solidFill>
+            <a:srgbClr val="FFFFFF"/>
+          </a:solidFill>
+          <a:ln w="38100">
+            <a:solidFill>
+              <a:srgbClr val="404040"/>
+            </a:solidFill>
+          </a:ln>
+        </p:spPr>
+        <p:txBody>
+          <a:bodyPr lIns="274320" rIns="274320" anchor="ctr" anchorCtr="1">
             <a:normAutofit/>
           </a:bodyPr>
           <a:lstStyle>
-            <a:lvl1pPr algn="l">
-              <a:lnSpc>
-                <a:spcPct val="85000"/>
-              </a:lnSpc>
-              <a:defRPr sz="8000" spc="-50" baseline="0">
+            <a:lvl1pPr algn="ctr">
+              <a:defRPr sz="3800">
+                <a:solidFill>
+                  <a:srgbClr val="262626"/>
+                </a:solidFill>
+              </a:defRPr>
+            </a:lvl1pPr>
+          </a:lstStyle>
+          <a:p>
+            <a:r>
+              <a:rPr lang="en-US"/>
+              <a:t>Click to edit Master title style</a:t>
+            </a:r>
+            <a:endParaRPr lang="en-US" dirty="0"/>
+          </a:p>
+        </p:txBody>
+      </p:sp>
+      <p:sp>
+        <p:nvSpPr>
+          <p:cNvPr id="3" name="Subtitle 2"/>
+          <p:cNvSpPr>
+            <a:spLocks noGrp="1"/>
+          </p:cNvSpPr>
+          <p:nvPr>
+            <p:ph type="subTitle" idx="1"/>
+          </p:nvPr>
+        </p:nvSpPr>
+        <p:spPr>
+          <a:xfrm>
+            <a:off x="2695194" y="4352544"/>
+            <a:ext cx="6801612" cy="1239894"/>
+          </a:xfrm>
+          <a:noFill/>
+        </p:spPr>
+        <p:txBody>
+          <a:bodyPr>
+            <a:normAutofit/>
+          </a:bodyPr>
+          <a:lstStyle>
+            <a:lvl1pPr marL="0" indent="0" algn="ctr">
+              <a:buNone/>
+              <a:defRPr sz="2000">
                 <a:solidFill>
                   <a:schemeClr val="tx1">
-                    <a:lumMod val="85000"/>
-                    <a:lumOff val="15000"/>
+                    <a:lumMod val="75000"/>
+                    <a:lumOff val="25000"/>
                   </a:schemeClr>
                 </a:solidFill>
               </a:defRPr>
             </a:lvl1pPr>
-          </a:lstStyle>
-          <a:p>
-            <a:r>
-              <a:rPr lang="en-US"/>
-              <a:t>Click to edit Master title style</a:t>
-            </a:r>
-            <a:endParaRPr lang="en-US" dirty="0"/>
-          </a:p>
-        </p:txBody>
-      </p:sp>
-      <p:sp>
-        <p:nvSpPr>
-          <p:cNvPr id="3" name="Subtitle 2"/>
-          <p:cNvSpPr>
-            <a:spLocks noGrp="1"/>
-          </p:cNvSpPr>
-          <p:nvPr>
-            <p:ph type="subTitle" idx="1"/>
-          </p:nvPr>
-        </p:nvSpPr>
-        <p:spPr>
-          <a:xfrm>
-            <a:off x="1100051" y="4455621"/>
-            <a:ext cx="10058400" cy="1143000"/>
-          </a:xfrm>
-        </p:spPr>
-        <p:txBody>
-          <a:bodyPr lIns="91440" rIns="91440">
-            <a:normAutofit/>
-          </a:bodyPr>
-          <a:lstStyle>
-            <a:lvl1pPr marL="0" indent="0" algn="l">
-              <a:buNone/>
-              <a:defRPr sz="2400" cap="all" spc="200" baseline="0">
-                <a:solidFill>
-                  <a:schemeClr val="tx2"/>
-                </a:solidFill>
-                <a:latin typeface="+mj-lt"/>
-              </a:defRPr>
-            </a:lvl1pPr>
             <a:lvl2pPr marL="457200" indent="0" algn="ctr">
               <a:buNone/>
-              <a:defRPr sz="2400"/>
+              <a:defRPr sz="2000"/>
             </a:lvl2pPr>
             <a:lvl3pPr marL="914400" indent="0" algn="ctr">
               <a:buNone/>
-              <a:defRPr sz="2400"/>
+              <a:defRPr sz="1800"/>
             </a:lvl3pPr>
             <a:lvl4pPr marL="1371600" indent="0" algn="ctr">
               <a:buNone/>
-              <a:defRPr sz="2000"/>
+              <a:defRPr sz="1600"/>
             </a:lvl4pPr>
             <a:lvl5pPr marL="1828800" indent="0" algn="ctr">
               <a:buNone/>
-              <a:defRPr sz="2000"/>
+              <a:defRPr sz="1600"/>
             </a:lvl5pPr>
             <a:lvl6pPr marL="2286000" indent="0" algn="ctr">
               <a:buNone/>
-              <a:defRPr sz="2000"/>
+              <a:defRPr sz="1600"/>
             </a:lvl6pPr>
             <a:lvl7pPr marL="2743200" indent="0" algn="ctr">
               <a:buNone/>
-              <a:defRPr sz="2000"/>
+              <a:defRPr sz="1600"/>
             </a:lvl7pPr>
             <a:lvl8pPr marL="3200400" indent="0" algn="ctr">
               <a:buNone/>
-              <a:defRPr sz="2000"/>
+              <a:defRPr sz="1600"/>
             </a:lvl8pPr>
             <a:lvl9pPr marL="3657600" indent="0" algn="ctr">
               <a:buNone/>
-              <a:defRPr sz="2000"/>
+              <a:defRPr sz="1600"/>
             </a:lvl9pPr>
           </a:lstStyle>
           <a:p>
@@ -320,7 +703,7 @@
       </p:sp>
       <p:sp>
         <p:nvSpPr>
-          <p:cNvPr id="4" name="Date Placeholder 3"/>
+          <p:cNvPr id="7" name="Date Placeholder 6"/>
           <p:cNvSpPr>
             <a:spLocks noGrp="1"/>
           </p:cNvSpPr>
@@ -335,7 +718,7 @@
           <a:p>
             <a:fld id="{68453380-E5F8-448B-A055-F6BD15B6CE7F}" type="datetimeFigureOut">
               <a:rPr lang="en-US" smtClean="0"/>
-              <a:t>10/21/2024</a:t>
+              <a:t>10/24/24</a:t>
             </a:fld>
             <a:endParaRPr lang="en-US"/>
           </a:p>
@@ -343,7 +726,7 @@
       </p:sp>
       <p:sp>
         <p:nvSpPr>
-          <p:cNvPr id="5" name="Footer Placeholder 4"/>
+          <p:cNvPr id="8" name="Footer Placeholder 7"/>
           <p:cNvSpPr>
             <a:spLocks noGrp="1"/>
           </p:cNvSpPr>
@@ -362,7 +745,7 @@
       </p:sp>
       <p:sp>
         <p:nvSpPr>
-          <p:cNvPr id="6" name="Slide Number Placeholder 5"/>
+          <p:cNvPr id="9" name="Slide Number Placeholder 8"/>
           <p:cNvSpPr>
             <a:spLocks noGrp="1"/>
           </p:cNvSpPr>
@@ -383,53 +766,15 @@
           </a:p>
         </p:txBody>
       </p:sp>
-      <p:cxnSp>
-        <p:nvCxnSpPr>
-          <p:cNvPr id="9" name="Straight Connector 8"/>
-          <p:cNvCxnSpPr/>
-          <p:nvPr/>
-        </p:nvCxnSpPr>
-        <p:spPr>
-          <a:xfrm>
-            <a:off x="1207658" y="4343400"/>
-            <a:ext cx="9875520" cy="0"/>
-          </a:xfrm>
-          <a:prstGeom prst="line">
-            <a:avLst/>
-          </a:prstGeom>
-          <a:ln w="6350">
-            <a:solidFill>
-              <a:schemeClr val="tx1">
-                <a:lumMod val="50000"/>
-                <a:lumOff val="50000"/>
-              </a:schemeClr>
-            </a:solidFill>
-          </a:ln>
-        </p:spPr>
-        <p:style>
-          <a:lnRef idx="1">
-            <a:schemeClr val="accent1"/>
-          </a:lnRef>
-          <a:fillRef idx="0">
-            <a:schemeClr val="accent1"/>
-          </a:fillRef>
-          <a:effectRef idx="0">
-            <a:schemeClr val="accent1"/>
-          </a:effectRef>
-          <a:fontRef idx="minor">
-            <a:schemeClr val="tx1"/>
-          </a:fontRef>
-        </p:style>
-      </p:cxnSp>
     </p:spTree>
     <p:extLst>
       <p:ext uri="{BB962C8B-B14F-4D97-AF65-F5344CB8AC3E}">
-        <p14:creationId xmlns:p14="http://schemas.microsoft.com/office/powerpoint/2010/main" val="2301381826"/>
+        <p14:creationId xmlns:p14="http://schemas.microsoft.com/office/powerpoint/2010/main" val="1428588637"/>
       </p:ext>
     </p:extLst>
   </p:cSld>
   <p:clrMapOvr>
-    <a:masterClrMapping/>
+    <a:overrideClrMapping bg1="dk1" tx1="lt1" bg2="dk2" tx2="lt2" accent1="accent1" accent2="accent2" accent3="accent3" accent4="accent4" accent5="accent5" accent6="accent6" hlink="hlink" folHlink="folHlink"/>
   </p:clrMapOvr>
 </p:sldLayout>
 </file>
@@ -486,7 +831,7 @@
         </p:nvSpPr>
         <p:spPr/>
         <p:txBody>
-          <a:bodyPr vert="eaVert" lIns="45720" tIns="0" rIns="45720" bIns="0"/>
+          <a:bodyPr vert="eaVert"/>
           <a:lstStyle/>
           <a:p>
             <a:pPr lvl="0"/>
@@ -543,7 +888,7 @@
           <a:p>
             <a:fld id="{68453380-E5F8-448B-A055-F6BD15B6CE7F}" type="datetimeFigureOut">
               <a:rPr lang="en-US" smtClean="0"/>
-              <a:t>10/21/2024</a:t>
+              <a:t>10/24/24</a:t>
             </a:fld>
             <a:endParaRPr lang="en-US"/>
           </a:p>
@@ -594,7 +939,7 @@
     </p:spTree>
     <p:extLst>
       <p:ext uri="{BB962C8B-B14F-4D97-AF65-F5344CB8AC3E}">
-        <p14:creationId xmlns:p14="http://schemas.microsoft.com/office/powerpoint/2010/main" val="2496054287"/>
+        <p14:creationId xmlns:p14="http://schemas.microsoft.com/office/powerpoint/2010/main" val="1636957688"/>
       </p:ext>
     </p:extLst>
   </p:cSld>
@@ -605,7 +950,7 @@
 </file>
 
 <file path=ppt/slideLayouts/slideLayout11.xml><?xml version="1.0" encoding="utf-8"?>
-<p:sldLayout xmlns:a="http://schemas.openxmlformats.org/drawingml/2006/main" xmlns:r="http://schemas.openxmlformats.org/officeDocument/2006/relationships" xmlns:p="http://schemas.openxmlformats.org/presentationml/2006/main" showMasterSp="0" type="vertTitleAndTx" preserve="1">
+<p:sldLayout xmlns:a="http://schemas.openxmlformats.org/drawingml/2006/main" xmlns:r="http://schemas.openxmlformats.org/officeDocument/2006/relationships" xmlns:p="http://schemas.openxmlformats.org/presentationml/2006/main" type="vertTitleAndTx" preserve="1">
   <p:cSld name="Vertical Title and Text">
     <p:spTree>
       <p:nvGrpSpPr>
@@ -623,130 +968,52 @@
       </p:grpSpPr>
       <p:sp>
         <p:nvSpPr>
-          <p:cNvPr id="7" name="Rectangle 6"/>
-          <p:cNvSpPr/>
-          <p:nvPr/>
+          <p:cNvPr id="2" name="Vertical Title 1"/>
+          <p:cNvSpPr>
+            <a:spLocks noGrp="1"/>
+          </p:cNvSpPr>
+          <p:nvPr>
+            <p:ph type="title" orient="vert"/>
+          </p:nvPr>
         </p:nvSpPr>
         <p:spPr>
           <a:xfrm>
-            <a:off x="3175" y="6400800"/>
-            <a:ext cx="12188825" cy="457200"/>
+            <a:off x="8653112" y="937260"/>
+            <a:ext cx="1298608" cy="4983480"/>
           </a:xfrm>
-          <a:prstGeom prst="rect">
-            <a:avLst/>
-          </a:prstGeom>
-          <a:solidFill>
-            <a:schemeClr val="accent4">
-              <a:lumMod val="75000"/>
-            </a:schemeClr>
-          </a:solidFill>
-          <a:ln>
-            <a:noFill/>
-          </a:ln>
         </p:spPr>
-        <p:style>
-          <a:lnRef idx="2">
-            <a:schemeClr val="accent1">
-              <a:shade val="50000"/>
-            </a:schemeClr>
-          </a:lnRef>
-          <a:fillRef idx="1">
-            <a:schemeClr val="accent1"/>
-          </a:fillRef>
-          <a:effectRef idx="0">
-            <a:schemeClr val="accent1"/>
-          </a:effectRef>
-          <a:fontRef idx="minor">
-            <a:schemeClr val="lt1"/>
-          </a:fontRef>
-        </p:style>
-      </p:sp>
-      <p:sp>
-        <p:nvSpPr>
-          <p:cNvPr id="8" name="Rectangle 7"/>
-          <p:cNvSpPr/>
-          <p:nvPr/>
+        <p:txBody>
+          <a:bodyPr vert="eaVert"/>
+          <a:lstStyle/>
+          <a:p>
+            <a:r>
+              <a:rPr lang="en-US"/>
+              <a:t>Click to edit Master title style</a:t>
+            </a:r>
+            <a:endParaRPr lang="en-US" dirty="0"/>
+          </a:p>
+        </p:txBody>
+      </p:sp>
+      <p:sp>
+        <p:nvSpPr>
+          <p:cNvPr id="3" name="Vertical Text Placeholder 2"/>
+          <p:cNvSpPr>
+            <a:spLocks noGrp="1"/>
+          </p:cNvSpPr>
+          <p:nvPr>
+            <p:ph type="body" orient="vert" idx="1"/>
+          </p:nvPr>
         </p:nvSpPr>
         <p:spPr>
           <a:xfrm>
-            <a:off x="15" y="6334316"/>
-            <a:ext cx="12188825" cy="64008"/>
-          </a:xfrm>
-          <a:prstGeom prst="rect">
-            <a:avLst/>
-          </a:prstGeom>
-          <a:solidFill>
-            <a:schemeClr val="accent4"/>
-          </a:solidFill>
-          <a:ln>
-            <a:noFill/>
-          </a:ln>
-        </p:spPr>
-        <p:style>
-          <a:lnRef idx="2">
-            <a:schemeClr val="accent1">
-              <a:shade val="50000"/>
-            </a:schemeClr>
-          </a:lnRef>
-          <a:fillRef idx="1">
-            <a:schemeClr val="accent1"/>
-          </a:fillRef>
-          <a:effectRef idx="0">
-            <a:schemeClr val="accent1"/>
-          </a:effectRef>
-          <a:fontRef idx="minor">
-            <a:schemeClr val="lt1"/>
-          </a:fontRef>
-        </p:style>
-      </p:sp>
-      <p:sp>
-        <p:nvSpPr>
-          <p:cNvPr id="2" name="Vertical Title 1"/>
-          <p:cNvSpPr>
-            <a:spLocks noGrp="1"/>
-          </p:cNvSpPr>
-          <p:nvPr>
-            <p:ph type="title" orient="vert"/>
-          </p:nvPr>
-        </p:nvSpPr>
-        <p:spPr>
-          <a:xfrm>
-            <a:off x="8724900" y="412302"/>
-            <a:ext cx="2628900" cy="5759898"/>
+            <a:off x="2231136" y="937260"/>
+            <a:ext cx="6198489" cy="4983480"/>
           </a:xfrm>
         </p:spPr>
         <p:txBody>
           <a:bodyPr vert="eaVert"/>
           <a:lstStyle/>
           <a:p>
-            <a:r>
-              <a:rPr lang="en-US"/>
-              <a:t>Click to edit Master title style</a:t>
-            </a:r>
-            <a:endParaRPr lang="en-US" dirty="0"/>
-          </a:p>
-        </p:txBody>
-      </p:sp>
-      <p:sp>
-        <p:nvSpPr>
-          <p:cNvPr id="3" name="Vertical Text Placeholder 2"/>
-          <p:cNvSpPr>
-            <a:spLocks noGrp="1"/>
-          </p:cNvSpPr>
-          <p:nvPr>
-            <p:ph type="body" orient="vert" idx="1"/>
-          </p:nvPr>
-        </p:nvSpPr>
-        <p:spPr>
-          <a:xfrm>
-            <a:off x="838200" y="412302"/>
-            <a:ext cx="7734300" cy="5759898"/>
-          </a:xfrm>
-        </p:spPr>
-        <p:txBody>
-          <a:bodyPr vert="eaVert" lIns="45720" tIns="0" rIns="45720" bIns="0"/>
-          <a:lstStyle/>
-          <a:p>
             <a:pPr lvl="0"/>
             <a:r>
               <a:rPr lang="en-US"/>
@@ -801,7 +1068,7 @@
           <a:p>
             <a:fld id="{68453380-E5F8-448B-A055-F6BD15B6CE7F}" type="datetimeFigureOut">
               <a:rPr lang="en-US" smtClean="0"/>
-              <a:t>10/21/2024</a:t>
+              <a:t>10/24/24</a:t>
             </a:fld>
             <a:endParaRPr lang="en-US"/>
           </a:p>
@@ -852,7 +1119,7 @@
     </p:spTree>
     <p:extLst>
       <p:ext uri="{BB962C8B-B14F-4D97-AF65-F5344CB8AC3E}">
-        <p14:creationId xmlns:p14="http://schemas.microsoft.com/office/powerpoint/2010/main" val="1589319842"/>
+        <p14:creationId xmlns:p14="http://schemas.microsoft.com/office/powerpoint/2010/main" val="3098387936"/>
       </p:ext>
     </p:extLst>
   </p:cSld>
@@ -956,7 +1223,7 @@
       </p:sp>
       <p:sp>
         <p:nvSpPr>
-          <p:cNvPr id="4" name="Date Placeholder 3"/>
+          <p:cNvPr id="7" name="Date Placeholder 6"/>
           <p:cNvSpPr>
             <a:spLocks noGrp="1"/>
           </p:cNvSpPr>
@@ -971,7 +1238,7 @@
           <a:p>
             <a:fld id="{68453380-E5F8-448B-A055-F6BD15B6CE7F}" type="datetimeFigureOut">
               <a:rPr lang="en-US" smtClean="0"/>
-              <a:t>10/21/2024</a:t>
+              <a:t>10/24/24</a:t>
             </a:fld>
             <a:endParaRPr lang="en-US"/>
           </a:p>
@@ -979,7 +1246,7 @@
       </p:sp>
       <p:sp>
         <p:nvSpPr>
-          <p:cNvPr id="5" name="Footer Placeholder 4"/>
+          <p:cNvPr id="8" name="Footer Placeholder 7"/>
           <p:cNvSpPr>
             <a:spLocks noGrp="1"/>
           </p:cNvSpPr>
@@ -998,7 +1265,7 @@
       </p:sp>
       <p:sp>
         <p:nvSpPr>
-          <p:cNvPr id="6" name="Slide Number Placeholder 5"/>
+          <p:cNvPr id="9" name="Slide Number Placeholder 8"/>
           <p:cNvSpPr>
             <a:spLocks noGrp="1"/>
           </p:cNvSpPr>
@@ -1022,7 +1289,7 @@
     </p:spTree>
     <p:extLst>
       <p:ext uri="{BB962C8B-B14F-4D97-AF65-F5344CB8AC3E}">
-        <p14:creationId xmlns:p14="http://schemas.microsoft.com/office/powerpoint/2010/main" val="967308985"/>
+        <p14:creationId xmlns:p14="http://schemas.microsoft.com/office/powerpoint/2010/main" val="1605404719"/>
       </p:ext>
     </p:extLst>
   </p:cSld>
@@ -1033,8 +1300,16 @@
 </file>
 
 <file path=ppt/slideLayouts/slideLayout3.xml><?xml version="1.0" encoding="utf-8"?>
-<p:sldLayout xmlns:a="http://schemas.openxmlformats.org/drawingml/2006/main" xmlns:r="http://schemas.openxmlformats.org/officeDocument/2006/relationships" xmlns:p="http://schemas.openxmlformats.org/presentationml/2006/main" showMasterSp="0" type="secHead" preserve="1">
+<p:sldLayout xmlns:a="http://schemas.openxmlformats.org/drawingml/2006/main" xmlns:r="http://schemas.openxmlformats.org/officeDocument/2006/relationships" xmlns:p="http://schemas.openxmlformats.org/presentationml/2006/main" type="secHead" preserve="1">
   <p:cSld name="Section Header">
+    <p:bg>
+      <p:bgPr>
+        <a:solidFill>
+          <a:schemeClr val="accent1"/>
+        </a:solidFill>
+        <a:effectLst/>
+      </p:bgPr>
+    </p:bg>
     <p:spTree>
       <p:nvGrpSpPr>
         <p:cNvPr id="1" name=""/>
@@ -1051,113 +1326,37 @@
       </p:grpSpPr>
       <p:sp>
         <p:nvSpPr>
-          <p:cNvPr id="7" name="Rectangle 6"/>
-          <p:cNvSpPr/>
-          <p:nvPr/>
-        </p:nvSpPr>
-        <p:spPr>
+          <p:cNvPr id="2" name="Title 1"/>
+          <p:cNvSpPr>
+            <a:spLocks noGrp="1"/>
+          </p:cNvSpPr>
+          <p:nvPr>
+            <p:ph type="title"/>
+          </p:nvPr>
+        </p:nvSpPr>
+        <p:spPr bwMode="blackWhite">
           <a:xfrm>
-            <a:off x="3175" y="6400800"/>
-            <a:ext cx="12188825" cy="457200"/>
+            <a:off x="1600200" y="2386744"/>
+            <a:ext cx="8991600" cy="1645920"/>
           </a:xfrm>
-          <a:prstGeom prst="rect">
-            <a:avLst/>
-          </a:prstGeom>
           <a:solidFill>
-            <a:schemeClr val="accent4">
-              <a:lumMod val="75000"/>
-            </a:schemeClr>
+            <a:srgbClr val="FFFFFF"/>
           </a:solidFill>
-          <a:ln>
-            <a:noFill/>
+          <a:ln w="38100">
+            <a:solidFill>
+              <a:srgbClr val="404040"/>
+            </a:solidFill>
           </a:ln>
         </p:spPr>
-        <p:style>
-          <a:lnRef idx="2">
-            <a:schemeClr val="accent1">
-              <a:shade val="50000"/>
-            </a:schemeClr>
-          </a:lnRef>
-          <a:fillRef idx="1">
-            <a:schemeClr val="accent1"/>
-          </a:fillRef>
-          <a:effectRef idx="0">
-            <a:schemeClr val="accent1"/>
-          </a:effectRef>
-          <a:fontRef idx="minor">
-            <a:schemeClr val="lt1"/>
-          </a:fontRef>
-        </p:style>
-      </p:sp>
-      <p:sp>
-        <p:nvSpPr>
-          <p:cNvPr id="8" name="Rectangle 7"/>
-          <p:cNvSpPr/>
-          <p:nvPr/>
-        </p:nvSpPr>
-        <p:spPr>
-          <a:xfrm>
-            <a:off x="15" y="6334316"/>
-            <a:ext cx="12188825" cy="64008"/>
-          </a:xfrm>
-          <a:prstGeom prst="rect">
-            <a:avLst/>
-          </a:prstGeom>
-          <a:solidFill>
-            <a:schemeClr val="accent4"/>
-          </a:solidFill>
-          <a:ln>
-            <a:noFill/>
-          </a:ln>
-        </p:spPr>
-        <p:style>
-          <a:lnRef idx="2">
-            <a:schemeClr val="accent1">
-              <a:shade val="50000"/>
-            </a:schemeClr>
-          </a:lnRef>
-          <a:fillRef idx="1">
-            <a:schemeClr val="accent1"/>
-          </a:fillRef>
-          <a:effectRef idx="0">
-            <a:schemeClr val="accent1"/>
-          </a:effectRef>
-          <a:fontRef idx="minor">
-            <a:schemeClr val="lt1"/>
-          </a:fontRef>
-        </p:style>
-      </p:sp>
-      <p:sp>
-        <p:nvSpPr>
-          <p:cNvPr id="2" name="Title 1"/>
-          <p:cNvSpPr>
-            <a:spLocks noGrp="1"/>
-          </p:cNvSpPr>
-          <p:nvPr>
-            <p:ph type="title"/>
-          </p:nvPr>
-        </p:nvSpPr>
-        <p:spPr>
-          <a:xfrm>
-            <a:off x="1097280" y="758952"/>
-            <a:ext cx="10058400" cy="3566160"/>
-          </a:xfrm>
-        </p:spPr>
-        <p:txBody>
-          <a:bodyPr anchor="b" anchorCtr="0">
+        <p:txBody>
+          <a:bodyPr lIns="274320" rIns="274320" anchor="ctr" anchorCtr="1">
             <a:normAutofit/>
           </a:bodyPr>
           <a:lstStyle>
             <a:lvl1pPr>
-              <a:lnSpc>
-                <a:spcPct val="85000"/>
-              </a:lnSpc>
-              <a:defRPr sz="8000" b="0">
+              <a:defRPr sz="3800">
                 <a:solidFill>
-                  <a:schemeClr val="tx1">
-                    <a:lumMod val="85000"/>
-                    <a:lumOff val="15000"/>
-                  </a:schemeClr>
+                  <a:srgbClr val="262626"/>
                 </a:solidFill>
               </a:defRPr>
             </a:lvl1pPr>
@@ -1183,27 +1382,26 @@
         </p:nvSpPr>
         <p:spPr>
           <a:xfrm>
-            <a:off x="1097280" y="4453128"/>
-            <a:ext cx="10058400" cy="1143000"/>
+            <a:off x="2695194" y="4352465"/>
+            <a:ext cx="6801612" cy="1265082"/>
           </a:xfrm>
         </p:spPr>
         <p:txBody>
-          <a:bodyPr lIns="91440" rIns="91440" anchor="t" anchorCtr="0">
+          <a:bodyPr anchor="t" anchorCtr="1">
             <a:normAutofit/>
           </a:bodyPr>
           <a:lstStyle>
             <a:lvl1pPr marL="0" indent="0">
               <a:buNone/>
-              <a:defRPr sz="2400" cap="all" spc="200" baseline="0">
+              <a:defRPr sz="2000">
                 <a:solidFill>
-                  <a:schemeClr val="tx2"/>
+                  <a:schemeClr val="tx1"/>
                 </a:solidFill>
-                <a:latin typeface="+mj-lt"/>
               </a:defRPr>
             </a:lvl1pPr>
             <a:lvl2pPr marL="457200" indent="0">
               <a:buNone/>
-              <a:defRPr sz="1800">
+              <a:defRPr sz="2000">
                 <a:solidFill>
                   <a:schemeClr val="tx1">
                     <a:tint val="75000"/>
@@ -1213,7 +1411,7 @@
             </a:lvl2pPr>
             <a:lvl3pPr marL="914400" indent="0">
               <a:buNone/>
-              <a:defRPr sz="1600">
+              <a:defRPr sz="1800">
                 <a:solidFill>
                   <a:schemeClr val="tx1">
                     <a:tint val="75000"/>
@@ -1223,7 +1421,7 @@
             </a:lvl3pPr>
             <a:lvl4pPr marL="1371600" indent="0">
               <a:buNone/>
-              <a:defRPr sz="1400">
+              <a:defRPr sz="1600">
                 <a:solidFill>
                   <a:schemeClr val="tx1">
                     <a:tint val="75000"/>
@@ -1233,7 +1431,7 @@
             </a:lvl4pPr>
             <a:lvl5pPr marL="1828800" indent="0">
               <a:buNone/>
-              <a:defRPr sz="1400">
+              <a:defRPr sz="1600">
                 <a:solidFill>
                   <a:schemeClr val="tx1">
                     <a:tint val="75000"/>
@@ -1243,7 +1441,7 @@
             </a:lvl5pPr>
             <a:lvl6pPr marL="2286000" indent="0">
               <a:buNone/>
-              <a:defRPr sz="1400">
+              <a:defRPr sz="1600">
                 <a:solidFill>
                   <a:schemeClr val="tx1">
                     <a:tint val="75000"/>
@@ -1253,7 +1451,7 @@
             </a:lvl6pPr>
             <a:lvl7pPr marL="2743200" indent="0">
               <a:buNone/>
-              <a:defRPr sz="1400">
+              <a:defRPr sz="1600">
                 <a:solidFill>
                   <a:schemeClr val="tx1">
                     <a:tint val="75000"/>
@@ -1263,7 +1461,7 @@
             </a:lvl7pPr>
             <a:lvl8pPr marL="3200400" indent="0">
               <a:buNone/>
-              <a:defRPr sz="1400">
+              <a:defRPr sz="1600">
                 <a:solidFill>
                   <a:schemeClr val="tx1">
                     <a:tint val="75000"/>
@@ -1273,7 +1471,7 @@
             </a:lvl8pPr>
             <a:lvl9pPr marL="3657600" indent="0">
               <a:buNone/>
-              <a:defRPr sz="1400">
+              <a:defRPr sz="1600">
                 <a:solidFill>
                   <a:schemeClr val="tx1">
                     <a:tint val="75000"/>
@@ -1293,7 +1491,7 @@
       </p:sp>
       <p:sp>
         <p:nvSpPr>
-          <p:cNvPr id="4" name="Date Placeholder 3"/>
+          <p:cNvPr id="7" name="Date Placeholder 6"/>
           <p:cNvSpPr>
             <a:spLocks noGrp="1"/>
           </p:cNvSpPr>
@@ -1308,7 +1506,7 @@
           <a:p>
             <a:fld id="{68453380-E5F8-448B-A055-F6BD15B6CE7F}" type="datetimeFigureOut">
               <a:rPr lang="en-US" smtClean="0"/>
-              <a:t>10/21/2024</a:t>
+              <a:t>10/24/24</a:t>
             </a:fld>
             <a:endParaRPr lang="en-US"/>
           </a:p>
@@ -1316,7 +1514,7 @@
       </p:sp>
       <p:sp>
         <p:nvSpPr>
-          <p:cNvPr id="5" name="Footer Placeholder 4"/>
+          <p:cNvPr id="8" name="Footer Placeholder 7"/>
           <p:cNvSpPr>
             <a:spLocks noGrp="1"/>
           </p:cNvSpPr>
@@ -1335,7 +1533,7 @@
       </p:sp>
       <p:sp>
         <p:nvSpPr>
-          <p:cNvPr id="6" name="Slide Number Placeholder 5"/>
+          <p:cNvPr id="9" name="Slide Number Placeholder 8"/>
           <p:cNvSpPr>
             <a:spLocks noGrp="1"/>
           </p:cNvSpPr>
@@ -1356,53 +1554,15 @@
           </a:p>
         </p:txBody>
       </p:sp>
-      <p:cxnSp>
-        <p:nvCxnSpPr>
-          <p:cNvPr id="9" name="Straight Connector 8"/>
-          <p:cNvCxnSpPr/>
-          <p:nvPr/>
-        </p:nvCxnSpPr>
-        <p:spPr>
-          <a:xfrm>
-            <a:off x="1207658" y="4343400"/>
-            <a:ext cx="9875520" cy="0"/>
-          </a:xfrm>
-          <a:prstGeom prst="line">
-            <a:avLst/>
-          </a:prstGeom>
-          <a:ln w="6350">
-            <a:solidFill>
-              <a:schemeClr val="tx1">
-                <a:lumMod val="50000"/>
-                <a:lumOff val="50000"/>
-              </a:schemeClr>
-            </a:solidFill>
-          </a:ln>
-        </p:spPr>
-        <p:style>
-          <a:lnRef idx="1">
-            <a:schemeClr val="accent1"/>
-          </a:lnRef>
-          <a:fillRef idx="0">
-            <a:schemeClr val="accent1"/>
-          </a:fillRef>
-          <a:effectRef idx="0">
-            <a:schemeClr val="accent1"/>
-          </a:effectRef>
-          <a:fontRef idx="minor">
-            <a:schemeClr val="tx1"/>
-          </a:fontRef>
-        </p:style>
-      </p:cxnSp>
     </p:spTree>
     <p:extLst>
       <p:ext uri="{BB962C8B-B14F-4D97-AF65-F5344CB8AC3E}">
-        <p14:creationId xmlns:p14="http://schemas.microsoft.com/office/powerpoint/2010/main" val="3068999782"/>
+        <p14:creationId xmlns:p14="http://schemas.microsoft.com/office/powerpoint/2010/main" val="3820295253"/>
       </p:ext>
     </p:extLst>
   </p:cSld>
   <p:clrMapOvr>
-    <a:masterClrMapping/>
+    <a:overrideClrMapping bg1="dk1" tx1="lt1" bg2="dk2" tx2="lt2" accent1="accent1" accent2="accent2" accent3="accent3" accent4="accent4" accent5="accent5" accent6="accent6" hlink="hlink" folHlink="folHlink"/>
   </p:clrMapOvr>
 </p:sldLayout>
 </file>
@@ -1426,27 +1586,79 @@
       </p:grpSpPr>
       <p:sp>
         <p:nvSpPr>
-          <p:cNvPr id="8" name="Title 7"/>
+          <p:cNvPr id="2" name="Title 1"/>
           <p:cNvSpPr>
             <a:spLocks noGrp="1"/>
           </p:cNvSpPr>
           <p:nvPr>
             <p:ph type="title"/>
+          </p:nvPr>
+        </p:nvSpPr>
+        <p:spPr/>
+        <p:txBody>
+          <a:bodyPr/>
+          <a:lstStyle/>
+          <a:p>
+            <a:r>
+              <a:rPr lang="en-US"/>
+              <a:t>Click to edit Master title style</a:t>
+            </a:r>
+            <a:endParaRPr lang="en-US" dirty="0"/>
+          </a:p>
+        </p:txBody>
+      </p:sp>
+      <p:sp>
+        <p:nvSpPr>
+          <p:cNvPr id="3" name="Content Placeholder 2"/>
+          <p:cNvSpPr>
+            <a:spLocks noGrp="1"/>
+          </p:cNvSpPr>
+          <p:nvPr>
+            <p:ph sz="half" idx="1"/>
           </p:nvPr>
         </p:nvSpPr>
         <p:spPr>
           <a:xfrm>
-            <a:off x="1097280" y="286603"/>
-            <a:ext cx="10058400" cy="1450757"/>
+            <a:off x="1581912" y="2638044"/>
+            <a:ext cx="4271771" cy="3101982"/>
           </a:xfrm>
         </p:spPr>
         <p:txBody>
           <a:bodyPr/>
           <a:lstStyle/>
           <a:p>
-            <a:r>
-              <a:rPr lang="en-US"/>
-              <a:t>Click to edit Master title style</a:t>
+            <a:pPr lvl="0"/>
+            <a:r>
+              <a:rPr lang="en-US"/>
+              <a:t>Click to edit Master text styles</a:t>
+            </a:r>
+          </a:p>
+          <a:p>
+            <a:pPr lvl="1"/>
+            <a:r>
+              <a:rPr lang="en-US"/>
+              <a:t>Second level</a:t>
+            </a:r>
+          </a:p>
+          <a:p>
+            <a:pPr lvl="2"/>
+            <a:r>
+              <a:rPr lang="en-US"/>
+              <a:t>Third level</a:t>
+            </a:r>
+          </a:p>
+          <a:p>
+            <a:pPr lvl="3"/>
+            <a:r>
+              <a:rPr lang="en-US"/>
+              <a:t>Fourth level</a:t>
+            </a:r>
+          </a:p>
+          <a:p>
+            <a:pPr lvl="4"/>
+            <a:r>
+              <a:rPr lang="en-US"/>
+              <a:t>Fifth level</a:t>
             </a:r>
             <a:endParaRPr lang="en-US" dirty="0"/>
           </a:p>
@@ -1454,18 +1666,18 @@
       </p:sp>
       <p:sp>
         <p:nvSpPr>
-          <p:cNvPr id="3" name="Content Placeholder 2"/>
-          <p:cNvSpPr>
-            <a:spLocks noGrp="1"/>
-          </p:cNvSpPr>
-          <p:nvPr>
-            <p:ph sz="half" idx="1"/>
+          <p:cNvPr id="4" name="Content Placeholder 3"/>
+          <p:cNvSpPr>
+            <a:spLocks noGrp="1"/>
+          </p:cNvSpPr>
+          <p:nvPr>
+            <p:ph sz="half" idx="2"/>
           </p:nvPr>
         </p:nvSpPr>
         <p:spPr>
           <a:xfrm>
-            <a:off x="1097278" y="1845734"/>
-            <a:ext cx="4937760" cy="4023360"/>
+            <a:off x="6338315" y="2638044"/>
+            <a:ext cx="4270247" cy="3101982"/>
           </a:xfrm>
         </p:spPr>
         <p:txBody>
@@ -1511,64 +1723,7 @@
       </p:sp>
       <p:sp>
         <p:nvSpPr>
-          <p:cNvPr id="4" name="Content Placeholder 3"/>
-          <p:cNvSpPr>
-            <a:spLocks noGrp="1"/>
-          </p:cNvSpPr>
-          <p:nvPr>
-            <p:ph sz="half" idx="2"/>
-          </p:nvPr>
-        </p:nvSpPr>
-        <p:spPr>
-          <a:xfrm>
-            <a:off x="6217920" y="1845735"/>
-            <a:ext cx="4937760" cy="4023360"/>
-          </a:xfrm>
-        </p:spPr>
-        <p:txBody>
-          <a:bodyPr/>
-          <a:lstStyle/>
-          <a:p>
-            <a:pPr lvl="0"/>
-            <a:r>
-              <a:rPr lang="en-US"/>
-              <a:t>Click to edit Master text styles</a:t>
-            </a:r>
-          </a:p>
-          <a:p>
-            <a:pPr lvl="1"/>
-            <a:r>
-              <a:rPr lang="en-US"/>
-              <a:t>Second level</a:t>
-            </a:r>
-          </a:p>
-          <a:p>
-            <a:pPr lvl="2"/>
-            <a:r>
-              <a:rPr lang="en-US"/>
-              <a:t>Third level</a:t>
-            </a:r>
-          </a:p>
-          <a:p>
-            <a:pPr lvl="3"/>
-            <a:r>
-              <a:rPr lang="en-US"/>
-              <a:t>Fourth level</a:t>
-            </a:r>
-          </a:p>
-          <a:p>
-            <a:pPr lvl="4"/>
-            <a:r>
-              <a:rPr lang="en-US"/>
-              <a:t>Fifth level</a:t>
-            </a:r>
-            <a:endParaRPr lang="en-US" dirty="0"/>
-          </a:p>
-        </p:txBody>
-      </p:sp>
-      <p:sp>
-        <p:nvSpPr>
-          <p:cNvPr id="5" name="Date Placeholder 4"/>
+          <p:cNvPr id="8" name="Date Placeholder 7"/>
           <p:cNvSpPr>
             <a:spLocks noGrp="1"/>
           </p:cNvSpPr>
@@ -1583,7 +1738,7 @@
           <a:p>
             <a:fld id="{68453380-E5F8-448B-A055-F6BD15B6CE7F}" type="datetimeFigureOut">
               <a:rPr lang="en-US" smtClean="0"/>
-              <a:t>10/21/2024</a:t>
+              <a:t>10/24/24</a:t>
             </a:fld>
             <a:endParaRPr lang="en-US"/>
           </a:p>
@@ -1591,7 +1746,7 @@
       </p:sp>
       <p:sp>
         <p:nvSpPr>
-          <p:cNvPr id="6" name="Footer Placeholder 5"/>
+          <p:cNvPr id="9" name="Footer Placeholder 8"/>
           <p:cNvSpPr>
             <a:spLocks noGrp="1"/>
           </p:cNvSpPr>
@@ -1610,7 +1765,7 @@
       </p:sp>
       <p:sp>
         <p:nvSpPr>
-          <p:cNvPr id="7" name="Slide Number Placeholder 6"/>
+          <p:cNvPr id="10" name="Slide Number Placeholder 9"/>
           <p:cNvSpPr>
             <a:spLocks noGrp="1"/>
           </p:cNvSpPr>
@@ -1634,7 +1789,7 @@
     </p:spTree>
     <p:extLst>
       <p:ext uri="{BB962C8B-B14F-4D97-AF65-F5344CB8AC3E}">
-        <p14:creationId xmlns:p14="http://schemas.microsoft.com/office/powerpoint/2010/main" val="134835381"/>
+        <p14:creationId xmlns:p14="http://schemas.microsoft.com/office/powerpoint/2010/main" val="284167644"/>
       </p:ext>
     </p:extLst>
   </p:cSld>
@@ -1663,64 +1818,38 @@
       </p:grpSpPr>
       <p:sp>
         <p:nvSpPr>
-          <p:cNvPr id="10" name="Title 9"/>
-          <p:cNvSpPr>
-            <a:spLocks noGrp="1"/>
-          </p:cNvSpPr>
-          <p:nvPr>
-            <p:ph type="title"/>
+          <p:cNvPr id="3" name="Text Placeholder 2"/>
+          <p:cNvSpPr>
+            <a:spLocks noGrp="1"/>
+          </p:cNvSpPr>
+          <p:nvPr>
+            <p:ph type="body" idx="1"/>
           </p:nvPr>
         </p:nvSpPr>
         <p:spPr>
           <a:xfrm>
-            <a:off x="1097280" y="286603"/>
-            <a:ext cx="10058400" cy="1450757"/>
+            <a:off x="1583436" y="2313433"/>
+            <a:ext cx="4270248" cy="704087"/>
           </a:xfrm>
         </p:spPr>
         <p:txBody>
-          <a:bodyPr/>
-          <a:lstStyle/>
-          <a:p>
-            <a:r>
-              <a:rPr lang="en-US"/>
-              <a:t>Click to edit Master title style</a:t>
-            </a:r>
-            <a:endParaRPr lang="en-US" dirty="0"/>
-          </a:p>
-        </p:txBody>
-      </p:sp>
-      <p:sp>
-        <p:nvSpPr>
-          <p:cNvPr id="3" name="Text Placeholder 2"/>
-          <p:cNvSpPr>
-            <a:spLocks noGrp="1"/>
-          </p:cNvSpPr>
-          <p:nvPr>
-            <p:ph type="body" idx="1"/>
-          </p:nvPr>
-        </p:nvSpPr>
-        <p:spPr>
-          <a:xfrm>
-            <a:off x="1097280" y="1846052"/>
-            <a:ext cx="4937760" cy="736282"/>
-          </a:xfrm>
-        </p:spPr>
-        <p:txBody>
-          <a:bodyPr lIns="91440" rIns="91440" anchor="ctr">
+          <a:bodyPr anchor="b" anchorCtr="1">
             <a:normAutofit/>
           </a:bodyPr>
           <a:lstStyle>
-            <a:lvl1pPr marL="0" indent="0">
-              <a:buNone/>
-              <a:defRPr sz="2000" b="0" cap="all" baseline="0">
+            <a:lvl1pPr marL="0" indent="0" algn="ctr">
+              <a:buNone/>
+              <a:defRPr sz="1900" b="0" cap="all" spc="100" baseline="0">
                 <a:solidFill>
-                  <a:schemeClr val="tx2"/>
+                  <a:schemeClr val="accent2">
+                    <a:lumMod val="75000"/>
+                  </a:schemeClr>
                 </a:solidFill>
               </a:defRPr>
             </a:lvl1pPr>
             <a:lvl2pPr marL="457200" indent="0">
               <a:buNone/>
-              <a:defRPr sz="2000" b="1"/>
+              <a:defRPr sz="1900" b="1"/>
             </a:lvl2pPr>
             <a:lvl3pPr marL="914400" indent="0">
               <a:buNone/>
@@ -1772,8 +1901,8 @@
         </p:nvSpPr>
         <p:spPr>
           <a:xfrm>
-            <a:off x="1097280" y="2582334"/>
-            <a:ext cx="4937760" cy="3378200"/>
+            <a:off x="1583436" y="3143250"/>
+            <a:ext cx="4270248" cy="2596776"/>
           </a:xfrm>
         </p:spPr>
         <p:txBody>
@@ -1819,36 +1948,99 @@
       </p:sp>
       <p:sp>
         <p:nvSpPr>
-          <p:cNvPr id="5" name="Text Placeholder 4"/>
-          <p:cNvSpPr>
-            <a:spLocks noGrp="1"/>
-          </p:cNvSpPr>
-          <p:nvPr>
-            <p:ph type="body" sz="quarter" idx="3"/>
+          <p:cNvPr id="6" name="Content Placeholder 5"/>
+          <p:cNvSpPr>
+            <a:spLocks noGrp="1"/>
+          </p:cNvSpPr>
+          <p:nvPr>
+            <p:ph sz="quarter" idx="4"/>
           </p:nvPr>
         </p:nvSpPr>
         <p:spPr>
           <a:xfrm>
-            <a:off x="6217920" y="1846052"/>
-            <a:ext cx="4937760" cy="736282"/>
+            <a:off x="6338316" y="3143250"/>
+            <a:ext cx="4253484" cy="2596776"/>
           </a:xfrm>
         </p:spPr>
         <p:txBody>
-          <a:bodyPr lIns="91440" rIns="91440" anchor="ctr">
+          <a:bodyPr/>
+          <a:lstStyle>
+            <a:lvl5pPr>
+              <a:defRPr/>
+            </a:lvl5pPr>
+          </a:lstStyle>
+          <a:p>
+            <a:pPr lvl="0"/>
+            <a:r>
+              <a:rPr lang="en-US"/>
+              <a:t>Click to edit Master text styles</a:t>
+            </a:r>
+          </a:p>
+          <a:p>
+            <a:pPr lvl="1"/>
+            <a:r>
+              <a:rPr lang="en-US"/>
+              <a:t>Second level</a:t>
+            </a:r>
+          </a:p>
+          <a:p>
+            <a:pPr lvl="2"/>
+            <a:r>
+              <a:rPr lang="en-US"/>
+              <a:t>Third level</a:t>
+            </a:r>
+          </a:p>
+          <a:p>
+            <a:pPr lvl="3"/>
+            <a:r>
+              <a:rPr lang="en-US"/>
+              <a:t>Fourth level</a:t>
+            </a:r>
+          </a:p>
+          <a:p>
+            <a:pPr lvl="4"/>
+            <a:r>
+              <a:rPr lang="en-US"/>
+              <a:t>Fifth level</a:t>
+            </a:r>
+            <a:endParaRPr lang="en-US" dirty="0"/>
+          </a:p>
+        </p:txBody>
+      </p:sp>
+      <p:sp>
+        <p:nvSpPr>
+          <p:cNvPr id="11" name="Text Placeholder 4"/>
+          <p:cNvSpPr>
+            <a:spLocks noGrp="1"/>
+          </p:cNvSpPr>
+          <p:nvPr>
+            <p:ph type="body" sz="quarter" idx="13"/>
+          </p:nvPr>
+        </p:nvSpPr>
+        <p:spPr>
+          <a:xfrm>
+            <a:off x="6338316" y="2313433"/>
+            <a:ext cx="4270248" cy="704087"/>
+          </a:xfrm>
+        </p:spPr>
+        <p:txBody>
+          <a:bodyPr anchor="b" anchorCtr="1">
             <a:normAutofit/>
           </a:bodyPr>
           <a:lstStyle>
-            <a:lvl1pPr marL="0" indent="0">
-              <a:buNone/>
-              <a:defRPr sz="2000" b="0" cap="all" baseline="0">
+            <a:lvl1pPr marL="0" indent="0" algn="ctr">
+              <a:buNone/>
+              <a:defRPr sz="1900" b="0" cap="all" spc="100" baseline="0">
                 <a:solidFill>
-                  <a:schemeClr val="tx2"/>
+                  <a:schemeClr val="accent2">
+                    <a:lumMod val="75000"/>
+                  </a:schemeClr>
                 </a:solidFill>
               </a:defRPr>
             </a:lvl1pPr>
             <a:lvl2pPr marL="457200" indent="0">
               <a:buNone/>
-              <a:defRPr sz="2000" b="1"/>
+              <a:defRPr sz="1900" b="1"/>
             </a:lvl2pPr>
             <a:lvl3pPr marL="914400" indent="0">
               <a:buNone/>
@@ -1890,63 +2082,6 @@
       </p:sp>
       <p:sp>
         <p:nvSpPr>
-          <p:cNvPr id="6" name="Content Placeholder 5"/>
-          <p:cNvSpPr>
-            <a:spLocks noGrp="1"/>
-          </p:cNvSpPr>
-          <p:nvPr>
-            <p:ph sz="quarter" idx="4"/>
-          </p:nvPr>
-        </p:nvSpPr>
-        <p:spPr>
-          <a:xfrm>
-            <a:off x="6217920" y="2582334"/>
-            <a:ext cx="4937760" cy="3378200"/>
-          </a:xfrm>
-        </p:spPr>
-        <p:txBody>
-          <a:bodyPr/>
-          <a:lstStyle/>
-          <a:p>
-            <a:pPr lvl="0"/>
-            <a:r>
-              <a:rPr lang="en-US"/>
-              <a:t>Click to edit Master text styles</a:t>
-            </a:r>
-          </a:p>
-          <a:p>
-            <a:pPr lvl="1"/>
-            <a:r>
-              <a:rPr lang="en-US"/>
-              <a:t>Second level</a:t>
-            </a:r>
-          </a:p>
-          <a:p>
-            <a:pPr lvl="2"/>
-            <a:r>
-              <a:rPr lang="en-US"/>
-              <a:t>Third level</a:t>
-            </a:r>
-          </a:p>
-          <a:p>
-            <a:pPr lvl="3"/>
-            <a:r>
-              <a:rPr lang="en-US"/>
-              <a:t>Fourth level</a:t>
-            </a:r>
-          </a:p>
-          <a:p>
-            <a:pPr lvl="4"/>
-            <a:r>
-              <a:rPr lang="en-US"/>
-              <a:t>Fifth level</a:t>
-            </a:r>
-            <a:endParaRPr lang="en-US" dirty="0"/>
-          </a:p>
-        </p:txBody>
-      </p:sp>
-      <p:sp>
-        <p:nvSpPr>
           <p:cNvPr id="7" name="Date Placeholder 6"/>
           <p:cNvSpPr>
             <a:spLocks noGrp="1"/>
@@ -1962,7 +2097,7 @@
           <a:p>
             <a:fld id="{68453380-E5F8-448B-A055-F6BD15B6CE7F}" type="datetimeFigureOut">
               <a:rPr lang="en-US" smtClean="0"/>
-              <a:t>10/21/2024</a:t>
+              <a:t>10/24/24</a:t>
             </a:fld>
             <a:endParaRPr lang="en-US"/>
           </a:p>
@@ -2010,10 +2145,33 @@
           </a:p>
         </p:txBody>
       </p:sp>
+      <p:sp>
+        <p:nvSpPr>
+          <p:cNvPr id="10" name="Title 9"/>
+          <p:cNvSpPr>
+            <a:spLocks noGrp="1"/>
+          </p:cNvSpPr>
+          <p:nvPr>
+            <p:ph type="title"/>
+          </p:nvPr>
+        </p:nvSpPr>
+        <p:spPr/>
+        <p:txBody>
+          <a:bodyPr/>
+          <a:lstStyle/>
+          <a:p>
+            <a:r>
+              <a:rPr lang="en-US"/>
+              <a:t>Click to edit Master title style</a:t>
+            </a:r>
+            <a:endParaRPr lang="en-US" dirty="0"/>
+          </a:p>
+        </p:txBody>
+      </p:sp>
     </p:spTree>
     <p:extLst>
       <p:ext uri="{BB962C8B-B14F-4D97-AF65-F5344CB8AC3E}">
-        <p14:creationId xmlns:p14="http://schemas.microsoft.com/office/powerpoint/2010/main" val="4041771976"/>
+        <p14:creationId xmlns:p14="http://schemas.microsoft.com/office/powerpoint/2010/main" val="2433995907"/>
       </p:ext>
     </p:extLst>
   </p:cSld>
@@ -2080,7 +2238,7 @@
           <a:p>
             <a:fld id="{68453380-E5F8-448B-A055-F6BD15B6CE7F}" type="datetimeFigureOut">
               <a:rPr lang="en-US" smtClean="0"/>
-              <a:t>10/21/2024</a:t>
+              <a:t>10/24/24</a:t>
             </a:fld>
             <a:endParaRPr lang="en-US"/>
           </a:p>
@@ -2131,7 +2289,7 @@
     </p:spTree>
     <p:extLst>
       <p:ext uri="{BB962C8B-B14F-4D97-AF65-F5344CB8AC3E}">
-        <p14:creationId xmlns:p14="http://schemas.microsoft.com/office/powerpoint/2010/main" val="3512807108"/>
+        <p14:creationId xmlns:p14="http://schemas.microsoft.com/office/powerpoint/2010/main" val="16658202"/>
       </p:ext>
     </p:extLst>
   </p:cSld>
@@ -2142,7 +2300,7 @@
 </file>
 
 <file path=ppt/slideLayouts/slideLayout7.xml><?xml version="1.0" encoding="utf-8"?>
-<p:sldLayout xmlns:a="http://schemas.openxmlformats.org/drawingml/2006/main" xmlns:r="http://schemas.openxmlformats.org/officeDocument/2006/relationships" xmlns:p="http://schemas.openxmlformats.org/presentationml/2006/main" showMasterSp="0" type="blank" preserve="1">
+<p:sldLayout xmlns:a="http://schemas.openxmlformats.org/drawingml/2006/main" xmlns:r="http://schemas.openxmlformats.org/officeDocument/2006/relationships" xmlns:p="http://schemas.openxmlformats.org/presentationml/2006/main" type="blank" preserve="1">
   <p:cSld name="Blank">
     <p:spTree>
       <p:nvGrpSpPr>
@@ -2160,22 +2318,115 @@
       </p:grpSpPr>
       <p:sp>
         <p:nvSpPr>
-          <p:cNvPr id="5" name="Rectangle 4"/>
+          <p:cNvPr id="2" name="Date Placeholder 1"/>
+          <p:cNvSpPr>
+            <a:spLocks noGrp="1"/>
+          </p:cNvSpPr>
+          <p:nvPr>
+            <p:ph type="dt" sz="half" idx="10"/>
+          </p:nvPr>
+        </p:nvSpPr>
+        <p:spPr/>
+        <p:txBody>
+          <a:bodyPr/>
+          <a:lstStyle/>
+          <a:p>
+            <a:fld id="{68453380-E5F8-448B-A055-F6BD15B6CE7F}" type="datetimeFigureOut">
+              <a:rPr lang="en-US" smtClean="0"/>
+              <a:t>10/24/24</a:t>
+            </a:fld>
+            <a:endParaRPr lang="en-US"/>
+          </a:p>
+        </p:txBody>
+      </p:sp>
+      <p:sp>
+        <p:nvSpPr>
+          <p:cNvPr id="3" name="Footer Placeholder 2"/>
+          <p:cNvSpPr>
+            <a:spLocks noGrp="1"/>
+          </p:cNvSpPr>
+          <p:nvPr>
+            <p:ph type="ftr" sz="quarter" idx="11"/>
+          </p:nvPr>
+        </p:nvSpPr>
+        <p:spPr/>
+        <p:txBody>
+          <a:bodyPr/>
+          <a:lstStyle/>
+          <a:p>
+            <a:endParaRPr lang="en-US"/>
+          </a:p>
+        </p:txBody>
+      </p:sp>
+      <p:sp>
+        <p:nvSpPr>
+          <p:cNvPr id="4" name="Slide Number Placeholder 3"/>
+          <p:cNvSpPr>
+            <a:spLocks noGrp="1"/>
+          </p:cNvSpPr>
+          <p:nvPr>
+            <p:ph type="sldNum" sz="quarter" idx="12"/>
+          </p:nvPr>
+        </p:nvSpPr>
+        <p:spPr/>
+        <p:txBody>
+          <a:bodyPr/>
+          <a:lstStyle/>
+          <a:p>
+            <a:fld id="{D6BCBA9B-0B72-4A8F-9996-2BCAA14E40B8}" type="slidenum">
+              <a:rPr lang="en-US" smtClean="0"/>
+              <a:t>‹#›</a:t>
+            </a:fld>
+            <a:endParaRPr lang="en-US"/>
+          </a:p>
+        </p:txBody>
+      </p:sp>
+    </p:spTree>
+    <p:extLst>
+      <p:ext uri="{BB962C8B-B14F-4D97-AF65-F5344CB8AC3E}">
+        <p14:creationId xmlns:p14="http://schemas.microsoft.com/office/powerpoint/2010/main" val="983237452"/>
+      </p:ext>
+    </p:extLst>
+  </p:cSld>
+  <p:clrMapOvr>
+    <a:masterClrMapping/>
+  </p:clrMapOvr>
+</p:sldLayout>
+</file>
+
+<file path=ppt/slideLayouts/slideLayout8.xml><?xml version="1.0" encoding="utf-8"?>
+<p:sldLayout xmlns:a="http://schemas.openxmlformats.org/drawingml/2006/main" xmlns:r="http://schemas.openxmlformats.org/officeDocument/2006/relationships" xmlns:p="http://schemas.openxmlformats.org/presentationml/2006/main" type="objTx" preserve="1">
+  <p:cSld name="Content with Caption">
+    <p:spTree>
+      <p:nvGrpSpPr>
+        <p:cNvPr id="1" name=""/>
+        <p:cNvGrpSpPr/>
+        <p:nvPr/>
+      </p:nvGrpSpPr>
+      <p:grpSpPr>
+        <a:xfrm>
+          <a:off x="0" y="0"/>
+          <a:ext cx="0" cy="0"/>
+          <a:chOff x="0" y="0"/>
+          <a:chExt cx="0" cy="0"/>
+        </a:xfrm>
+      </p:grpSpPr>
+      <p:sp>
+        <p:nvSpPr>
+          <p:cNvPr id="26" name="Rectangle 25"/>
           <p:cNvSpPr/>
           <p:nvPr/>
         </p:nvSpPr>
         <p:spPr>
           <a:xfrm>
-            <a:off x="3175" y="6400800"/>
-            <a:ext cx="12188825" cy="457200"/>
+            <a:off x="0" y="0"/>
+            <a:ext cx="6096000" cy="6858000"/>
           </a:xfrm>
           <a:prstGeom prst="rect">
             <a:avLst/>
           </a:prstGeom>
           <a:solidFill>
-            <a:schemeClr val="accent4">
-              <a:lumMod val="75000"/>
-            </a:schemeClr>
+            <a:schemeClr val="accent2"/>
           </a:solidFill>
           <a:ln>
             <a:noFill/>
@@ -2200,20 +2451,354 @@
       </p:sp>
       <p:sp>
         <p:nvSpPr>
-          <p:cNvPr id="6" name="Rectangle 5"/>
+          <p:cNvPr id="2" name="Title 1"/>
+          <p:cNvSpPr>
+            <a:spLocks noGrp="1"/>
+          </p:cNvSpPr>
+          <p:nvPr>
+            <p:ph type="title"/>
+          </p:nvPr>
+        </p:nvSpPr>
+        <p:spPr bwMode="blackWhite">
+          <a:xfrm>
+            <a:off x="804672" y="2243828"/>
+            <a:ext cx="4486656" cy="1141497"/>
+          </a:xfrm>
+          <a:solidFill>
+            <a:srgbClr val="FFFFFF"/>
+          </a:solidFill>
+          <a:ln>
+            <a:solidFill>
+              <a:srgbClr val="404040"/>
+            </a:solidFill>
+          </a:ln>
+        </p:spPr>
+        <p:txBody>
+          <a:bodyPr anchor="ctr" anchorCtr="1">
+            <a:normAutofit/>
+          </a:bodyPr>
+          <a:lstStyle>
+            <a:lvl1pPr>
+              <a:defRPr sz="2200">
+                <a:solidFill>
+                  <a:srgbClr val="262626"/>
+                </a:solidFill>
+              </a:defRPr>
+            </a:lvl1pPr>
+          </a:lstStyle>
+          <a:p>
+            <a:r>
+              <a:rPr lang="en-US"/>
+              <a:t>Click to edit Master title style</a:t>
+            </a:r>
+            <a:endParaRPr lang="en-US" dirty="0"/>
+          </a:p>
+        </p:txBody>
+      </p:sp>
+      <p:sp>
+        <p:nvSpPr>
+          <p:cNvPr id="3" name="Content Placeholder 2"/>
+          <p:cNvSpPr>
+            <a:spLocks noGrp="1"/>
+          </p:cNvSpPr>
+          <p:nvPr>
+            <p:ph idx="1"/>
+          </p:nvPr>
+        </p:nvSpPr>
+        <p:spPr>
+          <a:xfrm>
+            <a:off x="6736080" y="804672"/>
+            <a:ext cx="4815840" cy="5248656"/>
+          </a:xfrm>
+        </p:spPr>
+        <p:txBody>
+          <a:bodyPr>
+            <a:normAutofit/>
+          </a:bodyPr>
+          <a:lstStyle>
+            <a:lvl1pPr>
+              <a:defRPr sz="1900">
+                <a:solidFill>
+                  <a:schemeClr val="tx1"/>
+                </a:solidFill>
+              </a:defRPr>
+            </a:lvl1pPr>
+            <a:lvl2pPr>
+              <a:defRPr sz="1600">
+                <a:solidFill>
+                  <a:schemeClr val="tx1"/>
+                </a:solidFill>
+              </a:defRPr>
+            </a:lvl2pPr>
+            <a:lvl3pPr>
+              <a:defRPr sz="1600">
+                <a:solidFill>
+                  <a:schemeClr val="tx1"/>
+                </a:solidFill>
+              </a:defRPr>
+            </a:lvl3pPr>
+            <a:lvl4pPr>
+              <a:defRPr sz="1600">
+                <a:solidFill>
+                  <a:schemeClr val="tx1"/>
+                </a:solidFill>
+              </a:defRPr>
+            </a:lvl4pPr>
+            <a:lvl5pPr>
+              <a:defRPr sz="1600">
+                <a:solidFill>
+                  <a:schemeClr val="tx1"/>
+                </a:solidFill>
+              </a:defRPr>
+            </a:lvl5pPr>
+            <a:lvl6pPr>
+              <a:defRPr sz="1600"/>
+            </a:lvl6pPr>
+            <a:lvl7pPr>
+              <a:defRPr sz="1600"/>
+            </a:lvl7pPr>
+            <a:lvl8pPr>
+              <a:defRPr sz="1600"/>
+            </a:lvl8pPr>
+            <a:lvl9pPr>
+              <a:defRPr sz="1600"/>
+            </a:lvl9pPr>
+          </a:lstStyle>
+          <a:p>
+            <a:pPr lvl="0"/>
+            <a:r>
+              <a:rPr lang="en-US"/>
+              <a:t>Click to edit Master text styles</a:t>
+            </a:r>
+          </a:p>
+          <a:p>
+            <a:pPr lvl="1"/>
+            <a:r>
+              <a:rPr lang="en-US"/>
+              <a:t>Second level</a:t>
+            </a:r>
+          </a:p>
+          <a:p>
+            <a:pPr lvl="2"/>
+            <a:r>
+              <a:rPr lang="en-US"/>
+              <a:t>Third level</a:t>
+            </a:r>
+          </a:p>
+          <a:p>
+            <a:pPr lvl="3"/>
+            <a:r>
+              <a:rPr lang="en-US"/>
+              <a:t>Fourth level</a:t>
+            </a:r>
+          </a:p>
+          <a:p>
+            <a:pPr lvl="4"/>
+            <a:r>
+              <a:rPr lang="en-US"/>
+              <a:t>Fifth level</a:t>
+            </a:r>
+            <a:endParaRPr lang="en-US" dirty="0"/>
+          </a:p>
+        </p:txBody>
+      </p:sp>
+      <p:sp>
+        <p:nvSpPr>
+          <p:cNvPr id="4" name="Text Placeholder 3"/>
+          <p:cNvSpPr>
+            <a:spLocks noGrp="1"/>
+          </p:cNvSpPr>
+          <p:nvPr>
+            <p:ph type="body" sz="half" idx="2"/>
+          </p:nvPr>
+        </p:nvSpPr>
+        <p:spPr>
+          <a:xfrm>
+            <a:off x="1115568" y="3549918"/>
+            <a:ext cx="3794760" cy="2194036"/>
+          </a:xfrm>
+        </p:spPr>
+        <p:txBody>
+          <a:bodyPr anchor="t" anchorCtr="1">
+            <a:normAutofit/>
+          </a:bodyPr>
+          <a:lstStyle>
+            <a:lvl1pPr marL="0" indent="0" algn="ctr">
+              <a:buNone/>
+              <a:defRPr sz="1500">
+                <a:solidFill>
+                  <a:srgbClr val="FFFFFF"/>
+                </a:solidFill>
+              </a:defRPr>
+            </a:lvl1pPr>
+            <a:lvl2pPr marL="457200" indent="0">
+              <a:buNone/>
+              <a:defRPr sz="1400"/>
+            </a:lvl2pPr>
+            <a:lvl3pPr marL="914400" indent="0">
+              <a:buNone/>
+              <a:defRPr sz="1200"/>
+            </a:lvl3pPr>
+            <a:lvl4pPr marL="1371600" indent="0">
+              <a:buNone/>
+              <a:defRPr sz="1000"/>
+            </a:lvl4pPr>
+            <a:lvl5pPr marL="1828800" indent="0">
+              <a:buNone/>
+              <a:defRPr sz="1000"/>
+            </a:lvl5pPr>
+            <a:lvl6pPr marL="2286000" indent="0">
+              <a:buNone/>
+              <a:defRPr sz="1000"/>
+            </a:lvl6pPr>
+            <a:lvl7pPr marL="2743200" indent="0">
+              <a:buNone/>
+              <a:defRPr sz="1000"/>
+            </a:lvl7pPr>
+            <a:lvl8pPr marL="3200400" indent="0">
+              <a:buNone/>
+              <a:defRPr sz="1000"/>
+            </a:lvl8pPr>
+            <a:lvl9pPr marL="3657600" indent="0">
+              <a:buNone/>
+              <a:defRPr sz="1000"/>
+            </a:lvl9pPr>
+          </a:lstStyle>
+          <a:p>
+            <a:pPr lvl="0"/>
+            <a:r>
+              <a:rPr lang="en-US"/>
+              <a:t>Click to edit Master text styles</a:t>
+            </a:r>
+          </a:p>
+        </p:txBody>
+      </p:sp>
+      <p:sp>
+        <p:nvSpPr>
+          <p:cNvPr id="9" name="Date Placeholder 8"/>
+          <p:cNvSpPr>
+            <a:spLocks noGrp="1"/>
+          </p:cNvSpPr>
+          <p:nvPr>
+            <p:ph type="dt" sz="half" idx="10"/>
+          </p:nvPr>
+        </p:nvSpPr>
+        <p:spPr/>
+        <p:txBody>
+          <a:bodyPr/>
+          <a:lstStyle/>
+          <a:p>
+            <a:fld id="{68453380-E5F8-448B-A055-F6BD15B6CE7F}" type="datetimeFigureOut">
+              <a:rPr lang="en-US" smtClean="0"/>
+              <a:t>10/24/24</a:t>
+            </a:fld>
+            <a:endParaRPr lang="en-US"/>
+          </a:p>
+        </p:txBody>
+      </p:sp>
+      <p:sp>
+        <p:nvSpPr>
+          <p:cNvPr id="10" name="Footer Placeholder 9"/>
+          <p:cNvSpPr>
+            <a:spLocks noGrp="1"/>
+          </p:cNvSpPr>
+          <p:nvPr>
+            <p:ph type="ftr" sz="quarter" idx="11"/>
+          </p:nvPr>
+        </p:nvSpPr>
+        <p:spPr>
+          <a:xfrm>
+            <a:off x="804672" y="6236208"/>
+            <a:ext cx="5124797" cy="320040"/>
+          </a:xfrm>
+        </p:spPr>
+        <p:txBody>
+          <a:bodyPr/>
+          <a:lstStyle>
+            <a:lvl1pPr>
+              <a:defRPr>
+                <a:solidFill>
+                  <a:srgbClr val="FFFFFF">
+                    <a:alpha val="70000"/>
+                  </a:srgbClr>
+                </a:solidFill>
+              </a:defRPr>
+            </a:lvl1pPr>
+          </a:lstStyle>
+          <a:p>
+            <a:endParaRPr lang="en-US"/>
+          </a:p>
+        </p:txBody>
+      </p:sp>
+      <p:sp>
+        <p:nvSpPr>
+          <p:cNvPr id="11" name="Slide Number Placeholder 10"/>
+          <p:cNvSpPr>
+            <a:spLocks noGrp="1"/>
+          </p:cNvSpPr>
+          <p:nvPr>
+            <p:ph type="sldNum" sz="quarter" idx="12"/>
+          </p:nvPr>
+        </p:nvSpPr>
+        <p:spPr/>
+        <p:txBody>
+          <a:bodyPr/>
+          <a:lstStyle/>
+          <a:p>
+            <a:fld id="{D6BCBA9B-0B72-4A8F-9996-2BCAA14E40B8}" type="slidenum">
+              <a:rPr lang="en-US" smtClean="0"/>
+              <a:t>‹#›</a:t>
+            </a:fld>
+            <a:endParaRPr lang="en-US"/>
+          </a:p>
+        </p:txBody>
+      </p:sp>
+    </p:spTree>
+    <p:extLst>
+      <p:ext uri="{BB962C8B-B14F-4D97-AF65-F5344CB8AC3E}">
+        <p14:creationId xmlns:p14="http://schemas.microsoft.com/office/powerpoint/2010/main" val="990022652"/>
+      </p:ext>
+    </p:extLst>
+  </p:cSld>
+  <p:clrMapOvr>
+    <a:masterClrMapping/>
+  </p:clrMapOvr>
+</p:sldLayout>
+</file>
+
+<file path=ppt/slideLayouts/slideLayout9.xml><?xml version="1.0" encoding="utf-8"?>
+<p:sldLayout xmlns:a="http://schemas.openxmlformats.org/drawingml/2006/main" xmlns:r="http://schemas.openxmlformats.org/officeDocument/2006/relationships" xmlns:p="http://schemas.openxmlformats.org/presentationml/2006/main" type="picTx" preserve="1">
+  <p:cSld name="Picture with Caption">
+    <p:spTree>
+      <p:nvGrpSpPr>
+        <p:cNvPr id="1" name=""/>
+        <p:cNvGrpSpPr/>
+        <p:nvPr/>
+      </p:nvGrpSpPr>
+      <p:grpSpPr>
+        <a:xfrm>
+          <a:off x="0" y="0"/>
+          <a:ext cx="0" cy="0"/>
+          <a:chOff x="0" y="0"/>
+          <a:chExt cx="0" cy="0"/>
+        </a:xfrm>
+      </p:grpSpPr>
+      <p:sp>
+        <p:nvSpPr>
+          <p:cNvPr id="18" name="Rectangle 17"/>
           <p:cNvSpPr/>
           <p:nvPr/>
         </p:nvSpPr>
         <p:spPr>
           <a:xfrm>
-            <a:off x="15" y="6334316"/>
-            <a:ext cx="12188825" cy="64008"/>
+            <a:off x="0" y="0"/>
+            <a:ext cx="6095999" cy="6858000"/>
           </a:xfrm>
           <a:prstGeom prst="rect">
             <a:avLst/>
           </a:prstGeom>
           <a:solidFill>
-            <a:schemeClr val="accent4"/>
+            <a:schemeClr val="accent2"/>
           </a:solidFill>
           <a:ln>
             <a:noFill/>
@@ -2238,302 +2823,149 @@
       </p:sp>
       <p:sp>
         <p:nvSpPr>
-          <p:cNvPr id="7" name="Date Placeholder 6"/>
-          <p:cNvSpPr>
-            <a:spLocks noGrp="1"/>
-          </p:cNvSpPr>
-          <p:nvPr>
-            <p:ph type="dt" sz="half" idx="10"/>
-          </p:nvPr>
-        </p:nvSpPr>
-        <p:spPr/>
-        <p:txBody>
-          <a:bodyPr/>
-          <a:lstStyle/>
-          <a:p>
-            <a:fld id="{68453380-E5F8-448B-A055-F6BD15B6CE7F}" type="datetimeFigureOut">
-              <a:rPr lang="en-US" smtClean="0"/>
-              <a:t>10/21/2024</a:t>
-            </a:fld>
-            <a:endParaRPr lang="en-US"/>
-          </a:p>
-        </p:txBody>
-      </p:sp>
-      <p:sp>
-        <p:nvSpPr>
-          <p:cNvPr id="8" name="Footer Placeholder 7"/>
-          <p:cNvSpPr>
-            <a:spLocks noGrp="1"/>
-          </p:cNvSpPr>
-          <p:nvPr>
-            <p:ph type="ftr" sz="quarter" idx="11"/>
-          </p:nvPr>
-        </p:nvSpPr>
-        <p:spPr/>
-        <p:txBody>
-          <a:bodyPr/>
+          <p:cNvPr id="2" name="Title 1"/>
+          <p:cNvSpPr>
+            <a:spLocks noGrp="1"/>
+          </p:cNvSpPr>
+          <p:nvPr>
+            <p:ph type="title"/>
+          </p:nvPr>
+        </p:nvSpPr>
+        <p:spPr bwMode="blackWhite">
+          <a:xfrm>
+            <a:off x="808523" y="2243828"/>
+            <a:ext cx="4494998" cy="1134640"/>
+          </a:xfrm>
+          <a:solidFill>
+            <a:srgbClr val="FFFFFF"/>
+          </a:solidFill>
+          <a:ln>
+            <a:solidFill>
+              <a:srgbClr val="404040"/>
+            </a:solidFill>
+          </a:ln>
+        </p:spPr>
+        <p:txBody>
+          <a:bodyPr anchor="ctr" anchorCtr="1">
+            <a:noAutofit/>
+          </a:bodyPr>
           <a:lstStyle>
             <a:lvl1pPr>
-              <a:defRPr>
+              <a:defRPr sz="2200">
                 <a:solidFill>
-                  <a:srgbClr val="FFFFFF"/>
+                  <a:srgbClr val="262626"/>
                 </a:solidFill>
               </a:defRPr>
             </a:lvl1pPr>
           </a:lstStyle>
           <a:p>
-            <a:endParaRPr lang="en-US"/>
-          </a:p>
-        </p:txBody>
-      </p:sp>
-      <p:sp>
-        <p:nvSpPr>
-          <p:cNvPr id="9" name="Slide Number Placeholder 8"/>
-          <p:cNvSpPr>
-            <a:spLocks noGrp="1"/>
-          </p:cNvSpPr>
-          <p:nvPr>
-            <p:ph type="sldNum" sz="quarter" idx="12"/>
-          </p:nvPr>
-        </p:nvSpPr>
-        <p:spPr/>
-        <p:txBody>
-          <a:bodyPr/>
-          <a:lstStyle/>
-          <a:p>
-            <a:fld id="{D6BCBA9B-0B72-4A8F-9996-2BCAA14E40B8}" type="slidenum">
-              <a:rPr lang="en-US" smtClean="0"/>
-              <a:t>‹#›</a:t>
-            </a:fld>
-            <a:endParaRPr lang="en-US"/>
-          </a:p>
-        </p:txBody>
-      </p:sp>
-    </p:spTree>
-    <p:extLst>
-      <p:ext uri="{BB962C8B-B14F-4D97-AF65-F5344CB8AC3E}">
-        <p14:creationId xmlns:p14="http://schemas.microsoft.com/office/powerpoint/2010/main" val="448224979"/>
-      </p:ext>
-    </p:extLst>
-  </p:cSld>
-  <p:clrMapOvr>
-    <a:masterClrMapping/>
-  </p:clrMapOvr>
-</p:sldLayout>
-</file>
-
-<file path=ppt/slideLayouts/slideLayout8.xml><?xml version="1.0" encoding="utf-8"?>
-<p:sldLayout xmlns:a="http://schemas.openxmlformats.org/drawingml/2006/main" xmlns:r="http://schemas.openxmlformats.org/officeDocument/2006/relationships" xmlns:p="http://schemas.openxmlformats.org/presentationml/2006/main" showMasterSp="0" type="objTx" preserve="1">
-  <p:cSld name="Content with Caption">
-    <p:spTree>
-      <p:nvGrpSpPr>
-        <p:cNvPr id="1" name=""/>
-        <p:cNvGrpSpPr/>
-        <p:nvPr/>
-      </p:nvGrpSpPr>
-      <p:grpSpPr>
-        <a:xfrm>
-          <a:off x="0" y="0"/>
-          <a:ext cx="0" cy="0"/>
-          <a:chOff x="0" y="0"/>
-          <a:chExt cx="0" cy="0"/>
-        </a:xfrm>
-      </p:grpSpPr>
-      <p:sp>
-        <p:nvSpPr>
-          <p:cNvPr id="8" name="Rectangle 7"/>
-          <p:cNvSpPr/>
-          <p:nvPr/>
+            <a:r>
+              <a:rPr lang="en-US"/>
+              <a:t>Click to edit Master title style</a:t>
+            </a:r>
+            <a:endParaRPr lang="en-US" dirty="0"/>
+          </a:p>
+        </p:txBody>
+      </p:sp>
+      <p:sp>
+        <p:nvSpPr>
+          <p:cNvPr id="3" name="Picture Placeholder 2"/>
+          <p:cNvSpPr>
+            <a:spLocks noGrp="1" noChangeAspect="1"/>
+          </p:cNvSpPr>
+          <p:nvPr>
+            <p:ph type="pic" idx="1"/>
+          </p:nvPr>
         </p:nvSpPr>
         <p:spPr>
           <a:xfrm>
-            <a:off x="16" y="0"/>
-            <a:ext cx="4050791" cy="6858000"/>
+            <a:off x="6095999" y="0"/>
+            <a:ext cx="6102097" cy="6858000"/>
           </a:xfrm>
-          <a:prstGeom prst="rect">
-            <a:avLst/>
-          </a:prstGeom>
           <a:solidFill>
-            <a:schemeClr val="accent4">
+            <a:schemeClr val="bg1">
               <a:lumMod val="75000"/>
             </a:schemeClr>
           </a:solidFill>
-          <a:ln>
-            <a:noFill/>
-          </a:ln>
         </p:spPr>
-        <p:style>
-          <a:lnRef idx="2">
-            <a:schemeClr val="accent1">
-              <a:shade val="50000"/>
-            </a:schemeClr>
-          </a:lnRef>
-          <a:fillRef idx="1">
-            <a:schemeClr val="accent1"/>
-          </a:fillRef>
-          <a:effectRef idx="0">
-            <a:schemeClr val="accent1"/>
-          </a:effectRef>
-          <a:fontRef idx="minor">
-            <a:schemeClr val="lt1"/>
-          </a:fontRef>
-        </p:style>
-      </p:sp>
-      <p:sp>
-        <p:nvSpPr>
-          <p:cNvPr id="9" name="Rectangle 8"/>
-          <p:cNvSpPr/>
-          <p:nvPr/>
+        <p:txBody>
+          <a:bodyPr anchor="t"/>
+          <a:lstStyle>
+            <a:lvl1pPr marL="0" indent="0">
+              <a:buNone/>
+              <a:defRPr sz="3200">
+                <a:solidFill>
+                  <a:schemeClr val="bg1">
+                    <a:lumMod val="85000"/>
+                    <a:lumOff val="15000"/>
+                  </a:schemeClr>
+                </a:solidFill>
+              </a:defRPr>
+            </a:lvl1pPr>
+            <a:lvl2pPr marL="457200" indent="0">
+              <a:buNone/>
+              <a:defRPr sz="2800"/>
+            </a:lvl2pPr>
+            <a:lvl3pPr marL="914400" indent="0">
+              <a:buNone/>
+              <a:defRPr sz="2400"/>
+            </a:lvl3pPr>
+            <a:lvl4pPr marL="1371600" indent="0">
+              <a:buNone/>
+              <a:defRPr sz="2000"/>
+            </a:lvl4pPr>
+            <a:lvl5pPr marL="1828800" indent="0">
+              <a:buNone/>
+              <a:defRPr sz="2000"/>
+            </a:lvl5pPr>
+            <a:lvl6pPr marL="2286000" indent="0">
+              <a:buNone/>
+              <a:defRPr sz="2000"/>
+            </a:lvl6pPr>
+            <a:lvl7pPr marL="2743200" indent="0">
+              <a:buNone/>
+              <a:defRPr sz="2000"/>
+            </a:lvl7pPr>
+            <a:lvl8pPr marL="3200400" indent="0">
+              <a:buNone/>
+              <a:defRPr sz="2000"/>
+            </a:lvl8pPr>
+            <a:lvl9pPr marL="3657600" indent="0">
+              <a:buNone/>
+              <a:defRPr sz="2000"/>
+            </a:lvl9pPr>
+          </a:lstStyle>
+          <a:p>
+            <a:r>
+              <a:rPr lang="en-US"/>
+              <a:t>Click icon to add picture</a:t>
+            </a:r>
+            <a:endParaRPr lang="en-US" dirty="0"/>
+          </a:p>
+        </p:txBody>
+      </p:sp>
+      <p:sp>
+        <p:nvSpPr>
+          <p:cNvPr id="4" name="Text Placeholder 3"/>
+          <p:cNvSpPr>
+            <a:spLocks noGrp="1"/>
+          </p:cNvSpPr>
+          <p:nvPr>
+            <p:ph type="body" sz="half" idx="2"/>
+          </p:nvPr>
         </p:nvSpPr>
         <p:spPr>
           <a:xfrm>
-            <a:off x="4040071" y="0"/>
-            <a:ext cx="64008" cy="6858000"/>
-          </a:xfrm>
-          <a:prstGeom prst="rect">
-            <a:avLst/>
-          </a:prstGeom>
-          <a:solidFill>
-            <a:schemeClr val="accent4"/>
-          </a:solidFill>
-          <a:ln>
-            <a:noFill/>
-          </a:ln>
-        </p:spPr>
-        <p:style>
-          <a:lnRef idx="2">
-            <a:schemeClr val="accent1">
-              <a:shade val="50000"/>
-            </a:schemeClr>
-          </a:lnRef>
-          <a:fillRef idx="1">
-            <a:schemeClr val="accent1"/>
-          </a:fillRef>
-          <a:effectRef idx="0">
-            <a:schemeClr val="accent1"/>
-          </a:effectRef>
-          <a:fontRef idx="minor">
-            <a:schemeClr val="lt1"/>
-          </a:fontRef>
-        </p:style>
-      </p:sp>
-      <p:sp>
-        <p:nvSpPr>
-          <p:cNvPr id="2" name="Title 1"/>
-          <p:cNvSpPr>
-            <a:spLocks noGrp="1"/>
-          </p:cNvSpPr>
-          <p:nvPr>
-            <p:ph type="title"/>
-          </p:nvPr>
-        </p:nvSpPr>
-        <p:spPr>
-          <a:xfrm>
-            <a:off x="457200" y="594359"/>
-            <a:ext cx="3200400" cy="2286000"/>
+            <a:off x="1115568" y="3549918"/>
+            <a:ext cx="3794760" cy="2194037"/>
           </a:xfrm>
         </p:spPr>
         <p:txBody>
-          <a:bodyPr anchor="b">
+          <a:bodyPr anchor="t" anchorCtr="1">
             <a:normAutofit/>
           </a:bodyPr>
           <a:lstStyle>
-            <a:lvl1pPr>
-              <a:defRPr sz="3600" b="0">
-                <a:solidFill>
-                  <a:srgbClr val="FFFFFF"/>
-                </a:solidFill>
-              </a:defRPr>
-            </a:lvl1pPr>
-          </a:lstStyle>
-          <a:p>
-            <a:r>
-              <a:rPr lang="en-US"/>
-              <a:t>Click to edit Master title style</a:t>
-            </a:r>
-            <a:endParaRPr lang="en-US" dirty="0"/>
-          </a:p>
-        </p:txBody>
-      </p:sp>
-      <p:sp>
-        <p:nvSpPr>
-          <p:cNvPr id="3" name="Content Placeholder 2"/>
-          <p:cNvSpPr>
-            <a:spLocks noGrp="1"/>
-          </p:cNvSpPr>
-          <p:nvPr>
-            <p:ph idx="1"/>
-          </p:nvPr>
-        </p:nvSpPr>
-        <p:spPr>
-          <a:xfrm>
-            <a:off x="4800600" y="731520"/>
-            <a:ext cx="6492240" cy="5257800"/>
-          </a:xfrm>
-        </p:spPr>
-        <p:txBody>
-          <a:bodyPr/>
-          <a:lstStyle/>
-          <a:p>
-            <a:pPr lvl="0"/>
-            <a:r>
-              <a:rPr lang="en-US"/>
-              <a:t>Click to edit Master text styles</a:t>
-            </a:r>
-          </a:p>
-          <a:p>
-            <a:pPr lvl="1"/>
-            <a:r>
-              <a:rPr lang="en-US"/>
-              <a:t>Second level</a:t>
-            </a:r>
-          </a:p>
-          <a:p>
-            <a:pPr lvl="2"/>
-            <a:r>
-              <a:rPr lang="en-US"/>
-              <a:t>Third level</a:t>
-            </a:r>
-          </a:p>
-          <a:p>
-            <a:pPr lvl="3"/>
-            <a:r>
-              <a:rPr lang="en-US"/>
-              <a:t>Fourth level</a:t>
-            </a:r>
-          </a:p>
-          <a:p>
-            <a:pPr lvl="4"/>
-            <a:r>
-              <a:rPr lang="en-US"/>
-              <a:t>Fifth level</a:t>
-            </a:r>
-            <a:endParaRPr lang="en-US" dirty="0"/>
-          </a:p>
-        </p:txBody>
-      </p:sp>
-      <p:sp>
-        <p:nvSpPr>
-          <p:cNvPr id="4" name="Text Placeholder 3"/>
-          <p:cNvSpPr>
-            <a:spLocks noGrp="1"/>
-          </p:cNvSpPr>
-          <p:nvPr>
-            <p:ph type="body" sz="half" idx="2"/>
-          </p:nvPr>
-        </p:nvSpPr>
-        <p:spPr>
-          <a:xfrm>
-            <a:off x="457200" y="2926080"/>
-            <a:ext cx="3200400" cy="3379124"/>
-          </a:xfrm>
-        </p:spPr>
-        <p:txBody>
-          <a:bodyPr lIns="91440" rIns="91440">
-            <a:normAutofit/>
-          </a:bodyPr>
-          <a:lstStyle>
-            <a:lvl1pPr marL="0" indent="0">
+            <a:lvl1pPr marL="0" indent="0" algn="ctr">
               <a:buNone/>
               <a:defRPr sz="1500">
                 <a:solidFill>
@@ -2543,35 +2975,35 @@
             </a:lvl1pPr>
             <a:lvl2pPr marL="457200" indent="0">
               <a:buNone/>
-              <a:defRPr sz="1200"/>
+              <a:defRPr sz="1400"/>
             </a:lvl2pPr>
             <a:lvl3pPr marL="914400" indent="0">
               <a:buNone/>
-              <a:defRPr sz="1000"/>
+              <a:defRPr sz="1200"/>
             </a:lvl3pPr>
             <a:lvl4pPr marL="1371600" indent="0">
               <a:buNone/>
-              <a:defRPr sz="900"/>
+              <a:defRPr sz="1000"/>
             </a:lvl4pPr>
             <a:lvl5pPr marL="1828800" indent="0">
               <a:buNone/>
-              <a:defRPr sz="900"/>
+              <a:defRPr sz="1000"/>
             </a:lvl5pPr>
             <a:lvl6pPr marL="2286000" indent="0">
               <a:buNone/>
-              <a:defRPr sz="900"/>
+              <a:defRPr sz="1000"/>
             </a:lvl6pPr>
             <a:lvl7pPr marL="2743200" indent="0">
               <a:buNone/>
-              <a:defRPr sz="900"/>
+              <a:defRPr sz="1000"/>
             </a:lvl7pPr>
             <a:lvl8pPr marL="3200400" indent="0">
               <a:buNone/>
-              <a:defRPr sz="900"/>
+              <a:defRPr sz="1000"/>
             </a:lvl8pPr>
             <a:lvl9pPr marL="3657600" indent="0">
               <a:buNone/>
-              <a:defRPr sz="900"/>
+              <a:defRPr sz="1000"/>
             </a:lvl9pPr>
           </a:lstStyle>
           <a:p>
@@ -2585,59 +3017,67 @@
       </p:sp>
       <p:sp>
         <p:nvSpPr>
-          <p:cNvPr id="5" name="Date Placeholder 4"/>
+          <p:cNvPr id="8" name="Date Placeholder 7"/>
           <p:cNvSpPr>
             <a:spLocks noGrp="1"/>
           </p:cNvSpPr>
           <p:nvPr>
             <p:ph type="dt" sz="half" idx="10"/>
+          </p:nvPr>
+        </p:nvSpPr>
+        <p:spPr/>
+        <p:txBody>
+          <a:bodyPr/>
+          <a:lstStyle>
+            <a:lvl1pPr>
+              <a:defRPr>
+                <a:solidFill>
+                  <a:srgbClr val="FFFFFF"/>
+                </a:solidFill>
+                <a:effectLst>
+                  <a:outerShdw blurRad="50800" dist="38100" dir="2700000" algn="tl" rotWithShape="0">
+                    <a:prstClr val="black">
+                      <a:alpha val="43000"/>
+                    </a:prstClr>
+                  </a:outerShdw>
+                </a:effectLst>
+              </a:defRPr>
+            </a:lvl1pPr>
+          </a:lstStyle>
+          <a:p>
+            <a:fld id="{68453380-E5F8-448B-A055-F6BD15B6CE7F}" type="datetimeFigureOut">
+              <a:rPr lang="en-US" smtClean="0"/>
+              <a:t>10/24/24</a:t>
+            </a:fld>
+            <a:endParaRPr lang="en-US"/>
+          </a:p>
+        </p:txBody>
+      </p:sp>
+      <p:sp>
+        <p:nvSpPr>
+          <p:cNvPr id="9" name="Footer Placeholder 8"/>
+          <p:cNvSpPr>
+            <a:spLocks noGrp="1"/>
+          </p:cNvSpPr>
+          <p:nvPr>
+            <p:ph type="ftr" sz="quarter" idx="11"/>
           </p:nvPr>
         </p:nvSpPr>
         <p:spPr>
           <a:xfrm>
-            <a:off x="465512" y="6459785"/>
-            <a:ext cx="2618510" cy="365125"/>
+            <a:off x="804672" y="6236208"/>
+            <a:ext cx="5124797" cy="320040"/>
           </a:xfrm>
         </p:spPr>
         <p:txBody>
           <a:bodyPr/>
           <a:lstStyle>
-            <a:lvl1pPr algn="l">
-              <a:defRPr/>
-            </a:lvl1pPr>
-          </a:lstStyle>
-          <a:p>
-            <a:fld id="{68453380-E5F8-448B-A055-F6BD15B6CE7F}" type="datetimeFigureOut">
-              <a:rPr lang="en-US" smtClean="0"/>
-              <a:t>10/21/2024</a:t>
-            </a:fld>
-            <a:endParaRPr lang="en-US"/>
-          </a:p>
-        </p:txBody>
-      </p:sp>
-      <p:sp>
-        <p:nvSpPr>
-          <p:cNvPr id="6" name="Footer Placeholder 5"/>
-          <p:cNvSpPr>
-            <a:spLocks noGrp="1"/>
-          </p:cNvSpPr>
-          <p:nvPr>
-            <p:ph type="ftr" sz="quarter" idx="11"/>
-          </p:nvPr>
-        </p:nvSpPr>
-        <p:spPr>
-          <a:xfrm>
-            <a:off x="4800600" y="6459785"/>
-            <a:ext cx="4648200" cy="365125"/>
-          </a:xfrm>
-        </p:spPr>
-        <p:txBody>
-          <a:bodyPr/>
-          <a:lstStyle>
-            <a:lvl1pPr algn="l">
+            <a:lvl1pPr>
               <a:defRPr>
                 <a:solidFill>
-                  <a:schemeClr val="tx2"/>
+                  <a:srgbClr val="FFFFFF">
+                    <a:alpha val="70000"/>
+                  </a:srgbClr>
                 </a:solidFill>
               </a:defRPr>
             </a:lvl1pPr>
@@ -2649,7 +3089,7 @@
       </p:sp>
       <p:sp>
         <p:nvSpPr>
-          <p:cNvPr id="7" name="Slide Number Placeholder 6"/>
+          <p:cNvPr id="10" name="Slide Number Placeholder 9"/>
           <p:cNvSpPr>
             <a:spLocks noGrp="1"/>
           </p:cNvSpPr>
@@ -2660,15 +3100,7 @@
         <p:spPr/>
         <p:txBody>
           <a:bodyPr/>
-          <a:lstStyle>
-            <a:lvl1pPr>
-              <a:defRPr>
-                <a:solidFill>
-                  <a:schemeClr val="tx2"/>
-                </a:solidFill>
-              </a:defRPr>
-            </a:lvl1pPr>
-          </a:lstStyle>
+          <a:lstStyle/>
           <a:p>
             <a:fld id="{D6BCBA9B-0B72-4A8F-9996-2BCAA14E40B8}" type="slidenum">
               <a:rPr lang="en-US" smtClean="0"/>
@@ -2681,365 +3113,7 @@
     </p:spTree>
     <p:extLst>
       <p:ext uri="{BB962C8B-B14F-4D97-AF65-F5344CB8AC3E}">
-        <p14:creationId xmlns:p14="http://schemas.microsoft.com/office/powerpoint/2010/main" val="3546363295"/>
-      </p:ext>
-    </p:extLst>
-  </p:cSld>
-  <p:clrMapOvr>
-    <a:masterClrMapping/>
-  </p:clrMapOvr>
-</p:sldLayout>
-</file>
-
-<file path=ppt/slideLayouts/slideLayout9.xml><?xml version="1.0" encoding="utf-8"?>
-<p:sldLayout xmlns:a="http://schemas.openxmlformats.org/drawingml/2006/main" xmlns:r="http://schemas.openxmlformats.org/officeDocument/2006/relationships" xmlns:p="http://schemas.openxmlformats.org/presentationml/2006/main" showMasterSp="0" type="picTx" preserve="1">
-  <p:cSld name="Picture with Caption">
-    <p:spTree>
-      <p:nvGrpSpPr>
-        <p:cNvPr id="1" name=""/>
-        <p:cNvGrpSpPr/>
-        <p:nvPr/>
-      </p:nvGrpSpPr>
-      <p:grpSpPr>
-        <a:xfrm>
-          <a:off x="0" y="0"/>
-          <a:ext cx="0" cy="0"/>
-          <a:chOff x="0" y="0"/>
-          <a:chExt cx="0" cy="0"/>
-        </a:xfrm>
-      </p:grpSpPr>
-      <p:sp>
-        <p:nvSpPr>
-          <p:cNvPr id="8" name="Rectangle 7"/>
-          <p:cNvSpPr/>
-          <p:nvPr/>
-        </p:nvSpPr>
-        <p:spPr>
-          <a:xfrm>
-            <a:off x="0" y="4953000"/>
-            <a:ext cx="12188825" cy="1905000"/>
-          </a:xfrm>
-          <a:prstGeom prst="rect">
-            <a:avLst/>
-          </a:prstGeom>
-          <a:solidFill>
-            <a:schemeClr val="accent4">
-              <a:lumMod val="75000"/>
-            </a:schemeClr>
-          </a:solidFill>
-          <a:ln>
-            <a:noFill/>
-          </a:ln>
-        </p:spPr>
-        <p:style>
-          <a:lnRef idx="2">
-            <a:schemeClr val="accent1">
-              <a:shade val="50000"/>
-            </a:schemeClr>
-          </a:lnRef>
-          <a:fillRef idx="1">
-            <a:schemeClr val="accent1"/>
-          </a:fillRef>
-          <a:effectRef idx="0">
-            <a:schemeClr val="accent1"/>
-          </a:effectRef>
-          <a:fontRef idx="minor">
-            <a:schemeClr val="lt1"/>
-          </a:fontRef>
-        </p:style>
-      </p:sp>
-      <p:sp>
-        <p:nvSpPr>
-          <p:cNvPr id="9" name="Rectangle 8"/>
-          <p:cNvSpPr/>
-          <p:nvPr/>
-        </p:nvSpPr>
-        <p:spPr>
-          <a:xfrm>
-            <a:off x="15" y="4915076"/>
-            <a:ext cx="12188825" cy="64008"/>
-          </a:xfrm>
-          <a:prstGeom prst="rect">
-            <a:avLst/>
-          </a:prstGeom>
-          <a:solidFill>
-            <a:schemeClr val="accent4"/>
-          </a:solidFill>
-          <a:ln>
-            <a:noFill/>
-          </a:ln>
-        </p:spPr>
-        <p:style>
-          <a:lnRef idx="2">
-            <a:schemeClr val="accent1">
-              <a:shade val="50000"/>
-            </a:schemeClr>
-          </a:lnRef>
-          <a:fillRef idx="1">
-            <a:schemeClr val="accent1"/>
-          </a:fillRef>
-          <a:effectRef idx="0">
-            <a:schemeClr val="accent1"/>
-          </a:effectRef>
-          <a:fontRef idx="minor">
-            <a:schemeClr val="lt1"/>
-          </a:fontRef>
-        </p:style>
-      </p:sp>
-      <p:sp>
-        <p:nvSpPr>
-          <p:cNvPr id="2" name="Title 1"/>
-          <p:cNvSpPr>
-            <a:spLocks noGrp="1"/>
-          </p:cNvSpPr>
-          <p:nvPr>
-            <p:ph type="title"/>
-          </p:nvPr>
-        </p:nvSpPr>
-        <p:spPr>
-          <a:xfrm>
-            <a:off x="1097280" y="5074920"/>
-            <a:ext cx="10113645" cy="822960"/>
-          </a:xfrm>
-        </p:spPr>
-        <p:txBody>
-          <a:bodyPr lIns="91440" tIns="0" rIns="91440" bIns="0" anchor="b">
-            <a:noAutofit/>
-          </a:bodyPr>
-          <a:lstStyle>
-            <a:lvl1pPr>
-              <a:defRPr sz="3600" b="0">
-                <a:solidFill>
-                  <a:srgbClr val="FFFFFF"/>
-                </a:solidFill>
-              </a:defRPr>
-            </a:lvl1pPr>
-          </a:lstStyle>
-          <a:p>
-            <a:r>
-              <a:rPr lang="en-US"/>
-              <a:t>Click to edit Master title style</a:t>
-            </a:r>
-            <a:endParaRPr lang="en-US" dirty="0"/>
-          </a:p>
-        </p:txBody>
-      </p:sp>
-      <p:sp>
-        <p:nvSpPr>
-          <p:cNvPr id="3" name="Picture Placeholder 2"/>
-          <p:cNvSpPr>
-            <a:spLocks noGrp="1" noChangeAspect="1"/>
-          </p:cNvSpPr>
-          <p:nvPr>
-            <p:ph type="pic" idx="1"/>
-          </p:nvPr>
-        </p:nvSpPr>
-        <p:spPr>
-          <a:xfrm>
-            <a:off x="15" y="0"/>
-            <a:ext cx="12191985" cy="4915076"/>
-          </a:xfrm>
-          <a:solidFill>
-            <a:schemeClr val="bg2">
-              <a:lumMod val="90000"/>
-            </a:schemeClr>
-          </a:solidFill>
-        </p:spPr>
-        <p:txBody>
-          <a:bodyPr lIns="457200" tIns="457200" anchor="t"/>
-          <a:lstStyle>
-            <a:lvl1pPr marL="0" indent="0">
-              <a:buNone/>
-              <a:defRPr sz="3200"/>
-            </a:lvl1pPr>
-            <a:lvl2pPr marL="457200" indent="0">
-              <a:buNone/>
-              <a:defRPr sz="2800"/>
-            </a:lvl2pPr>
-            <a:lvl3pPr marL="914400" indent="0">
-              <a:buNone/>
-              <a:defRPr sz="2400"/>
-            </a:lvl3pPr>
-            <a:lvl4pPr marL="1371600" indent="0">
-              <a:buNone/>
-              <a:defRPr sz="2000"/>
-            </a:lvl4pPr>
-            <a:lvl5pPr marL="1828800" indent="0">
-              <a:buNone/>
-              <a:defRPr sz="2000"/>
-            </a:lvl5pPr>
-            <a:lvl6pPr marL="2286000" indent="0">
-              <a:buNone/>
-              <a:defRPr sz="2000"/>
-            </a:lvl6pPr>
-            <a:lvl7pPr marL="2743200" indent="0">
-              <a:buNone/>
-              <a:defRPr sz="2000"/>
-            </a:lvl7pPr>
-            <a:lvl8pPr marL="3200400" indent="0">
-              <a:buNone/>
-              <a:defRPr sz="2000"/>
-            </a:lvl8pPr>
-            <a:lvl9pPr marL="3657600" indent="0">
-              <a:buNone/>
-              <a:defRPr sz="2000"/>
-            </a:lvl9pPr>
-          </a:lstStyle>
-          <a:p>
-            <a:r>
-              <a:rPr lang="en-US"/>
-              <a:t>Click icon to add picture</a:t>
-            </a:r>
-            <a:endParaRPr lang="en-US" dirty="0"/>
-          </a:p>
-        </p:txBody>
-      </p:sp>
-      <p:sp>
-        <p:nvSpPr>
-          <p:cNvPr id="4" name="Text Placeholder 3"/>
-          <p:cNvSpPr>
-            <a:spLocks noGrp="1"/>
-          </p:cNvSpPr>
-          <p:nvPr>
-            <p:ph type="body" sz="half" idx="2"/>
-          </p:nvPr>
-        </p:nvSpPr>
-        <p:spPr>
-          <a:xfrm>
-            <a:off x="1097280" y="5907024"/>
-            <a:ext cx="10113264" cy="594360"/>
-          </a:xfrm>
-        </p:spPr>
-        <p:txBody>
-          <a:bodyPr lIns="91440" tIns="0" rIns="91440" bIns="0">
-            <a:normAutofit/>
-          </a:bodyPr>
-          <a:lstStyle>
-            <a:lvl1pPr marL="0" indent="0">
-              <a:spcBef>
-                <a:spcPts val="0"/>
-              </a:spcBef>
-              <a:spcAft>
-                <a:spcPts val="600"/>
-              </a:spcAft>
-              <a:buNone/>
-              <a:defRPr sz="1500">
-                <a:solidFill>
-                  <a:srgbClr val="FFFFFF"/>
-                </a:solidFill>
-              </a:defRPr>
-            </a:lvl1pPr>
-            <a:lvl2pPr marL="457200" indent="0">
-              <a:buNone/>
-              <a:defRPr sz="1200"/>
-            </a:lvl2pPr>
-            <a:lvl3pPr marL="914400" indent="0">
-              <a:buNone/>
-              <a:defRPr sz="1000"/>
-            </a:lvl3pPr>
-            <a:lvl4pPr marL="1371600" indent="0">
-              <a:buNone/>
-              <a:defRPr sz="900"/>
-            </a:lvl4pPr>
-            <a:lvl5pPr marL="1828800" indent="0">
-              <a:buNone/>
-              <a:defRPr sz="900"/>
-            </a:lvl5pPr>
-            <a:lvl6pPr marL="2286000" indent="0">
-              <a:buNone/>
-              <a:defRPr sz="900"/>
-            </a:lvl6pPr>
-            <a:lvl7pPr marL="2743200" indent="0">
-              <a:buNone/>
-              <a:defRPr sz="900"/>
-            </a:lvl7pPr>
-            <a:lvl8pPr marL="3200400" indent="0">
-              <a:buNone/>
-              <a:defRPr sz="900"/>
-            </a:lvl8pPr>
-            <a:lvl9pPr marL="3657600" indent="0">
-              <a:buNone/>
-              <a:defRPr sz="900"/>
-            </a:lvl9pPr>
-          </a:lstStyle>
-          <a:p>
-            <a:pPr lvl="0"/>
-            <a:r>
-              <a:rPr lang="en-US"/>
-              <a:t>Click to edit Master text styles</a:t>
-            </a:r>
-          </a:p>
-        </p:txBody>
-      </p:sp>
-      <p:sp>
-        <p:nvSpPr>
-          <p:cNvPr id="5" name="Date Placeholder 4"/>
-          <p:cNvSpPr>
-            <a:spLocks noGrp="1"/>
-          </p:cNvSpPr>
-          <p:nvPr>
-            <p:ph type="dt" sz="half" idx="10"/>
-          </p:nvPr>
-        </p:nvSpPr>
-        <p:spPr/>
-        <p:txBody>
-          <a:bodyPr/>
-          <a:lstStyle/>
-          <a:p>
-            <a:fld id="{68453380-E5F8-448B-A055-F6BD15B6CE7F}" type="datetimeFigureOut">
-              <a:rPr lang="en-US" smtClean="0"/>
-              <a:t>10/21/2024</a:t>
-            </a:fld>
-            <a:endParaRPr lang="en-US"/>
-          </a:p>
-        </p:txBody>
-      </p:sp>
-      <p:sp>
-        <p:nvSpPr>
-          <p:cNvPr id="6" name="Footer Placeholder 5"/>
-          <p:cNvSpPr>
-            <a:spLocks noGrp="1"/>
-          </p:cNvSpPr>
-          <p:nvPr>
-            <p:ph type="ftr" sz="quarter" idx="11"/>
-          </p:nvPr>
-        </p:nvSpPr>
-        <p:spPr/>
-        <p:txBody>
-          <a:bodyPr/>
-          <a:lstStyle/>
-          <a:p>
-            <a:endParaRPr lang="en-US"/>
-          </a:p>
-        </p:txBody>
-      </p:sp>
-      <p:sp>
-        <p:nvSpPr>
-          <p:cNvPr id="7" name="Slide Number Placeholder 6"/>
-          <p:cNvSpPr>
-            <a:spLocks noGrp="1"/>
-          </p:cNvSpPr>
-          <p:nvPr>
-            <p:ph type="sldNum" sz="quarter" idx="12"/>
-          </p:nvPr>
-        </p:nvSpPr>
-        <p:spPr/>
-        <p:txBody>
-          <a:bodyPr/>
-          <a:lstStyle/>
-          <a:p>
-            <a:fld id="{D6BCBA9B-0B72-4A8F-9996-2BCAA14E40B8}" type="slidenum">
-              <a:rPr lang="en-US" smtClean="0"/>
-              <a:t>‹#›</a:t>
-            </a:fld>
-            <a:endParaRPr lang="en-US"/>
-          </a:p>
-        </p:txBody>
-      </p:sp>
-    </p:spTree>
-    <p:extLst>
-      <p:ext uri="{BB962C8B-B14F-4D97-AF65-F5344CB8AC3E}">
-        <p14:creationId xmlns:p14="http://schemas.microsoft.com/office/powerpoint/2010/main" val="1385090344"/>
+        <p14:creationId xmlns:p14="http://schemas.microsoft.com/office/powerpoint/2010/main" val="2580696177"/>
       </p:ext>
     </p:extLst>
   </p:cSld>
@@ -3053,9 +3127,14 @@
 <p:sldMaster xmlns:a="http://schemas.openxmlformats.org/drawingml/2006/main" xmlns:r="http://schemas.openxmlformats.org/officeDocument/2006/relationships" xmlns:p="http://schemas.openxmlformats.org/presentationml/2006/main">
   <p:cSld>
     <p:bg>
-      <p:bgRef idx="1001">
-        <a:schemeClr val="bg2"/>
-      </p:bgRef>
+      <p:bgPr>
+        <a:solidFill>
+          <a:schemeClr val="bg1">
+            <a:lumMod val="95000"/>
+          </a:schemeClr>
+        </a:solidFill>
+        <a:effectLst/>
+      </p:bgPr>
     </p:bg>
     <p:spTree>
       <p:nvGrpSpPr>
@@ -3073,110 +3152,103 @@
       </p:grpSpPr>
       <p:sp>
         <p:nvSpPr>
-          <p:cNvPr id="7" name="Rectangle 6"/>
-          <p:cNvSpPr/>
-          <p:nvPr/>
-        </p:nvSpPr>
-        <p:spPr>
+          <p:cNvPr id="2" name="Title Placeholder 1"/>
+          <p:cNvSpPr>
+            <a:spLocks noGrp="1"/>
+          </p:cNvSpPr>
+          <p:nvPr>
+            <p:ph type="title"/>
+          </p:nvPr>
+        </p:nvSpPr>
+        <p:spPr bwMode="black">
           <a:xfrm>
-            <a:off x="1" y="6400800"/>
-            <a:ext cx="12192000" cy="457200"/>
+            <a:off x="2231136" y="964692"/>
+            <a:ext cx="7729728" cy="1188720"/>
           </a:xfrm>
           <a:prstGeom prst="rect">
             <a:avLst/>
           </a:prstGeom>
           <a:solidFill>
-            <a:schemeClr val="accent4">
-              <a:lumMod val="75000"/>
-            </a:schemeClr>
+            <a:srgbClr val="FFFFFF"/>
           </a:solidFill>
-          <a:ln>
-            <a:noFill/>
+          <a:ln w="31750" cap="sq">
+            <a:solidFill>
+              <a:srgbClr val="404040"/>
+            </a:solidFill>
+            <a:miter lim="800000"/>
           </a:ln>
         </p:spPr>
-        <p:style>
-          <a:lnRef idx="2">
-            <a:schemeClr val="accent1">
-              <a:shade val="50000"/>
-            </a:schemeClr>
-          </a:lnRef>
-          <a:fillRef idx="1">
-            <a:schemeClr val="accent1"/>
-          </a:fillRef>
-          <a:effectRef idx="0">
-            <a:schemeClr val="accent1"/>
-          </a:effectRef>
-          <a:fontRef idx="minor">
-            <a:schemeClr val="lt1"/>
-          </a:fontRef>
-        </p:style>
-      </p:sp>
-      <p:sp>
-        <p:nvSpPr>
-          <p:cNvPr id="9" name="Rectangle 8"/>
-          <p:cNvSpPr/>
-          <p:nvPr/>
+        <p:txBody>
+          <a:bodyPr vert="horz" lIns="182880" tIns="182880" rIns="182880" bIns="182880" rtlCol="0" anchor="ctr">
+            <a:normAutofit/>
+          </a:bodyPr>
+          <a:lstStyle/>
+          <a:p>
+            <a:r>
+              <a:rPr lang="en-US"/>
+              <a:t>Click to edit Master title style</a:t>
+            </a:r>
+            <a:endParaRPr lang="en-US" dirty="0"/>
+          </a:p>
+        </p:txBody>
+      </p:sp>
+      <p:sp>
+        <p:nvSpPr>
+          <p:cNvPr id="3" name="Text Placeholder 2"/>
+          <p:cNvSpPr>
+            <a:spLocks noGrp="1"/>
+          </p:cNvSpPr>
+          <p:nvPr>
+            <p:ph type="body" idx="1"/>
+          </p:nvPr>
         </p:nvSpPr>
         <p:spPr>
           <a:xfrm>
-            <a:off x="15" y="6334316"/>
-            <a:ext cx="12191985" cy="66484"/>
-          </a:xfrm>
-          <a:prstGeom prst="rect">
-            <a:avLst/>
-          </a:prstGeom>
-          <a:solidFill>
-            <a:schemeClr val="accent4"/>
-          </a:solidFill>
-          <a:ln>
-            <a:noFill/>
-          </a:ln>
-        </p:spPr>
-        <p:style>
-          <a:lnRef idx="2">
-            <a:schemeClr val="accent1">
-              <a:shade val="50000"/>
-            </a:schemeClr>
-          </a:lnRef>
-          <a:fillRef idx="1">
-            <a:schemeClr val="accent1"/>
-          </a:fillRef>
-          <a:effectRef idx="0">
-            <a:schemeClr val="accent1"/>
-          </a:effectRef>
-          <a:fontRef idx="minor">
-            <a:schemeClr val="lt1"/>
-          </a:fontRef>
-        </p:style>
-      </p:sp>
-      <p:sp>
-        <p:nvSpPr>
-          <p:cNvPr id="2" name="Title Placeholder 1"/>
-          <p:cNvSpPr>
-            <a:spLocks noGrp="1"/>
-          </p:cNvSpPr>
-          <p:nvPr>
-            <p:ph type="title"/>
-          </p:nvPr>
-        </p:nvSpPr>
-        <p:spPr>
-          <a:xfrm>
-            <a:off x="1097280" y="286603"/>
-            <a:ext cx="10058400" cy="1450757"/>
+            <a:off x="2231136" y="2638044"/>
+            <a:ext cx="7729728" cy="3101983"/>
           </a:xfrm>
           <a:prstGeom prst="rect">
             <a:avLst/>
           </a:prstGeom>
         </p:spPr>
         <p:txBody>
-          <a:bodyPr vert="horz" lIns="91440" tIns="45720" rIns="91440" bIns="45720" rtlCol="0" anchor="b">
+          <a:bodyPr vert="horz" lIns="91440" tIns="45720" rIns="91440" bIns="45720" rtlCol="0">
             <a:normAutofit/>
           </a:bodyPr>
           <a:lstStyle/>
           <a:p>
-            <a:r>
-              <a:rPr lang="en-US"/>
-              <a:t>Click to edit Master title style</a:t>
+            <a:pPr lvl="0"/>
+            <a:r>
+              <a:rPr lang="en-US"/>
+              <a:t>Click to edit Master text styles</a:t>
+            </a:r>
+          </a:p>
+          <a:p>
+            <a:pPr lvl="1"/>
+            <a:r>
+              <a:rPr lang="en-US"/>
+              <a:t>Second level</a:t>
+            </a:r>
+          </a:p>
+          <a:p>
+            <a:pPr lvl="2"/>
+            <a:r>
+              <a:rPr lang="en-US"/>
+              <a:t>Third level</a:t>
+            </a:r>
+          </a:p>
+          <a:p>
+            <a:pPr lvl="3"/>
+            <a:r>
+              <a:rPr lang="en-US"/>
+              <a:t>Fourth level</a:t>
+            </a:r>
+          </a:p>
+          <a:p>
+            <a:pPr lvl="4"/>
+            <a:r>
+              <a:rPr lang="en-US"/>
+              <a:t>Fifth level</a:t>
             </a:r>
             <a:endParaRPr lang="en-US" dirty="0"/>
           </a:p>
@@ -3184,80 +3256,59 @@
       </p:sp>
       <p:sp>
         <p:nvSpPr>
-          <p:cNvPr id="3" name="Text Placeholder 2"/>
-          <p:cNvSpPr>
-            <a:spLocks noGrp="1"/>
-          </p:cNvSpPr>
-          <p:nvPr>
-            <p:ph type="body" idx="1"/>
+          <p:cNvPr id="4" name="Date Placeholder 3"/>
+          <p:cNvSpPr>
+            <a:spLocks noGrp="1"/>
+          </p:cNvSpPr>
+          <p:nvPr>
+            <p:ph type="dt" sz="half" idx="2"/>
           </p:nvPr>
         </p:nvSpPr>
         <p:spPr>
           <a:xfrm>
-            <a:off x="1097280" y="1845734"/>
-            <a:ext cx="10058400" cy="4023360"/>
+            <a:off x="7821429" y="6238816"/>
+            <a:ext cx="2753746" cy="323968"/>
           </a:xfrm>
           <a:prstGeom prst="rect">
             <a:avLst/>
           </a:prstGeom>
         </p:spPr>
         <p:txBody>
-          <a:bodyPr vert="horz" lIns="0" tIns="45720" rIns="0" bIns="45720" rtlCol="0">
-            <a:normAutofit/>
-          </a:bodyPr>
-          <a:lstStyle/>
-          <a:p>
-            <a:pPr lvl="0"/>
-            <a:r>
-              <a:rPr lang="en-US"/>
-              <a:t>Click to edit Master text styles</a:t>
-            </a:r>
-          </a:p>
-          <a:p>
-            <a:pPr lvl="1"/>
-            <a:r>
-              <a:rPr lang="en-US"/>
-              <a:t>Second level</a:t>
-            </a:r>
-          </a:p>
-          <a:p>
-            <a:pPr lvl="2"/>
-            <a:r>
-              <a:rPr lang="en-US"/>
-              <a:t>Third level</a:t>
-            </a:r>
-          </a:p>
-          <a:p>
-            <a:pPr lvl="3"/>
-            <a:r>
-              <a:rPr lang="en-US"/>
-              <a:t>Fourth level</a:t>
-            </a:r>
-          </a:p>
-          <a:p>
-            <a:pPr lvl="4"/>
-            <a:r>
-              <a:rPr lang="en-US"/>
-              <a:t>Fifth level</a:t>
-            </a:r>
-            <a:endParaRPr lang="en-US" dirty="0"/>
-          </a:p>
-        </p:txBody>
-      </p:sp>
-      <p:sp>
-        <p:nvSpPr>
-          <p:cNvPr id="4" name="Date Placeholder 3"/>
-          <p:cNvSpPr>
-            <a:spLocks noGrp="1"/>
-          </p:cNvSpPr>
-          <p:nvPr>
-            <p:ph type="dt" sz="half" idx="2"/>
+          <a:bodyPr vert="horz" lIns="91440" tIns="45720" rIns="91440" bIns="45720" rtlCol="0" anchor="ctr"/>
+          <a:lstStyle>
+            <a:lvl1pPr algn="r">
+              <a:defRPr sz="1050">
+                <a:solidFill>
+                  <a:schemeClr val="tx1">
+                    <a:alpha val="70000"/>
+                  </a:schemeClr>
+                </a:solidFill>
+              </a:defRPr>
+            </a:lvl1pPr>
+          </a:lstStyle>
+          <a:p>
+            <a:fld id="{68453380-E5F8-448B-A055-F6BD15B6CE7F}" type="datetimeFigureOut">
+              <a:rPr lang="en-US" smtClean="0"/>
+              <a:t>10/24/24</a:t>
+            </a:fld>
+            <a:endParaRPr lang="en-US"/>
+          </a:p>
+        </p:txBody>
+      </p:sp>
+      <p:sp>
+        <p:nvSpPr>
+          <p:cNvPr id="5" name="Footer Placeholder 4"/>
+          <p:cNvSpPr>
+            <a:spLocks noGrp="1"/>
+          </p:cNvSpPr>
+          <p:nvPr>
+            <p:ph type="ftr" sz="quarter" idx="3"/>
           </p:nvPr>
         </p:nvSpPr>
         <p:spPr>
           <a:xfrm>
-            <a:off x="1097280" y="6459785"/>
-            <a:ext cx="2472271" cy="365125"/>
+            <a:off x="1600200" y="6236208"/>
+            <a:ext cx="5901189" cy="320040"/>
           </a:xfrm>
           <a:prstGeom prst="rect">
             <a:avLst/>
@@ -3267,7 +3318,51 @@
           <a:bodyPr vert="horz" lIns="91440" tIns="45720" rIns="91440" bIns="45720" rtlCol="0" anchor="ctr"/>
           <a:lstStyle>
             <a:lvl1pPr algn="l">
-              <a:defRPr sz="900">
+              <a:defRPr sz="1050">
+                <a:solidFill>
+                  <a:schemeClr val="tx1">
+                    <a:alpha val="70000"/>
+                  </a:schemeClr>
+                </a:solidFill>
+              </a:defRPr>
+            </a:lvl1pPr>
+          </a:lstStyle>
+          <a:p>
+            <a:endParaRPr lang="en-US"/>
+          </a:p>
+        </p:txBody>
+      </p:sp>
+      <p:sp>
+        <p:nvSpPr>
+          <p:cNvPr id="6" name="Slide Number Placeholder 5"/>
+          <p:cNvSpPr>
+            <a:spLocks noGrp="1"/>
+          </p:cNvSpPr>
+          <p:nvPr>
+            <p:ph type="sldNum" sz="quarter" idx="4"/>
+          </p:nvPr>
+        </p:nvSpPr>
+        <p:spPr>
+          <a:xfrm>
+            <a:off x="10758922" y="6217920"/>
+            <a:ext cx="365760" cy="365760"/>
+          </a:xfrm>
+          <a:prstGeom prst="ellipse">
+            <a:avLst/>
+          </a:prstGeom>
+          <a:solidFill>
+            <a:srgbClr val="1D1D1D">
+              <a:alpha val="70000"/>
+            </a:srgbClr>
+          </a:solidFill>
+        </p:spPr>
+        <p:txBody>
+          <a:bodyPr vert="horz" lIns="18288" tIns="45720" rIns="18288" bIns="45720" rtlCol="0" anchor="ctr">
+            <a:noAutofit/>
+          </a:bodyPr>
+          <a:lstStyle>
+            <a:lvl1pPr algn="ctr">
+              <a:defRPr sz="1100" spc="0" baseline="0">
                 <a:solidFill>
                   <a:srgbClr val="FFFFFF"/>
                 </a:solidFill>
@@ -3275,80 +3370,6 @@
             </a:lvl1pPr>
           </a:lstStyle>
           <a:p>
-            <a:fld id="{68453380-E5F8-448B-A055-F6BD15B6CE7F}" type="datetimeFigureOut">
-              <a:rPr lang="en-US" smtClean="0"/>
-              <a:t>10/21/2024</a:t>
-            </a:fld>
-            <a:endParaRPr lang="en-US"/>
-          </a:p>
-        </p:txBody>
-      </p:sp>
-      <p:sp>
-        <p:nvSpPr>
-          <p:cNvPr id="5" name="Footer Placeholder 4"/>
-          <p:cNvSpPr>
-            <a:spLocks noGrp="1"/>
-          </p:cNvSpPr>
-          <p:nvPr>
-            <p:ph type="ftr" sz="quarter" idx="3"/>
-          </p:nvPr>
-        </p:nvSpPr>
-        <p:spPr>
-          <a:xfrm>
-            <a:off x="3686185" y="6459785"/>
-            <a:ext cx="4822804" cy="365125"/>
-          </a:xfrm>
-          <a:prstGeom prst="rect">
-            <a:avLst/>
-          </a:prstGeom>
-        </p:spPr>
-        <p:txBody>
-          <a:bodyPr vert="horz" lIns="91440" tIns="45720" rIns="91440" bIns="45720" rtlCol="0" anchor="ctr"/>
-          <a:lstStyle>
-            <a:lvl1pPr algn="ctr">
-              <a:defRPr sz="900" cap="all" baseline="0">
-                <a:solidFill>
-                  <a:srgbClr val="FFFFFF"/>
-                </a:solidFill>
-              </a:defRPr>
-            </a:lvl1pPr>
-          </a:lstStyle>
-          <a:p>
-            <a:endParaRPr lang="en-US"/>
-          </a:p>
-        </p:txBody>
-      </p:sp>
-      <p:sp>
-        <p:nvSpPr>
-          <p:cNvPr id="6" name="Slide Number Placeholder 5"/>
-          <p:cNvSpPr>
-            <a:spLocks noGrp="1"/>
-          </p:cNvSpPr>
-          <p:nvPr>
-            <p:ph type="sldNum" sz="quarter" idx="4"/>
-          </p:nvPr>
-        </p:nvSpPr>
-        <p:spPr>
-          <a:xfrm>
-            <a:off x="9900458" y="6459785"/>
-            <a:ext cx="1312025" cy="365125"/>
-          </a:xfrm>
-          <a:prstGeom prst="rect">
-            <a:avLst/>
-          </a:prstGeom>
-        </p:spPr>
-        <p:txBody>
-          <a:bodyPr vert="horz" lIns="91440" tIns="45720" rIns="91440" bIns="45720" rtlCol="0" anchor="ctr"/>
-          <a:lstStyle>
-            <a:lvl1pPr algn="r">
-              <a:defRPr sz="1050">
-                <a:solidFill>
-                  <a:srgbClr val="FFFFFF"/>
-                </a:solidFill>
-              </a:defRPr>
-            </a:lvl1pPr>
-          </a:lstStyle>
-          <a:p>
             <a:fld id="{D6BCBA9B-0B72-4A8F-9996-2BCAA14E40B8}" type="slidenum">
               <a:rPr lang="en-US" smtClean="0"/>
               <a:t>‹#›</a:t>
@@ -3357,81 +3378,40 @@
           </a:p>
         </p:txBody>
       </p:sp>
-      <p:cxnSp>
-        <p:nvCxnSpPr>
-          <p:cNvPr id="10" name="Straight Connector 9"/>
-          <p:cNvCxnSpPr/>
-          <p:nvPr/>
-        </p:nvCxnSpPr>
-        <p:spPr>
-          <a:xfrm>
-            <a:off x="1193532" y="1737845"/>
-            <a:ext cx="9966960" cy="0"/>
-          </a:xfrm>
-          <a:prstGeom prst="line">
-            <a:avLst/>
-          </a:prstGeom>
-          <a:ln w="6350">
-            <a:solidFill>
-              <a:schemeClr val="tx1">
-                <a:lumMod val="50000"/>
-                <a:lumOff val="50000"/>
-              </a:schemeClr>
-            </a:solidFill>
-          </a:ln>
-        </p:spPr>
-        <p:style>
-          <a:lnRef idx="1">
-            <a:schemeClr val="accent1"/>
-          </a:lnRef>
-          <a:fillRef idx="0">
-            <a:schemeClr val="accent1"/>
-          </a:fillRef>
-          <a:effectRef idx="0">
-            <a:schemeClr val="accent1"/>
-          </a:effectRef>
-          <a:fontRef idx="minor">
-            <a:schemeClr val="tx1"/>
-          </a:fontRef>
-        </p:style>
-      </p:cxnSp>
     </p:spTree>
     <p:extLst>
       <p:ext uri="{BB962C8B-B14F-4D97-AF65-F5344CB8AC3E}">
-        <p14:creationId xmlns:p14="http://schemas.microsoft.com/office/powerpoint/2010/main" val="4185697580"/>
+        <p14:creationId xmlns:p14="http://schemas.microsoft.com/office/powerpoint/2010/main" val="874393000"/>
       </p:ext>
     </p:extLst>
   </p:cSld>
   <p:clrMap bg1="lt1" tx1="dk1" bg2="lt2" tx2="dk2" accent1="accent1" accent2="accent2" accent3="accent3" accent4="accent4" accent5="accent5" accent6="accent6" hlink="hlink" folHlink="folHlink"/>
   <p:sldLayoutIdLst>
-    <p:sldLayoutId id="2147483673" r:id="rId1"/>
-    <p:sldLayoutId id="2147483674" r:id="rId2"/>
-    <p:sldLayoutId id="2147483675" r:id="rId3"/>
-    <p:sldLayoutId id="2147483676" r:id="rId4"/>
-    <p:sldLayoutId id="2147483677" r:id="rId5"/>
-    <p:sldLayoutId id="2147483678" r:id="rId6"/>
-    <p:sldLayoutId id="2147483679" r:id="rId7"/>
-    <p:sldLayoutId id="2147483680" r:id="rId8"/>
-    <p:sldLayoutId id="2147483681" r:id="rId9"/>
-    <p:sldLayoutId id="2147483682" r:id="rId10"/>
-    <p:sldLayoutId id="2147483683" r:id="rId11"/>
+    <p:sldLayoutId id="2147483685" r:id="rId1"/>
+    <p:sldLayoutId id="2147483686" r:id="rId2"/>
+    <p:sldLayoutId id="2147483687" r:id="rId3"/>
+    <p:sldLayoutId id="2147483688" r:id="rId4"/>
+    <p:sldLayoutId id="2147483689" r:id="rId5"/>
+    <p:sldLayoutId id="2147483690" r:id="rId6"/>
+    <p:sldLayoutId id="2147483691" r:id="rId7"/>
+    <p:sldLayoutId id="2147483692" r:id="rId8"/>
+    <p:sldLayoutId id="2147483693" r:id="rId9"/>
+    <p:sldLayoutId id="2147483694" r:id="rId10"/>
+    <p:sldLayoutId id="2147483695" r:id="rId11"/>
   </p:sldLayoutIdLst>
   <p:txStyles>
     <p:titleStyle>
-      <a:lvl1pPr algn="l" defTabSz="914400" rtl="0" eaLnBrk="1" latinLnBrk="0" hangingPunct="1">
+      <a:lvl1pPr algn="ctr" defTabSz="914400" rtl="0" eaLnBrk="1" latinLnBrk="0" hangingPunct="1">
         <a:lnSpc>
-          <a:spcPct val="85000"/>
+          <a:spcPct val="90000"/>
         </a:lnSpc>
         <a:spcBef>
           <a:spcPct val="0"/>
         </a:spcBef>
         <a:buNone/>
-        <a:defRPr sz="4800" kern="1200" spc="-50" baseline="0">
+        <a:defRPr sz="2800" kern="1200" cap="all" spc="200" baseline="0">
           <a:solidFill>
-            <a:schemeClr val="tx1">
-              <a:lumMod val="75000"/>
-              <a:lumOff val="25000"/>
-            </a:schemeClr>
+            <a:srgbClr val="262626"/>
           </a:solidFill>
           <a:latin typeface="+mj-lt"/>
           <a:ea typeface="+mj-ea"/>
@@ -3440,27 +3420,23 @@
       </a:lvl1pPr>
     </p:titleStyle>
     <p:bodyStyle>
-      <a:lvl1pPr marL="91440" indent="-91440" algn="l" defTabSz="914400" rtl="0" eaLnBrk="1" latinLnBrk="0" hangingPunct="1">
+      <a:lvl1pPr marL="228600" indent="-228600" algn="l" defTabSz="914400" rtl="0" eaLnBrk="1" latinLnBrk="0" hangingPunct="1">
         <a:lnSpc>
-          <a:spcPct val="90000"/>
+          <a:spcPct val="100000"/>
         </a:lnSpc>
         <a:spcBef>
-          <a:spcPts val="1200"/>
+          <a:spcPts val="1000"/>
         </a:spcBef>
-        <a:spcAft>
-          <a:spcPts val="200"/>
-        </a:spcAft>
         <a:buClr>
-          <a:schemeClr val="accent1"/>
+          <a:schemeClr val="accent2"/>
         </a:buClr>
-        <a:buSzPct val="100000"/>
-        <a:buFont typeface="Calibri" panose="020F0502020204030204" pitchFamily="34" charset="0"/>
-        <a:buChar char=" "/>
-        <a:defRPr sz="2000" kern="1200">
+        <a:buFont typeface="Arial" panose="020B0604020202020204" pitchFamily="34" charset="0"/>
+        <a:buChar char="•"/>
+        <a:defRPr sz="1800" kern="1200">
           <a:solidFill>
             <a:schemeClr val="tx1">
-              <a:lumMod val="75000"/>
-              <a:lumOff val="25000"/>
+              <a:lumMod val="85000"/>
+              <a:lumOff val="15000"/>
             </a:schemeClr>
           </a:solidFill>
           <a:latin typeface="+mn-lt"/>
@@ -3468,26 +3444,23 @@
           <a:cs typeface="+mn-cs"/>
         </a:defRPr>
       </a:lvl1pPr>
-      <a:lvl2pPr marL="384048" indent="-182880" algn="l" defTabSz="914400" rtl="0" eaLnBrk="1" latinLnBrk="0" hangingPunct="1">
+      <a:lvl2pPr marL="457200" indent="-228600" algn="l" defTabSz="914400" rtl="0" eaLnBrk="1" latinLnBrk="0" hangingPunct="1">
         <a:lnSpc>
-          <a:spcPct val="90000"/>
+          <a:spcPct val="100000"/>
         </a:lnSpc>
         <a:spcBef>
-          <a:spcPts val="200"/>
+          <a:spcPts val="1000"/>
         </a:spcBef>
-        <a:spcAft>
-          <a:spcPts val="400"/>
-        </a:spcAft>
         <a:buClr>
-          <a:schemeClr val="accent1"/>
+          <a:schemeClr val="accent2"/>
         </a:buClr>
-        <a:buFont typeface="Calibri" pitchFamily="34" charset="0"/>
-        <a:buChar char="◦"/>
-        <a:defRPr sz="1800" kern="1200">
+        <a:buFont typeface="Arial" panose="020B0604020202020204" pitchFamily="34" charset="0"/>
+        <a:buChar char="•"/>
+        <a:defRPr sz="1600" kern="1200">
           <a:solidFill>
             <a:schemeClr val="tx1">
-              <a:lumMod val="75000"/>
-              <a:lumOff val="25000"/>
+              <a:lumMod val="85000"/>
+              <a:lumOff val="15000"/>
             </a:schemeClr>
           </a:solidFill>
           <a:latin typeface="+mn-lt"/>
@@ -3495,26 +3468,23 @@
           <a:cs typeface="+mn-cs"/>
         </a:defRPr>
       </a:lvl2pPr>
-      <a:lvl3pPr marL="566928" indent="-182880" algn="l" defTabSz="914400" rtl="0" eaLnBrk="1" latinLnBrk="0" hangingPunct="1">
+      <a:lvl3pPr marL="685800" indent="-228600" algn="l" defTabSz="914400" rtl="0" eaLnBrk="1" latinLnBrk="0" hangingPunct="1">
         <a:lnSpc>
-          <a:spcPct val="90000"/>
+          <a:spcPct val="100000"/>
         </a:lnSpc>
         <a:spcBef>
-          <a:spcPts val="200"/>
+          <a:spcPts val="1000"/>
         </a:spcBef>
-        <a:spcAft>
-          <a:spcPts val="400"/>
-        </a:spcAft>
         <a:buClr>
-          <a:schemeClr val="accent1"/>
+          <a:schemeClr val="accent2"/>
         </a:buClr>
-        <a:buFont typeface="Calibri" pitchFamily="34" charset="0"/>
-        <a:buChar char="◦"/>
-        <a:defRPr sz="1400" kern="1200">
+        <a:buFont typeface="Arial" panose="020B0604020202020204" pitchFamily="34" charset="0"/>
+        <a:buChar char="•"/>
+        <a:defRPr sz="1600" kern="1200">
           <a:solidFill>
             <a:schemeClr val="tx1">
-              <a:lumMod val="75000"/>
-              <a:lumOff val="25000"/>
+              <a:lumMod val="85000"/>
+              <a:lumOff val="15000"/>
             </a:schemeClr>
           </a:solidFill>
           <a:latin typeface="+mn-lt"/>
@@ -3522,26 +3492,23 @@
           <a:cs typeface="+mn-cs"/>
         </a:defRPr>
       </a:lvl3pPr>
-      <a:lvl4pPr marL="749808" indent="-182880" algn="l" defTabSz="914400" rtl="0" eaLnBrk="1" latinLnBrk="0" hangingPunct="1">
+      <a:lvl4pPr marL="914400" indent="-228600" algn="l" defTabSz="914400" rtl="0" eaLnBrk="1" latinLnBrk="0" hangingPunct="1">
         <a:lnSpc>
-          <a:spcPct val="90000"/>
+          <a:spcPct val="100000"/>
         </a:lnSpc>
         <a:spcBef>
-          <a:spcPts val="200"/>
+          <a:spcPts val="1000"/>
         </a:spcBef>
-        <a:spcAft>
-          <a:spcPts val="400"/>
-        </a:spcAft>
         <a:buClr>
-          <a:schemeClr val="accent1"/>
+          <a:schemeClr val="accent2"/>
         </a:buClr>
-        <a:buFont typeface="Calibri" pitchFamily="34" charset="0"/>
-        <a:buChar char="◦"/>
-        <a:defRPr sz="1400" kern="1200">
+        <a:buFont typeface="Arial" panose="020B0604020202020204" pitchFamily="34" charset="0"/>
+        <a:buChar char="•"/>
+        <a:defRPr sz="1600" kern="1200">
           <a:solidFill>
             <a:schemeClr val="tx1">
-              <a:lumMod val="75000"/>
-              <a:lumOff val="25000"/>
+              <a:lumMod val="85000"/>
+              <a:lumOff val="15000"/>
             </a:schemeClr>
           </a:solidFill>
           <a:latin typeface="+mn-lt"/>
@@ -3549,26 +3516,23 @@
           <a:cs typeface="+mn-cs"/>
         </a:defRPr>
       </a:lvl4pPr>
-      <a:lvl5pPr marL="932688" indent="-182880" algn="l" defTabSz="914400" rtl="0" eaLnBrk="1" latinLnBrk="0" hangingPunct="1">
+      <a:lvl5pPr marL="1143000" indent="-228600" algn="l" defTabSz="914400" rtl="0" eaLnBrk="1" latinLnBrk="0" hangingPunct="1">
         <a:lnSpc>
-          <a:spcPct val="90000"/>
+          <a:spcPct val="100000"/>
         </a:lnSpc>
         <a:spcBef>
-          <a:spcPts val="200"/>
+          <a:spcPts val="1000"/>
         </a:spcBef>
-        <a:spcAft>
-          <a:spcPts val="400"/>
-        </a:spcAft>
         <a:buClr>
-          <a:schemeClr val="accent1"/>
+          <a:schemeClr val="accent2"/>
         </a:buClr>
-        <a:buFont typeface="Calibri" pitchFamily="34" charset="0"/>
-        <a:buChar char="◦"/>
-        <a:defRPr sz="1400" kern="1200">
+        <a:buFont typeface="Arial" panose="020B0604020202020204" pitchFamily="34" charset="0"/>
+        <a:buChar char="•"/>
+        <a:defRPr sz="1600" kern="1200">
           <a:solidFill>
             <a:schemeClr val="tx1">
-              <a:lumMod val="75000"/>
-              <a:lumOff val="25000"/>
+              <a:lumMod val="85000"/>
+              <a:lumOff val="15000"/>
             </a:schemeClr>
           </a:solidFill>
           <a:latin typeface="+mn-lt"/>
@@ -3576,108 +3540,84 @@
           <a:cs typeface="+mn-cs"/>
         </a:defRPr>
       </a:lvl5pPr>
-      <a:lvl6pPr marL="1100000" indent="-228600" algn="l" defTabSz="914400" rtl="0" eaLnBrk="1" latinLnBrk="0" hangingPunct="1">
+      <a:lvl6pPr marL="1312863" indent="-228600" algn="l" defTabSz="914400" rtl="0" eaLnBrk="1" latinLnBrk="0" hangingPunct="1">
         <a:lnSpc>
-          <a:spcPct val="90000"/>
+          <a:spcPct val="100000"/>
         </a:lnSpc>
         <a:spcBef>
-          <a:spcPts val="200"/>
+          <a:spcPts val="1000"/>
         </a:spcBef>
-        <a:spcAft>
-          <a:spcPts val="400"/>
-        </a:spcAft>
         <a:buClr>
-          <a:schemeClr val="accent1"/>
+          <a:schemeClr val="accent2"/>
         </a:buClr>
-        <a:buFont typeface="Calibri" pitchFamily="34" charset="0"/>
-        <a:buChar char="◦"/>
-        <a:defRPr sz="1400" kern="1200">
+        <a:buFont typeface="Arial" panose="020B0604020202020204" pitchFamily="34" charset="0"/>
+        <a:buChar char="•"/>
+        <a:defRPr sz="1600" kern="1200">
           <a:solidFill>
-            <a:schemeClr val="tx1">
-              <a:lumMod val="75000"/>
-              <a:lumOff val="25000"/>
-            </a:schemeClr>
+            <a:schemeClr val="tx1"/>
           </a:solidFill>
           <a:latin typeface="+mn-lt"/>
           <a:ea typeface="+mn-ea"/>
           <a:cs typeface="+mn-cs"/>
         </a:defRPr>
       </a:lvl6pPr>
-      <a:lvl7pPr marL="1300000" indent="-228600" algn="l" defTabSz="914400" rtl="0" eaLnBrk="1" latinLnBrk="0" hangingPunct="1">
+      <a:lvl7pPr marL="1484313" indent="-228600" algn="l" defTabSz="914400" rtl="0" eaLnBrk="1" latinLnBrk="0" hangingPunct="1">
         <a:lnSpc>
-          <a:spcPct val="90000"/>
+          <a:spcPct val="100000"/>
         </a:lnSpc>
         <a:spcBef>
-          <a:spcPts val="200"/>
+          <a:spcPts val="1000"/>
         </a:spcBef>
-        <a:spcAft>
-          <a:spcPts val="400"/>
-        </a:spcAft>
         <a:buClr>
-          <a:schemeClr val="accent1"/>
+          <a:schemeClr val="accent2"/>
         </a:buClr>
-        <a:buFont typeface="Calibri" pitchFamily="34" charset="0"/>
-        <a:buChar char="◦"/>
-        <a:defRPr sz="1400" kern="1200">
+        <a:buFont typeface="Arial" panose="020B0604020202020204" pitchFamily="34" charset="0"/>
+        <a:buChar char="•"/>
+        <a:defRPr sz="1600" kern="1200">
           <a:solidFill>
-            <a:schemeClr val="tx1">
-              <a:lumMod val="75000"/>
-              <a:lumOff val="25000"/>
-            </a:schemeClr>
+            <a:schemeClr val="tx1"/>
           </a:solidFill>
           <a:latin typeface="+mn-lt"/>
           <a:ea typeface="+mn-ea"/>
           <a:cs typeface="+mn-cs"/>
         </a:defRPr>
       </a:lvl7pPr>
-      <a:lvl8pPr marL="1500000" indent="-228600" algn="l" defTabSz="914400" rtl="0" eaLnBrk="1" latinLnBrk="0" hangingPunct="1">
+      <a:lvl8pPr marL="1657350" indent="-228600" algn="l" defTabSz="914400" rtl="0" eaLnBrk="1" latinLnBrk="0" hangingPunct="1">
         <a:lnSpc>
-          <a:spcPct val="90000"/>
+          <a:spcPct val="100000"/>
         </a:lnSpc>
         <a:spcBef>
-          <a:spcPts val="200"/>
+          <a:spcPts val="1000"/>
         </a:spcBef>
-        <a:spcAft>
-          <a:spcPts val="400"/>
-        </a:spcAft>
         <a:buClr>
-          <a:schemeClr val="accent1"/>
+          <a:schemeClr val="accent2"/>
         </a:buClr>
-        <a:buFont typeface="Calibri" pitchFamily="34" charset="0"/>
-        <a:buChar char="◦"/>
-        <a:defRPr sz="1400" kern="1200">
+        <a:buFont typeface="Arial" panose="020B0604020202020204" pitchFamily="34" charset="0"/>
+        <a:buChar char="•"/>
+        <a:defRPr sz="1600" kern="1200" baseline="0">
           <a:solidFill>
-            <a:schemeClr val="tx1">
-              <a:lumMod val="75000"/>
-              <a:lumOff val="25000"/>
-            </a:schemeClr>
+            <a:schemeClr val="tx1"/>
           </a:solidFill>
           <a:latin typeface="+mn-lt"/>
           <a:ea typeface="+mn-ea"/>
           <a:cs typeface="+mn-cs"/>
         </a:defRPr>
       </a:lvl8pPr>
-      <a:lvl9pPr marL="1700000" indent="-228600" algn="l" defTabSz="914400" rtl="0" eaLnBrk="1" latinLnBrk="0" hangingPunct="1">
+      <a:lvl9pPr marL="1882775" indent="-228600" algn="l" defTabSz="914400" rtl="0" eaLnBrk="1" latinLnBrk="0" hangingPunct="1">
         <a:lnSpc>
-          <a:spcPct val="90000"/>
+          <a:spcPct val="100000"/>
         </a:lnSpc>
         <a:spcBef>
-          <a:spcPts val="200"/>
+          <a:spcPts val="1000"/>
         </a:spcBef>
-        <a:spcAft>
-          <a:spcPts val="400"/>
-        </a:spcAft>
         <a:buClr>
-          <a:schemeClr val="accent1"/>
+          <a:schemeClr val="accent2"/>
         </a:buClr>
-        <a:buFont typeface="Calibri" pitchFamily="34" charset="0"/>
-        <a:buChar char="◦"/>
-        <a:defRPr sz="1400" kern="1200">
+        <a:buFont typeface="Arial" panose="020B0604020202020204" pitchFamily="34" charset="0"/>
+        <a:buChar char="•"/>
+        <a:defRPr sz="1600" kern="1200" baseline="0">
           <a:solidFill>
-            <a:schemeClr val="tx1">
-              <a:lumMod val="75000"/>
-              <a:lumOff val="25000"/>
-            </a:schemeClr>
+            <a:schemeClr val="tx1"/>
           </a:solidFill>
           <a:latin typeface="+mn-lt"/>
           <a:ea typeface="+mn-ea"/>
@@ -3822,7 +3762,10 @@
           <a:bodyPr/>
           <a:lstStyle/>
           <a:p>
-            <a:endParaRPr lang="en-US"/>
+            <a:r>
+              <a:rPr lang="en-US" dirty="0"/>
+              <a:t>Terraform Configuration Language (HCL)</a:t>
+            </a:r>
           </a:p>
         </p:txBody>
       </p:sp>
@@ -3847,7 +3790,10 @@
           <a:bodyPr/>
           <a:lstStyle/>
           <a:p>
-            <a:endParaRPr lang="en-US"/>
+            <a:r>
+              <a:rPr lang="en-US" dirty="0"/>
+              <a:t>10:30 AM - 11:00 AM</a:t>
+            </a:r>
           </a:p>
         </p:txBody>
       </p:sp>
@@ -3864,10 +3810,593 @@
 </p:sld>
 </file>
 
+<file path=ppt/slides/slide2.xml><?xml version="1.0" encoding="utf-8"?>
+<p:sld xmlns:a="http://schemas.openxmlformats.org/drawingml/2006/main" xmlns:r="http://schemas.openxmlformats.org/officeDocument/2006/relationships" xmlns:p="http://schemas.openxmlformats.org/presentationml/2006/main">
+  <p:cSld>
+    <p:spTree>
+      <p:nvGrpSpPr>
+        <p:cNvPr id="1" name=""/>
+        <p:cNvGrpSpPr/>
+        <p:nvPr/>
+      </p:nvGrpSpPr>
+      <p:grpSpPr>
+        <a:xfrm>
+          <a:off x="0" y="0"/>
+          <a:ext cx="0" cy="0"/>
+          <a:chOff x="0" y="0"/>
+          <a:chExt cx="0" cy="0"/>
+        </a:xfrm>
+      </p:grpSpPr>
+      <p:sp>
+        <p:nvSpPr>
+          <p:cNvPr id="2" name="Title 1">
+            <a:extLst>
+              <a:ext uri="{FF2B5EF4-FFF2-40B4-BE49-F238E27FC236}">
+                <a16:creationId xmlns:a16="http://schemas.microsoft.com/office/drawing/2014/main" id="{B5594E87-3786-C8BA-E158-AC90B4B4A1FF}"/>
+              </a:ext>
+            </a:extLst>
+          </p:cNvPr>
+          <p:cNvSpPr>
+            <a:spLocks noGrp="1"/>
+          </p:cNvSpPr>
+          <p:nvPr>
+            <p:ph type="title"/>
+          </p:nvPr>
+        </p:nvSpPr>
+        <p:spPr/>
+        <p:txBody>
+          <a:bodyPr/>
+          <a:lstStyle/>
+          <a:p>
+            <a:r>
+              <a:rPr lang="en-US" dirty="0"/>
+              <a:t>Understanding Terraform’s Configuration Language (HCL)</a:t>
+            </a:r>
+          </a:p>
+        </p:txBody>
+      </p:sp>
+      <p:sp>
+        <p:nvSpPr>
+          <p:cNvPr id="3" name="Content Placeholder 2">
+            <a:extLst>
+              <a:ext uri="{FF2B5EF4-FFF2-40B4-BE49-F238E27FC236}">
+                <a16:creationId xmlns:a16="http://schemas.microsoft.com/office/drawing/2014/main" id="{D52AC7BC-8340-947C-5B39-03F2AC65A471}"/>
+              </a:ext>
+            </a:extLst>
+          </p:cNvPr>
+          <p:cNvSpPr>
+            <a:spLocks noGrp="1"/>
+          </p:cNvSpPr>
+          <p:nvPr>
+            <p:ph idx="1"/>
+          </p:nvPr>
+        </p:nvSpPr>
+        <p:spPr/>
+        <p:txBody>
+          <a:bodyPr/>
+          <a:lstStyle/>
+          <a:p>
+            <a:endParaRPr lang="en-US"/>
+          </a:p>
+        </p:txBody>
+      </p:sp>
+    </p:spTree>
+    <p:extLst>
+      <p:ext uri="{BB962C8B-B14F-4D97-AF65-F5344CB8AC3E}">
+        <p14:creationId xmlns:p14="http://schemas.microsoft.com/office/powerpoint/2010/main" val="2813061516"/>
+      </p:ext>
+    </p:extLst>
+  </p:cSld>
+  <p:clrMapOvr>
+    <a:masterClrMapping/>
+  </p:clrMapOvr>
+</p:sld>
+</file>
+
+<file path=ppt/slides/slide3.xml><?xml version="1.0" encoding="utf-8"?>
+<p:sld xmlns:a="http://schemas.openxmlformats.org/drawingml/2006/main" xmlns:r="http://schemas.openxmlformats.org/officeDocument/2006/relationships" xmlns:p="http://schemas.openxmlformats.org/presentationml/2006/main">
+  <p:cSld>
+    <p:spTree>
+      <p:nvGrpSpPr>
+        <p:cNvPr id="1" name=""/>
+        <p:cNvGrpSpPr/>
+        <p:nvPr/>
+      </p:nvGrpSpPr>
+      <p:grpSpPr>
+        <a:xfrm>
+          <a:off x="0" y="0"/>
+          <a:ext cx="0" cy="0"/>
+          <a:chOff x="0" y="0"/>
+          <a:chExt cx="0" cy="0"/>
+        </a:xfrm>
+      </p:grpSpPr>
+      <p:sp>
+        <p:nvSpPr>
+          <p:cNvPr id="2" name="Title 1">
+            <a:extLst>
+              <a:ext uri="{FF2B5EF4-FFF2-40B4-BE49-F238E27FC236}">
+                <a16:creationId xmlns:a16="http://schemas.microsoft.com/office/drawing/2014/main" id="{E3C17A4C-474B-BC4C-E814-0A89CB030E7D}"/>
+              </a:ext>
+            </a:extLst>
+          </p:cNvPr>
+          <p:cNvSpPr>
+            <a:spLocks noGrp="1"/>
+          </p:cNvSpPr>
+          <p:nvPr>
+            <p:ph type="title"/>
+          </p:nvPr>
+        </p:nvSpPr>
+        <p:spPr/>
+        <p:txBody>
+          <a:bodyPr/>
+          <a:lstStyle/>
+          <a:p>
+            <a:r>
+              <a:rPr lang="en-US" dirty="0"/>
+              <a:t>Using Variables in Terraform</a:t>
+            </a:r>
+          </a:p>
+        </p:txBody>
+      </p:sp>
+      <p:sp>
+        <p:nvSpPr>
+          <p:cNvPr id="3" name="Content Placeholder 2">
+            <a:extLst>
+              <a:ext uri="{FF2B5EF4-FFF2-40B4-BE49-F238E27FC236}">
+                <a16:creationId xmlns:a16="http://schemas.microsoft.com/office/drawing/2014/main" id="{0EB06495-B2E6-32DF-8C25-0092CEA0B916}"/>
+              </a:ext>
+            </a:extLst>
+          </p:cNvPr>
+          <p:cNvSpPr>
+            <a:spLocks noGrp="1"/>
+          </p:cNvSpPr>
+          <p:nvPr>
+            <p:ph idx="1"/>
+          </p:nvPr>
+        </p:nvSpPr>
+        <p:spPr/>
+        <p:txBody>
+          <a:bodyPr/>
+          <a:lstStyle/>
+          <a:p>
+            <a:endParaRPr lang="en-US"/>
+          </a:p>
+        </p:txBody>
+      </p:sp>
+    </p:spTree>
+    <p:extLst>
+      <p:ext uri="{BB962C8B-B14F-4D97-AF65-F5344CB8AC3E}">
+        <p14:creationId xmlns:p14="http://schemas.microsoft.com/office/powerpoint/2010/main" val="3314494217"/>
+      </p:ext>
+    </p:extLst>
+  </p:cSld>
+  <p:clrMapOvr>
+    <a:masterClrMapping/>
+  </p:clrMapOvr>
+</p:sld>
+</file>
+
+<file path=ppt/slides/slide4.xml><?xml version="1.0" encoding="utf-8"?>
+<p:sld xmlns:a="http://schemas.openxmlformats.org/drawingml/2006/main" xmlns:r="http://schemas.openxmlformats.org/officeDocument/2006/relationships" xmlns:p="http://schemas.openxmlformats.org/presentationml/2006/main">
+  <p:cSld>
+    <p:spTree>
+      <p:nvGrpSpPr>
+        <p:cNvPr id="1" name=""/>
+        <p:cNvGrpSpPr/>
+        <p:nvPr/>
+      </p:nvGrpSpPr>
+      <p:grpSpPr>
+        <a:xfrm>
+          <a:off x="0" y="0"/>
+          <a:ext cx="0" cy="0"/>
+          <a:chOff x="0" y="0"/>
+          <a:chExt cx="0" cy="0"/>
+        </a:xfrm>
+      </p:grpSpPr>
+      <p:sp>
+        <p:nvSpPr>
+          <p:cNvPr id="2" name="Title 1">
+            <a:extLst>
+              <a:ext uri="{FF2B5EF4-FFF2-40B4-BE49-F238E27FC236}">
+                <a16:creationId xmlns:a16="http://schemas.microsoft.com/office/drawing/2014/main" id="{DF1F0C25-FCF9-9C0E-0CBF-E705DE9E92FA}"/>
+              </a:ext>
+            </a:extLst>
+          </p:cNvPr>
+          <p:cNvSpPr>
+            <a:spLocks noGrp="1"/>
+          </p:cNvSpPr>
+          <p:nvPr>
+            <p:ph type="title"/>
+          </p:nvPr>
+        </p:nvSpPr>
+        <p:spPr/>
+        <p:txBody>
+          <a:bodyPr/>
+          <a:lstStyle/>
+          <a:p>
+            <a:r>
+              <a:rPr lang="en-US" dirty="0"/>
+              <a:t>HCL Data Types</a:t>
+            </a:r>
+          </a:p>
+        </p:txBody>
+      </p:sp>
+      <p:sp>
+        <p:nvSpPr>
+          <p:cNvPr id="3" name="Content Placeholder 2">
+            <a:extLst>
+              <a:ext uri="{FF2B5EF4-FFF2-40B4-BE49-F238E27FC236}">
+                <a16:creationId xmlns:a16="http://schemas.microsoft.com/office/drawing/2014/main" id="{F6FF0038-08FA-BAC2-13B0-39B648DF25B7}"/>
+              </a:ext>
+            </a:extLst>
+          </p:cNvPr>
+          <p:cNvSpPr>
+            <a:spLocks noGrp="1"/>
+          </p:cNvSpPr>
+          <p:nvPr>
+            <p:ph idx="1"/>
+          </p:nvPr>
+        </p:nvSpPr>
+        <p:spPr/>
+        <p:txBody>
+          <a:bodyPr/>
+          <a:lstStyle/>
+          <a:p>
+            <a:endParaRPr lang="en-US"/>
+          </a:p>
+        </p:txBody>
+      </p:sp>
+    </p:spTree>
+    <p:extLst>
+      <p:ext uri="{BB962C8B-B14F-4D97-AF65-F5344CB8AC3E}">
+        <p14:creationId xmlns:p14="http://schemas.microsoft.com/office/powerpoint/2010/main" val="1437264519"/>
+      </p:ext>
+    </p:extLst>
+  </p:cSld>
+  <p:clrMapOvr>
+    <a:masterClrMapping/>
+  </p:clrMapOvr>
+</p:sld>
+</file>
+
+<file path=ppt/slides/slide5.xml><?xml version="1.0" encoding="utf-8"?>
+<p:sld xmlns:a="http://schemas.openxmlformats.org/drawingml/2006/main" xmlns:r="http://schemas.openxmlformats.org/officeDocument/2006/relationships" xmlns:p="http://schemas.openxmlformats.org/presentationml/2006/main">
+  <p:cSld>
+    <p:spTree>
+      <p:nvGrpSpPr>
+        <p:cNvPr id="1" name=""/>
+        <p:cNvGrpSpPr/>
+        <p:nvPr/>
+      </p:nvGrpSpPr>
+      <p:grpSpPr>
+        <a:xfrm>
+          <a:off x="0" y="0"/>
+          <a:ext cx="0" cy="0"/>
+          <a:chOff x="0" y="0"/>
+          <a:chExt cx="0" cy="0"/>
+        </a:xfrm>
+      </p:grpSpPr>
+      <p:sp>
+        <p:nvSpPr>
+          <p:cNvPr id="2" name="Title 1">
+            <a:extLst>
+              <a:ext uri="{FF2B5EF4-FFF2-40B4-BE49-F238E27FC236}">
+                <a16:creationId xmlns:a16="http://schemas.microsoft.com/office/drawing/2014/main" id="{18572CAA-52E2-755D-C34F-0DB3D1CEA566}"/>
+              </a:ext>
+            </a:extLst>
+          </p:cNvPr>
+          <p:cNvSpPr>
+            <a:spLocks noGrp="1"/>
+          </p:cNvSpPr>
+          <p:nvPr>
+            <p:ph type="title"/>
+          </p:nvPr>
+        </p:nvSpPr>
+        <p:spPr/>
+        <p:txBody>
+          <a:bodyPr/>
+          <a:lstStyle/>
+          <a:p>
+            <a:r>
+              <a:rPr lang="en-US" dirty="0"/>
+              <a:t>Using Expressions in Terraform</a:t>
+            </a:r>
+          </a:p>
+        </p:txBody>
+      </p:sp>
+      <p:sp>
+        <p:nvSpPr>
+          <p:cNvPr id="3" name="Content Placeholder 2">
+            <a:extLst>
+              <a:ext uri="{FF2B5EF4-FFF2-40B4-BE49-F238E27FC236}">
+                <a16:creationId xmlns:a16="http://schemas.microsoft.com/office/drawing/2014/main" id="{7ABE2EB9-8425-5C3D-A46D-2E357987A5A4}"/>
+              </a:ext>
+            </a:extLst>
+          </p:cNvPr>
+          <p:cNvSpPr>
+            <a:spLocks noGrp="1"/>
+          </p:cNvSpPr>
+          <p:nvPr>
+            <p:ph idx="1"/>
+          </p:nvPr>
+        </p:nvSpPr>
+        <p:spPr/>
+        <p:txBody>
+          <a:bodyPr/>
+          <a:lstStyle/>
+          <a:p>
+            <a:endParaRPr lang="en-US"/>
+          </a:p>
+        </p:txBody>
+      </p:sp>
+    </p:spTree>
+    <p:extLst>
+      <p:ext uri="{BB962C8B-B14F-4D97-AF65-F5344CB8AC3E}">
+        <p14:creationId xmlns:p14="http://schemas.microsoft.com/office/powerpoint/2010/main" val="3913673948"/>
+      </p:ext>
+    </p:extLst>
+  </p:cSld>
+  <p:clrMapOvr>
+    <a:masterClrMapping/>
+  </p:clrMapOvr>
+</p:sld>
+</file>
+
+<file path=ppt/slides/slide6.xml><?xml version="1.0" encoding="utf-8"?>
+<p:sld xmlns:a="http://schemas.openxmlformats.org/drawingml/2006/main" xmlns:r="http://schemas.openxmlformats.org/officeDocument/2006/relationships" xmlns:p="http://schemas.openxmlformats.org/presentationml/2006/main">
+  <p:cSld>
+    <p:spTree>
+      <p:nvGrpSpPr>
+        <p:cNvPr id="1" name=""/>
+        <p:cNvGrpSpPr/>
+        <p:nvPr/>
+      </p:nvGrpSpPr>
+      <p:grpSpPr>
+        <a:xfrm>
+          <a:off x="0" y="0"/>
+          <a:ext cx="0" cy="0"/>
+          <a:chOff x="0" y="0"/>
+          <a:chExt cx="0" cy="0"/>
+        </a:xfrm>
+      </p:grpSpPr>
+      <p:sp>
+        <p:nvSpPr>
+          <p:cNvPr id="2" name="Title 1">
+            <a:extLst>
+              <a:ext uri="{FF2B5EF4-FFF2-40B4-BE49-F238E27FC236}">
+                <a16:creationId xmlns:a16="http://schemas.microsoft.com/office/drawing/2014/main" id="{15F1252F-40B6-5129-86DA-6B4531D2B89C}"/>
+              </a:ext>
+            </a:extLst>
+          </p:cNvPr>
+          <p:cNvSpPr>
+            <a:spLocks noGrp="1"/>
+          </p:cNvSpPr>
+          <p:nvPr>
+            <p:ph type="title"/>
+          </p:nvPr>
+        </p:nvSpPr>
+        <p:spPr/>
+        <p:txBody>
+          <a:bodyPr/>
+          <a:lstStyle/>
+          <a:p>
+            <a:r>
+              <a:rPr lang="en-US" dirty="0"/>
+              <a:t>Defining Providers and Resources in Terraform</a:t>
+            </a:r>
+          </a:p>
+        </p:txBody>
+      </p:sp>
+      <p:sp>
+        <p:nvSpPr>
+          <p:cNvPr id="3" name="Content Placeholder 2">
+            <a:extLst>
+              <a:ext uri="{FF2B5EF4-FFF2-40B4-BE49-F238E27FC236}">
+                <a16:creationId xmlns:a16="http://schemas.microsoft.com/office/drawing/2014/main" id="{07663880-F76D-6A30-780B-9FE0C4DE4B6D}"/>
+              </a:ext>
+            </a:extLst>
+          </p:cNvPr>
+          <p:cNvSpPr>
+            <a:spLocks noGrp="1"/>
+          </p:cNvSpPr>
+          <p:nvPr>
+            <p:ph idx="1"/>
+          </p:nvPr>
+        </p:nvSpPr>
+        <p:spPr/>
+        <p:txBody>
+          <a:bodyPr/>
+          <a:lstStyle/>
+          <a:p>
+            <a:endParaRPr lang="en-US"/>
+          </a:p>
+        </p:txBody>
+      </p:sp>
+    </p:spTree>
+    <p:extLst>
+      <p:ext uri="{BB962C8B-B14F-4D97-AF65-F5344CB8AC3E}">
+        <p14:creationId xmlns:p14="http://schemas.microsoft.com/office/powerpoint/2010/main" val="3799542805"/>
+      </p:ext>
+    </p:extLst>
+  </p:cSld>
+  <p:clrMapOvr>
+    <a:masterClrMapping/>
+  </p:clrMapOvr>
+</p:sld>
+</file>
+
+<file path=ppt/slides/slide7.xml><?xml version="1.0" encoding="utf-8"?>
+<p:sld xmlns:a="http://schemas.openxmlformats.org/drawingml/2006/main" xmlns:r="http://schemas.openxmlformats.org/officeDocument/2006/relationships" xmlns:p="http://schemas.openxmlformats.org/presentationml/2006/main">
+  <p:cSld>
+    <p:spTree>
+      <p:nvGrpSpPr>
+        <p:cNvPr id="1" name=""/>
+        <p:cNvGrpSpPr/>
+        <p:nvPr/>
+      </p:nvGrpSpPr>
+      <p:grpSpPr>
+        <a:xfrm>
+          <a:off x="0" y="0"/>
+          <a:ext cx="0" cy="0"/>
+          <a:chOff x="0" y="0"/>
+          <a:chExt cx="0" cy="0"/>
+        </a:xfrm>
+      </p:grpSpPr>
+      <p:sp>
+        <p:nvSpPr>
+          <p:cNvPr id="2" name="Title 1">
+            <a:extLst>
+              <a:ext uri="{FF2B5EF4-FFF2-40B4-BE49-F238E27FC236}">
+                <a16:creationId xmlns:a16="http://schemas.microsoft.com/office/drawing/2014/main" id="{E44E18FA-F8D7-70B5-EB03-FABCE8603426}"/>
+              </a:ext>
+            </a:extLst>
+          </p:cNvPr>
+          <p:cNvSpPr>
+            <a:spLocks noGrp="1"/>
+          </p:cNvSpPr>
+          <p:nvPr>
+            <p:ph type="title"/>
+          </p:nvPr>
+        </p:nvSpPr>
+        <p:spPr/>
+        <p:txBody>
+          <a:bodyPr/>
+          <a:lstStyle/>
+          <a:p>
+            <a:r>
+              <a:rPr lang="en-US" dirty="0"/>
+              <a:t>Exercise: Writing a Basic Terraform Configuration</a:t>
+            </a:r>
+          </a:p>
+        </p:txBody>
+      </p:sp>
+      <p:sp>
+        <p:nvSpPr>
+          <p:cNvPr id="3" name="Content Placeholder 2">
+            <a:extLst>
+              <a:ext uri="{FF2B5EF4-FFF2-40B4-BE49-F238E27FC236}">
+                <a16:creationId xmlns:a16="http://schemas.microsoft.com/office/drawing/2014/main" id="{2AF983A1-8AA5-B6B9-EB33-4F2F77E26C6B}"/>
+              </a:ext>
+            </a:extLst>
+          </p:cNvPr>
+          <p:cNvSpPr>
+            <a:spLocks noGrp="1"/>
+          </p:cNvSpPr>
+          <p:nvPr>
+            <p:ph idx="1"/>
+          </p:nvPr>
+        </p:nvSpPr>
+        <p:spPr/>
+        <p:txBody>
+          <a:bodyPr/>
+          <a:lstStyle/>
+          <a:p>
+            <a:endParaRPr lang="en-US"/>
+          </a:p>
+        </p:txBody>
+      </p:sp>
+    </p:spTree>
+    <p:extLst>
+      <p:ext uri="{BB962C8B-B14F-4D97-AF65-F5344CB8AC3E}">
+        <p14:creationId xmlns:p14="http://schemas.microsoft.com/office/powerpoint/2010/main" val="2169394701"/>
+      </p:ext>
+    </p:extLst>
+  </p:cSld>
+  <p:clrMapOvr>
+    <a:masterClrMapping/>
+  </p:clrMapOvr>
+</p:sld>
+</file>
+
+<file path=ppt/slides/slide8.xml><?xml version="1.0" encoding="utf-8"?>
+<p:sld xmlns:a="http://schemas.openxmlformats.org/drawingml/2006/main" xmlns:r="http://schemas.openxmlformats.org/officeDocument/2006/relationships" xmlns:p="http://schemas.openxmlformats.org/presentationml/2006/main">
+  <p:cSld>
+    <p:spTree>
+      <p:nvGrpSpPr>
+        <p:cNvPr id="1" name=""/>
+        <p:cNvGrpSpPr/>
+        <p:nvPr/>
+      </p:nvGrpSpPr>
+      <p:grpSpPr>
+        <a:xfrm>
+          <a:off x="0" y="0"/>
+          <a:ext cx="0" cy="0"/>
+          <a:chOff x="0" y="0"/>
+          <a:chExt cx="0" cy="0"/>
+        </a:xfrm>
+      </p:grpSpPr>
+      <p:sp>
+        <p:nvSpPr>
+          <p:cNvPr id="2" name="Title 1">
+            <a:extLst>
+              <a:ext uri="{FF2B5EF4-FFF2-40B4-BE49-F238E27FC236}">
+                <a16:creationId xmlns:a16="http://schemas.microsoft.com/office/drawing/2014/main" id="{8DBDA6BF-B930-0601-A3C2-34E5156CB6FB}"/>
+              </a:ext>
+            </a:extLst>
+          </p:cNvPr>
+          <p:cNvSpPr>
+            <a:spLocks noGrp="1"/>
+          </p:cNvSpPr>
+          <p:nvPr>
+            <p:ph type="title"/>
+          </p:nvPr>
+        </p:nvSpPr>
+        <p:spPr/>
+        <p:txBody>
+          <a:bodyPr>
+            <a:normAutofit fontScale="90000"/>
+          </a:bodyPr>
+          <a:lstStyle/>
+          <a:p>
+            <a:r>
+              <a:rPr lang="en-US" dirty="0"/>
+              <a:t>Bonus Exercise: Creating a Configuration with Variables and Outputs</a:t>
+            </a:r>
+          </a:p>
+        </p:txBody>
+      </p:sp>
+      <p:sp>
+        <p:nvSpPr>
+          <p:cNvPr id="3" name="Content Placeholder 2">
+            <a:extLst>
+              <a:ext uri="{FF2B5EF4-FFF2-40B4-BE49-F238E27FC236}">
+                <a16:creationId xmlns:a16="http://schemas.microsoft.com/office/drawing/2014/main" id="{8C738DD6-5465-D682-70EA-723B9A6BF156}"/>
+              </a:ext>
+            </a:extLst>
+          </p:cNvPr>
+          <p:cNvSpPr>
+            <a:spLocks noGrp="1"/>
+          </p:cNvSpPr>
+          <p:nvPr>
+            <p:ph idx="1"/>
+          </p:nvPr>
+        </p:nvSpPr>
+        <p:spPr/>
+        <p:txBody>
+          <a:bodyPr/>
+          <a:lstStyle/>
+          <a:p>
+            <a:endParaRPr lang="en-US"/>
+          </a:p>
+        </p:txBody>
+      </p:sp>
+    </p:spTree>
+    <p:extLst>
+      <p:ext uri="{BB962C8B-B14F-4D97-AF65-F5344CB8AC3E}">
+        <p14:creationId xmlns:p14="http://schemas.microsoft.com/office/powerpoint/2010/main" val="1756683230"/>
+      </p:ext>
+    </p:extLst>
+  </p:cSld>
+  <p:clrMapOvr>
+    <a:masterClrMapping/>
+  </p:clrMapOvr>
+</p:sld>
+</file>
+
 <file path=ppt/theme/theme1.xml><?xml version="1.0" encoding="utf-8"?>
-<a:theme xmlns:a="http://schemas.openxmlformats.org/drawingml/2006/main" name="Retrospect">
+<a:theme xmlns:a="http://schemas.openxmlformats.org/drawingml/2006/main" name="Parcel">
   <a:themeElements>
-    <a:clrScheme name="Retrospect">
+    <a:clrScheme name="Grayscale">
       <a:dk1>
         <a:sysClr val="windowText" lastClr="000000"/>
       </a:dk1>
@@ -3875,44 +4404,304 @@
         <a:sysClr val="window" lastClr="FFFFFF"/>
       </a:lt1>
       <a:dk2>
-        <a:srgbClr val="514949"/>
+        <a:srgbClr val="000000"/>
       </a:dk2>
       <a:lt2>
-        <a:srgbClr val="E1E1DB"/>
+        <a:srgbClr val="F8F8F8"/>
       </a:lt2>
       <a:accent1>
-        <a:srgbClr val="9DBFBE"/>
+        <a:srgbClr val="DDDDDD"/>
       </a:accent1>
       <a:accent2>
-        <a:srgbClr val="DB8631"/>
+        <a:srgbClr val="B2B2B2"/>
       </a:accent2>
       <a:accent3>
-        <a:srgbClr val="E3CC5A"/>
+        <a:srgbClr val="969696"/>
       </a:accent3>
       <a:accent4>
-        <a:srgbClr val="ACADA8"/>
+        <a:srgbClr val="808080"/>
       </a:accent4>
       <a:accent5>
-        <a:srgbClr val="927C61"/>
+        <a:srgbClr val="5F5F5F"/>
       </a:accent5>
       <a:accent6>
-        <a:srgbClr val="B3B435"/>
+        <a:srgbClr val="4D4D4D"/>
       </a:accent6>
       <a:hlink>
-        <a:srgbClr val="0000FF"/>
+        <a:srgbClr val="5F5F5F"/>
       </a:hlink>
       <a:folHlink>
-        <a:srgbClr val="800080"/>
+        <a:srgbClr val="919191"/>
       </a:folHlink>
     </a:clrScheme>
-    <a:fontScheme name="Retrospect">
+    <a:fontScheme name="Parcel">
       <a:majorFont>
-        <a:latin typeface="Calibri Light" panose="020F0302020204030204"/>
+        <a:latin typeface="Gill Sans MT" panose="020B0502020104020203"/>
         <a:ea typeface=""/>
         <a:cs typeface=""/>
-        <a:font script="Jpan" typeface="ＭＳ Ｐゴシック"/>
+        <a:font script="Grek" typeface="Corbel"/>
+        <a:font script="Cyrl" typeface="Corbel"/>
+        <a:font script="Jpan" typeface="HGｺﾞｼｯｸE"/>
+        <a:font script="Hang" typeface="휴먼매직체"/>
+        <a:font script="Hans" typeface="华文中宋"/>
+        <a:font script="Hant" typeface="微軟正黑體"/>
+        <a:font script="Arab" typeface="Majalla UI"/>
+        <a:font script="Hebr" typeface="Arial"/>
+        <a:font script="Thai" typeface="Cordia New"/>
+        <a:font script="Ethi" typeface="Nyala"/>
+        <a:font script="Beng" typeface="Vrinda"/>
+        <a:font script="Gujr" typeface="Shruti"/>
+        <a:font script="Khmr" typeface="DaunPenh"/>
+        <a:font script="Knda" typeface="Tunga"/>
+        <a:font script="Guru" typeface="Raavi"/>
+        <a:font script="Cans" typeface="Euphemia"/>
+        <a:font script="Cher" typeface="Plantagenet Cherokee"/>
+        <a:font script="Yiii" typeface="Microsoft Yi Baiti"/>
+        <a:font script="Tibt" typeface="Microsoft Himalaya"/>
+        <a:font script="Thaa" typeface="MV Boli"/>
+        <a:font script="Deva" typeface="Mangal"/>
+        <a:font script="Telu" typeface="Gautami"/>
+        <a:font script="Taml" typeface="Latha"/>
+        <a:font script="Syrc" typeface="Estrangelo Edessa"/>
+        <a:font script="Orya" typeface="Kalinga"/>
+        <a:font script="Mlym" typeface="Kartika"/>
+        <a:font script="Laoo" typeface="DokChampa"/>
+        <a:font script="Sinh" typeface="Iskoola Pota"/>
+        <a:font script="Mong" typeface="Mongolian Baiti"/>
+        <a:font script="Viet" typeface="Tahoma"/>
+        <a:font script="Uigh" typeface="Microsoft Uighur"/>
+        <a:font script="Geor" typeface="Sylfaen"/>
+      </a:majorFont>
+      <a:minorFont>
+        <a:latin typeface="Gill Sans MT" panose="020B0502020104020203"/>
+        <a:ea typeface=""/>
+        <a:cs typeface=""/>
+        <a:font script="Grek" typeface="Corbel"/>
+        <a:font script="Cyrl" typeface="Corbel"/>
+        <a:font script="Jpan" typeface="HGｺﾞｼｯｸE"/>
+        <a:font script="Hang" typeface="휴먼매직체"/>
+        <a:font script="Hans" typeface="华文中宋"/>
+        <a:font script="Hant" typeface="微軟正黑體"/>
+        <a:font script="Arab" typeface="Majalla UI"/>
+        <a:font script="Hebr" typeface="Arial"/>
+        <a:font script="Thai" typeface="Cordia New"/>
+        <a:font script="Ethi" typeface="Nyala"/>
+        <a:font script="Beng" typeface="Vrinda"/>
+        <a:font script="Gujr" typeface="Shruti"/>
+        <a:font script="Khmr" typeface="DaunPenh"/>
+        <a:font script="Knda" typeface="Tunga"/>
+        <a:font script="Guru" typeface="Raavi"/>
+        <a:font script="Cans" typeface="Euphemia"/>
+        <a:font script="Cher" typeface="Plantagenet Cherokee"/>
+        <a:font script="Yiii" typeface="Microsoft Yi Baiti"/>
+        <a:font script="Tibt" typeface="Microsoft Himalaya"/>
+        <a:font script="Thaa" typeface="MV Boli"/>
+        <a:font script="Deva" typeface="Mangal"/>
+        <a:font script="Telu" typeface="Gautami"/>
+        <a:font script="Taml" typeface="Latha"/>
+        <a:font script="Syrc" typeface="Estrangelo Edessa"/>
+        <a:font script="Orya" typeface="Kalinga"/>
+        <a:font script="Mlym" typeface="Kartika"/>
+        <a:font script="Laoo" typeface="DokChampa"/>
+        <a:font script="Sinh" typeface="Iskoola Pota"/>
+        <a:font script="Mong" typeface="Mongolian Baiti"/>
+        <a:font script="Viet" typeface="Tahoma"/>
+        <a:font script="Uigh" typeface="Microsoft Uighur"/>
+        <a:font script="Geor" typeface="Sylfaen"/>
+      </a:minorFont>
+    </a:fontScheme>
+    <a:fmtScheme name="Parcel">
+      <a:fillStyleLst>
+        <a:solidFill>
+          <a:schemeClr val="phClr"/>
+        </a:solidFill>
+        <a:gradFill rotWithShape="1">
+          <a:gsLst>
+            <a:gs pos="0">
+              <a:schemeClr val="phClr">
+                <a:tint val="80000"/>
+                <a:satMod val="107000"/>
+                <a:lumMod val="103000"/>
+              </a:schemeClr>
+            </a:gs>
+            <a:gs pos="100000">
+              <a:schemeClr val="phClr">
+                <a:tint val="82000"/>
+                <a:satMod val="109000"/>
+                <a:lumMod val="103000"/>
+              </a:schemeClr>
+            </a:gs>
+          </a:gsLst>
+          <a:lin ang="5400000" scaled="0"/>
+        </a:gradFill>
+        <a:gradFill rotWithShape="1">
+          <a:gsLst>
+            <a:gs pos="0">
+              <a:schemeClr val="phClr">
+                <a:tint val="97000"/>
+                <a:satMod val="100000"/>
+                <a:lumMod val="102000"/>
+              </a:schemeClr>
+            </a:gs>
+            <a:gs pos="50000">
+              <a:schemeClr val="phClr">
+                <a:shade val="100000"/>
+                <a:satMod val="103000"/>
+                <a:lumMod val="100000"/>
+              </a:schemeClr>
+            </a:gs>
+            <a:gs pos="100000">
+              <a:schemeClr val="phClr">
+                <a:shade val="93000"/>
+                <a:satMod val="110000"/>
+                <a:lumMod val="99000"/>
+              </a:schemeClr>
+            </a:gs>
+          </a:gsLst>
+          <a:lin ang="5400000" scaled="0"/>
+        </a:gradFill>
+      </a:fillStyleLst>
+      <a:lnStyleLst>
+        <a:ln w="6350" cap="flat" cmpd="sng" algn="ctr">
+          <a:solidFill>
+            <a:schemeClr val="phClr"/>
+          </a:solidFill>
+          <a:prstDash val="solid"/>
+        </a:ln>
+        <a:ln w="12700" cap="flat" cmpd="sng" algn="ctr">
+          <a:solidFill>
+            <a:schemeClr val="phClr"/>
+          </a:solidFill>
+          <a:prstDash val="solid"/>
+        </a:ln>
+        <a:ln w="31750" cap="flat" cmpd="sng" algn="ctr">
+          <a:solidFill>
+            <a:schemeClr val="phClr"/>
+          </a:solidFill>
+          <a:prstDash val="solid"/>
+        </a:ln>
+      </a:lnStyleLst>
+      <a:effectStyleLst>
+        <a:effectStyle>
+          <a:effectLst/>
+        </a:effectStyle>
+        <a:effectStyle>
+          <a:effectLst/>
+        </a:effectStyle>
+        <a:effectStyle>
+          <a:effectLst>
+            <a:outerShdw blurRad="55880" dist="15240" dir="5400000" algn="ctr" rotWithShape="0">
+              <a:srgbClr val="000000">
+                <a:alpha val="45000"/>
+              </a:srgbClr>
+            </a:outerShdw>
+          </a:effectLst>
+          <a:scene3d>
+            <a:camera prst="orthographicFront">
+              <a:rot lat="0" lon="0" rev="0"/>
+            </a:camera>
+            <a:lightRig rig="brightRoom" dir="tl"/>
+          </a:scene3d>
+          <a:sp3d prstMaterial="dkEdge">
+            <a:bevelT w="0" h="0"/>
+          </a:sp3d>
+        </a:effectStyle>
+      </a:effectStyleLst>
+      <a:bgFillStyleLst>
+        <a:solidFill>
+          <a:schemeClr val="phClr"/>
+        </a:solidFill>
+        <a:solidFill>
+          <a:schemeClr val="phClr">
+            <a:tint val="95000"/>
+            <a:satMod val="170000"/>
+          </a:schemeClr>
+        </a:solidFill>
+        <a:gradFill rotWithShape="1">
+          <a:gsLst>
+            <a:gs pos="0">
+              <a:schemeClr val="phClr">
+                <a:tint val="97000"/>
+                <a:shade val="100000"/>
+                <a:satMod val="185000"/>
+                <a:lumMod val="120000"/>
+              </a:schemeClr>
+            </a:gs>
+            <a:gs pos="100000">
+              <a:schemeClr val="phClr">
+                <a:tint val="96000"/>
+                <a:shade val="95000"/>
+                <a:satMod val="215000"/>
+                <a:lumMod val="80000"/>
+              </a:schemeClr>
+            </a:gs>
+          </a:gsLst>
+          <a:path path="circle">
+            <a:fillToRect l="50000" t="55000" r="125000" b="100000"/>
+          </a:path>
+        </a:gradFill>
+      </a:bgFillStyleLst>
+    </a:fmtScheme>
+  </a:themeElements>
+  <a:objectDefaults/>
+  <a:extraClrSchemeLst/>
+  <a:extLst>
+    <a:ext uri="{05A4C25C-085E-4340-85A3-A5531E510DB2}">
+      <thm15:themeFamily xmlns:thm15="http://schemas.microsoft.com/office/thememl/2012/main" name="Parcel" id="{8BEC4385-4EB9-4D53-BFB5-0EA123736B6D}" vid="{4DB32801-28C0-48B0-8C1D-A9A58613615A}"/>
+    </a:ext>
+  </a:extLst>
+</a:theme>
+</file>
+
+<file path=ppt/theme/theme2.xml><?xml version="1.0" encoding="utf-8"?>
+<a:theme xmlns:a="http://schemas.openxmlformats.org/drawingml/2006/main" name="Office Theme">
+  <a:themeElements>
+    <a:clrScheme name="Office">
+      <a:dk1>
+        <a:sysClr val="windowText" lastClr="000000"/>
+      </a:dk1>
+      <a:lt1>
+        <a:sysClr val="window" lastClr="FFFFFF"/>
+      </a:lt1>
+      <a:dk2>
+        <a:srgbClr val="0E2841"/>
+      </a:dk2>
+      <a:lt2>
+        <a:srgbClr val="E8E8E8"/>
+      </a:lt2>
+      <a:accent1>
+        <a:srgbClr val="156082"/>
+      </a:accent1>
+      <a:accent2>
+        <a:srgbClr val="E97132"/>
+      </a:accent2>
+      <a:accent3>
+        <a:srgbClr val="196B24"/>
+      </a:accent3>
+      <a:accent4>
+        <a:srgbClr val="0F9ED5"/>
+      </a:accent4>
+      <a:accent5>
+        <a:srgbClr val="A02B93"/>
+      </a:accent5>
+      <a:accent6>
+        <a:srgbClr val="4EA72E"/>
+      </a:accent6>
+      <a:hlink>
+        <a:srgbClr val="467886"/>
+      </a:hlink>
+      <a:folHlink>
+        <a:srgbClr val="96607D"/>
+      </a:folHlink>
+    </a:clrScheme>
+    <a:fontScheme name="Office">
+      <a:majorFont>
+        <a:latin typeface="Aptos Display" panose="02110004020202020204"/>
+        <a:ea typeface=""/>
+        <a:cs typeface=""/>
+        <a:font script="Jpan" typeface="游ゴシック Light"/>
         <a:font script="Hang" typeface="맑은 고딕"/>
-        <a:font script="Hans" typeface="宋体"/>
+        <a:font script="Hans" typeface="等线 Light"/>
         <a:font script="Hant" typeface="新細明體"/>
         <a:font script="Arab" typeface="Times New Roman"/>
         <a:font script="Hebr" typeface="Times New Roman"/>
@@ -3940,14 +4729,31 @@
         <a:font script="Viet" typeface="Times New Roman"/>
         <a:font script="Uigh" typeface="Microsoft Uighur"/>
         <a:font script="Geor" typeface="Sylfaen"/>
+        <a:font script="Armn" typeface="Arial"/>
+        <a:font script="Bugi" typeface="Leelawadee UI"/>
+        <a:font script="Bopo" typeface="Microsoft JhengHei"/>
+        <a:font script="Java" typeface="Javanese Text"/>
+        <a:font script="Lisu" typeface="Segoe UI"/>
+        <a:font script="Mymr" typeface="Myanmar Text"/>
+        <a:font script="Nkoo" typeface="Ebrima"/>
+        <a:font script="Olck" typeface="Nirmala UI"/>
+        <a:font script="Osma" typeface="Ebrima"/>
+        <a:font script="Phag" typeface="Phagspa"/>
+        <a:font script="Syrn" typeface="Estrangelo Edessa"/>
+        <a:font script="Syrj" typeface="Estrangelo Edessa"/>
+        <a:font script="Syre" typeface="Estrangelo Edessa"/>
+        <a:font script="Sora" typeface="Nirmala UI"/>
+        <a:font script="Tale" typeface="Microsoft Tai Le"/>
+        <a:font script="Talu" typeface="Microsoft New Tai Lue"/>
+        <a:font script="Tfng" typeface="Ebrima"/>
       </a:majorFont>
       <a:minorFont>
-        <a:latin typeface="Calibri" panose="020F0502020204030204"/>
+        <a:latin typeface="Aptos" panose="02110004020202020204"/>
         <a:ea typeface=""/>
         <a:cs typeface=""/>
-        <a:font script="Jpan" typeface="ＭＳ Ｐゴシック"/>
+        <a:font script="Jpan" typeface="游ゴシック"/>
         <a:font script="Hang" typeface="맑은 고딕"/>
-        <a:font script="Hans" typeface="宋体"/>
+        <a:font script="Hans" typeface="等线"/>
         <a:font script="Hant" typeface="新細明體"/>
         <a:font script="Arab" typeface="Arial"/>
         <a:font script="Hebr" typeface="Arial"/>
@@ -3975,9 +4781,26 @@
         <a:font script="Viet" typeface="Arial"/>
         <a:font script="Uigh" typeface="Microsoft Uighur"/>
         <a:font script="Geor" typeface="Sylfaen"/>
+        <a:font script="Armn" typeface="Arial"/>
+        <a:font script="Bugi" typeface="Leelawadee UI"/>
+        <a:font script="Bopo" typeface="Microsoft JhengHei"/>
+        <a:font script="Java" typeface="Javanese Text"/>
+        <a:font script="Lisu" typeface="Segoe UI"/>
+        <a:font script="Mymr" typeface="Myanmar Text"/>
+        <a:font script="Nkoo" typeface="Ebrima"/>
+        <a:font script="Olck" typeface="Nirmala UI"/>
+        <a:font script="Osma" typeface="Ebrima"/>
+        <a:font script="Phag" typeface="Phagspa"/>
+        <a:font script="Syrn" typeface="Estrangelo Edessa"/>
+        <a:font script="Syrj" typeface="Estrangelo Edessa"/>
+        <a:font script="Syre" typeface="Estrangelo Edessa"/>
+        <a:font script="Sora" typeface="Nirmala UI"/>
+        <a:font script="Tale" typeface="Microsoft Tai Le"/>
+        <a:font script="Talu" typeface="Microsoft New Tai Lue"/>
+        <a:font script="Tfng" typeface="Ebrima"/>
       </a:minorFont>
     </a:fontScheme>
-    <a:fmtScheme name="Retrospect">
+    <a:fmtScheme name="Office">
       <a:fillStyleLst>
         <a:solidFill>
           <a:schemeClr val="phClr"/>
@@ -3986,61 +4809,53 @@
           <a:gsLst>
             <a:gs pos="0">
               <a:schemeClr val="phClr">
-                <a:tint val="65000"/>
-                <a:shade val="92000"/>
-                <a:satMod val="130000"/>
+                <a:lumMod val="110000"/>
+                <a:satMod val="105000"/>
+                <a:tint val="67000"/>
               </a:schemeClr>
             </a:gs>
-            <a:gs pos="45000">
+            <a:gs pos="50000">
               <a:schemeClr val="phClr">
-                <a:tint val="60000"/>
-                <a:shade val="99000"/>
-                <a:satMod val="120000"/>
+                <a:lumMod val="105000"/>
+                <a:satMod val="103000"/>
+                <a:tint val="73000"/>
               </a:schemeClr>
             </a:gs>
             <a:gs pos="100000">
               <a:schemeClr val="phClr">
-                <a:tint val="55000"/>
-                <a:satMod val="140000"/>
+                <a:lumMod val="105000"/>
+                <a:satMod val="109000"/>
+                <a:tint val="81000"/>
               </a:schemeClr>
             </a:gs>
           </a:gsLst>
-          <a:path path="circle">
-            <a:fillToRect l="100000" t="100000" r="100000" b="100000"/>
-          </a:path>
+          <a:lin ang="5400000" scaled="0"/>
         </a:gradFill>
         <a:gradFill rotWithShape="1">
           <a:gsLst>
             <a:gs pos="0">
               <a:schemeClr val="phClr">
-                <a:shade val="85000"/>
-                <a:satMod val="130000"/>
+                <a:satMod val="103000"/>
+                <a:lumMod val="102000"/>
+                <a:tint val="94000"/>
               </a:schemeClr>
             </a:gs>
-            <a:gs pos="34000">
+            <a:gs pos="50000">
               <a:schemeClr val="phClr">
-                <a:shade val="87000"/>
-                <a:satMod val="125000"/>
-              </a:schemeClr>
-            </a:gs>
-            <a:gs pos="70000">
-              <a:schemeClr val="phClr">
-                <a:tint val="100000"/>
-                <a:shade val="90000"/>
-                <a:satMod val="130000"/>
+                <a:satMod val="110000"/>
+                <a:lumMod val="100000"/>
+                <a:shade val="100000"/>
               </a:schemeClr>
             </a:gs>
             <a:gs pos="100000">
               <a:schemeClr val="phClr">
-                <a:tint val="100000"/>
-                <a:shade val="100000"/>
-                <a:satMod val="110000"/>
+                <a:lumMod val="99000"/>
+                <a:satMod val="120000"/>
+                <a:shade val="78000"/>
               </a:schemeClr>
             </a:gs>
           </a:gsLst>
-          <a:path path="circle">
-            <a:fillToRect l="100000" t="100000" r="100000" b="100000"/>
-          </a:path>
+          <a:lin ang="5400000" scaled="0"/>
         </a:gradFill>
       </a:fillStyleLst>
       <a:lnStyleLst>
@@ -4049,18 +4864,21 @@
             <a:schemeClr val="phClr"/>
           </a:solidFill>
           <a:prstDash val="solid"/>
+          <a:miter lim="800000"/>
         </a:ln>
-        <a:ln w="15875" cap="flat" cmpd="sng" algn="ctr">
+        <a:ln w="19050" cap="flat" cmpd="sng" algn="ctr">
           <a:solidFill>
             <a:schemeClr val="phClr"/>
           </a:solidFill>
           <a:prstDash val="solid"/>
+          <a:miter lim="800000"/>
         </a:ln>
         <a:ln w="25400" cap="flat" cmpd="sng" algn="ctr">
           <a:solidFill>
             <a:schemeClr val="phClr"/>
           </a:solidFill>
           <a:prstDash val="solid"/>
+          <a:miter lim="800000"/>
         </a:ln>
       </a:lnStyleLst>
       <a:effectStyleLst>
@@ -4068,33 +4886,16 @@
           <a:effectLst/>
         </a:effectStyle>
         <a:effectStyle>
+          <a:effectLst/>
+        </a:effectStyle>
+        <a:effectStyle>
           <a:effectLst>
-            <a:outerShdw blurRad="38100" dist="25400" dir="2700000" algn="br" rotWithShape="0">
+            <a:outerShdw blurRad="57150" dist="19050" dir="5400000" algn="ctr" rotWithShape="0">
               <a:srgbClr val="000000">
-                <a:alpha val="60000"/>
+                <a:alpha val="63000"/>
               </a:srgbClr>
             </a:outerShdw>
           </a:effectLst>
-        </a:effectStyle>
-        <a:effectStyle>
-          <a:effectLst>
-            <a:outerShdw blurRad="44450" dist="25400" dir="2700000" algn="br" rotWithShape="0">
-              <a:srgbClr val="000000">
-                <a:alpha val="60000"/>
-              </a:srgbClr>
-            </a:outerShdw>
-          </a:effectLst>
-          <a:scene3d>
-            <a:camera prst="orthographicFront">
-              <a:rot lat="0" lon="0" rev="0"/>
-            </a:camera>
-            <a:lightRig rig="threePt" dir="t">
-              <a:rot lat="0" lon="0" rev="19800000"/>
-            </a:lightRig>
-          </a:scene3d>
-          <a:sp3d prstMaterial="flat">
-            <a:bevelT w="25400" h="31750"/>
-          </a:sp3d>
         </a:effectStyle>
       </a:effectStyleLst>
       <a:bgFillStyleLst>
@@ -4103,45 +4904,65 @@
         </a:solidFill>
         <a:solidFill>
           <a:schemeClr val="phClr">
-            <a:tint val="90000"/>
-            <a:shade val="97000"/>
-            <a:satMod val="130000"/>
+            <a:tint val="95000"/>
+            <a:satMod val="170000"/>
           </a:schemeClr>
         </a:solidFill>
         <a:gradFill rotWithShape="1">
           <a:gsLst>
             <a:gs pos="0">
               <a:schemeClr val="phClr">
-                <a:tint val="96000"/>
-                <a:shade val="99000"/>
-                <a:satMod val="140000"/>
+                <a:tint val="93000"/>
+                <a:satMod val="150000"/>
+                <a:shade val="98000"/>
+                <a:lumMod val="102000"/>
               </a:schemeClr>
             </a:gs>
-            <a:gs pos="65000">
+            <a:gs pos="50000">
               <a:schemeClr val="phClr">
-                <a:tint val="100000"/>
-                <a:shade val="80000"/>
+                <a:tint val="98000"/>
                 <a:satMod val="130000"/>
+                <a:shade val="90000"/>
+                <a:lumMod val="103000"/>
               </a:schemeClr>
             </a:gs>
             <a:gs pos="100000">
               <a:schemeClr val="phClr">
-                <a:tint val="100000"/>
-                <a:shade val="48000"/>
+                <a:shade val="63000"/>
                 <a:satMod val="120000"/>
               </a:schemeClr>
             </a:gs>
           </a:gsLst>
-          <a:lin ang="16200000" scaled="0"/>
+          <a:lin ang="5400000" scaled="0"/>
         </a:gradFill>
       </a:bgFillStyleLst>
     </a:fmtScheme>
   </a:themeElements>
-  <a:objectDefaults/>
+  <a:objectDefaults>
+    <a:lnDef>
+      <a:spPr/>
+      <a:bodyPr/>
+      <a:lstStyle/>
+      <a:style>
+        <a:lnRef idx="2">
+          <a:schemeClr val="accent1"/>
+        </a:lnRef>
+        <a:fillRef idx="0">
+          <a:schemeClr val="accent1"/>
+        </a:fillRef>
+        <a:effectRef idx="1">
+          <a:schemeClr val="accent1"/>
+        </a:effectRef>
+        <a:fontRef idx="minor">
+          <a:schemeClr val="tx1"/>
+        </a:fontRef>
+      </a:style>
+    </a:lnDef>
+  </a:objectDefaults>
   <a:extraClrSchemeLst/>
   <a:extLst>
     <a:ext uri="{05A4C25C-085E-4340-85A3-A5531E510DB2}">
-      <thm15:themeFamily xmlns:thm15="http://schemas.microsoft.com/office/thememl/2012/main" name="Retrospect" id="{5F128B03-DCCA-4EEB-AB3B-CF2899314A46}" vid="{243AF7DC-D15B-41C0-AE81-23980D1B9FC4}"/>
+      <thm15:themeFamily xmlns:thm15="http://schemas.microsoft.com/office/thememl/2012/main" name="Office Theme" id="{2E142A2C-CD16-42D6-873A-C26D2A0506FA}" vid="{1BDDFF52-6CD6-40A5-AB3C-68EB2F1E4D0A}"/>
     </a:ext>
   </a:extLst>
 </a:theme>

--- a/slides/2-Terraform Configuration Language.pptx
+++ b/slides/2-Terraform Configuration Language.pptx
@@ -5643,6 +5643,13 @@
     <dgm:pt modelId="{0BD2E084-E377-894F-A0F5-A507E684533C}" type="sibTrans" cxnId="{17151AA3-B551-1042-967C-F054DB48B2D3}">
       <dgm:prSet/>
       <dgm:spPr/>
+      <dgm:t>
+        <a:bodyPr/>
+        <a:lstStyle/>
+        <a:p>
+          <a:endParaRPr lang="en-US"/>
+        </a:p>
+      </dgm:t>
     </dgm:pt>
     <dgm:pt modelId="{4525B7D5-80CE-1643-B52B-7299F157031D}">
       <dgm:prSet/>
@@ -5659,7 +5666,7 @@
               <a:latin typeface="Consolas" panose="020B0609020204030204" pitchFamily="49" charset="0"/>
               <a:cs typeface="Consolas" panose="020B0609020204030204" pitchFamily="49" charset="0"/>
             </a:rPr>
-            <a:t>description = "The Azure region to deploy resources"</a:t>
+            <a:t>  description = "The Azure region to   deploy resources"</a:t>
           </a:r>
         </a:p>
       </dgm:t>
@@ -5701,7 +5708,7 @@
               <a:latin typeface="Consolas" panose="020B0609020204030204" pitchFamily="49" charset="0"/>
               <a:cs typeface="Consolas" panose="020B0609020204030204" pitchFamily="49" charset="0"/>
             </a:rPr>
-            <a:t>type        = string</a:t>
+            <a:t>  type        = string</a:t>
           </a:r>
         </a:p>
       </dgm:t>
@@ -5739,16 +5746,12 @@
             <a:buNone/>
           </a:pPr>
           <a:r>
-            <a:rPr lang="en-US">
+            <a:rPr lang="en-US" dirty="0">
               <a:latin typeface="Consolas" panose="020B0609020204030204" pitchFamily="49" charset="0"/>
               <a:cs typeface="Consolas" panose="020B0609020204030204" pitchFamily="49" charset="0"/>
             </a:rPr>
-            <a:t>default     = "East US"</a:t>
+            <a:t>  default     = "East US"</a:t>
           </a:r>
-          <a:endParaRPr lang="en-US" dirty="0">
-            <a:latin typeface="Consolas" panose="020B0609020204030204" pitchFamily="49" charset="0"/>
-            <a:cs typeface="Consolas" panose="020B0609020204030204" pitchFamily="49" charset="0"/>
-          </a:endParaRPr>
         </a:p>
       </dgm:t>
     </dgm:pt>
@@ -5897,11 +5900,11 @@
     <dgm:cxn modelId="{B6F5D028-EECF-994B-9185-76956C9038CC}" type="presOf" srcId="{E5C5C3F6-43CF-9B45-A831-629193D8B978}" destId="{2A8D307B-94C7-3946-816B-C0930FE6A3E6}" srcOrd="0" destOrd="0" presId="urn:microsoft.com/office/officeart/2005/8/layout/list1"/>
     <dgm:cxn modelId="{8063D12A-1B28-F249-B729-EAFAEC39C48B}" type="presOf" srcId="{B0BE7AD8-CB3F-4DC3-9616-EE140A8F1B32}" destId="{4678DBCA-D0BC-C14F-9D8F-AAD9FA4BF850}" srcOrd="0" destOrd="0" presId="urn:microsoft.com/office/officeart/2005/8/layout/list1"/>
     <dgm:cxn modelId="{6C167F38-C055-EF49-B19E-F9DBA812F342}" type="presOf" srcId="{37DBE895-8E13-534A-942A-764F6C29AA28}" destId="{2A8D307B-94C7-3946-816B-C0930FE6A3E6}" srcOrd="0" destOrd="2" presId="urn:microsoft.com/office/officeart/2005/8/layout/list1"/>
+    <dgm:cxn modelId="{77871364-6DBC-974A-8417-0EA75FDD5EAC}" type="presOf" srcId="{3424AC9A-3A3A-40AA-BE59-DBAA88A868DD}" destId="{FA17A45F-301B-8A42-966B-0242E577C662}" srcOrd="0" destOrd="2" presId="urn:microsoft.com/office/officeart/2005/8/layout/list1"/>
     <dgm:cxn modelId="{29C6F345-6ADC-4B1F-BEC9-9609097648EA}" srcId="{CDA0B253-14A6-4E7B-928C-4ACDA0214221}" destId="{3424AC9A-3A3A-40AA-BE59-DBAA88A868DD}" srcOrd="2" destOrd="0" parTransId="{3F3FB725-2EF7-4605-93E4-DE15F7F5EB49}" sibTransId="{ECDA72D5-4CAB-4AFF-AA39-EC76BBF48410}"/>
     <dgm:cxn modelId="{BB97D248-27D7-43F1-B2F1-3A6BFF61E1E7}" srcId="{B0BE7AD8-CB3F-4DC3-9616-EE140A8F1B32}" destId="{CDA0B253-14A6-4E7B-928C-4ACDA0214221}" srcOrd="1" destOrd="0" parTransId="{0DE91A0A-CF3F-4EA5-B9C8-5E130084615E}" sibTransId="{993BC1E9-3778-4D58-AB36-B35CD961F5B2}"/>
+    <dgm:cxn modelId="{9D44F86E-5755-3F46-BF63-09C8FA945266}" type="presOf" srcId="{6DE36EAA-CE97-034B-8FAA-913D25765EE8}" destId="{2A8D307B-94C7-3946-816B-C0930FE6A3E6}" srcOrd="0" destOrd="3" presId="urn:microsoft.com/office/officeart/2005/8/layout/list1"/>
     <dgm:cxn modelId="{3EB7AD51-1F03-48A9-8CF6-1C80C0B6D885}" srcId="{CDA0B253-14A6-4E7B-928C-4ACDA0214221}" destId="{A180EE5E-865F-418E-A43D-B31F30CC21E7}" srcOrd="1" destOrd="0" parTransId="{0BD4DB12-2340-41B8-BD7D-21EF9DA0C3DF}" sibTransId="{DC947DCF-04EA-4748-A540-A141A16F60DD}"/>
-    <dgm:cxn modelId="{77871364-6DBC-974A-8417-0EA75FDD5EAC}" type="presOf" srcId="{3424AC9A-3A3A-40AA-BE59-DBAA88A868DD}" destId="{FA17A45F-301B-8A42-966B-0242E577C662}" srcOrd="0" destOrd="2" presId="urn:microsoft.com/office/officeart/2005/8/layout/list1"/>
-    <dgm:cxn modelId="{9D44F86E-5755-3F46-BF63-09C8FA945266}" type="presOf" srcId="{6DE36EAA-CE97-034B-8FAA-913D25765EE8}" destId="{2A8D307B-94C7-3946-816B-C0930FE6A3E6}" srcOrd="0" destOrd="3" presId="urn:microsoft.com/office/officeart/2005/8/layout/list1"/>
     <dgm:cxn modelId="{0C08FE88-BC3A-3140-9B89-9C52351391DB}" type="presOf" srcId="{F0F9A5FA-CC48-B249-B11B-2B5E106FCAB6}" destId="{2A8D307B-94C7-3946-816B-C0930FE6A3E6}" srcOrd="0" destOrd="4" presId="urn:microsoft.com/office/officeart/2005/8/layout/list1"/>
     <dgm:cxn modelId="{6A2A528D-3EA1-4A6A-B2A9-0322B6E553AA}" srcId="{CDA0B253-14A6-4E7B-928C-4ACDA0214221}" destId="{B5830E72-067F-41E9-876B-E892EF3B8A31}" srcOrd="3" destOrd="0" parTransId="{967EF1C9-DD71-48D5-929E-0D5B70B89CD4}" sibTransId="{44DDE5AE-7CC6-4CD2-8665-FB1D369A2327}"/>
     <dgm:cxn modelId="{1ACE0C9F-8AFF-F047-95D7-DF0CF1EBCC65}" type="presOf" srcId="{9F63D7C0-87D5-40AE-A238-265E8BACAA61}" destId="{DF8AA68F-7307-C14C-ABF8-4DAB7D065320}" srcOrd="0" destOrd="0" presId="urn:microsoft.com/office/officeart/2005/8/layout/list1"/>
@@ -6771,9 +6774,9 @@
     <dgm:cxn modelId="{8CD46D34-CA21-4F5F-8DC8-1F9B1AD28F0F}" srcId="{AB6D8B10-11DC-4B66-B8D6-E41A6098FB64}" destId="{68F260F8-C686-4B14-9BC3-32ACBFED5BB1}" srcOrd="3" destOrd="0" parTransId="{E24FB349-C731-426D-AB41-C15FA655FF00}" sibTransId="{7219E84E-7C43-41B2-AE21-03D581D15344}"/>
     <dgm:cxn modelId="{1BC5D337-2E7B-8746-BEDE-6D8ABC398694}" type="presOf" srcId="{D7991870-34F1-47CB-A317-81504E02B615}" destId="{03EC37C7-51D1-D44C-85B0-3CB5A320E992}" srcOrd="0" destOrd="0" presId="urn:microsoft.com/office/officeart/2005/8/layout/list1"/>
     <dgm:cxn modelId="{3E21D040-D42B-234B-A2E3-F52143F0754B}" type="presOf" srcId="{1D96B52E-AAC9-4CA9-ABF6-2A8595E9C960}" destId="{7587F1B0-5E27-0448-97AF-BB25CDED41E0}" srcOrd="0" destOrd="0" presId="urn:microsoft.com/office/officeart/2005/8/layout/list1"/>
+    <dgm:cxn modelId="{BE3C065C-89FF-46A3-BC7B-7B0BC8C1AEA2}" srcId="{D7991870-34F1-47CB-A317-81504E02B615}" destId="{FD838E01-6B9C-4A61-B455-A49CAE3A0051}" srcOrd="0" destOrd="0" parTransId="{B3280BB1-4877-4A8D-80AC-43C69D14434A}" sibTransId="{9E689BDA-6711-47AB-8B6A-DAF96D72BBA2}"/>
     <dgm:cxn modelId="{BB22A353-8C35-4E43-9545-7CC364116A41}" srcId="{C5EE9917-5C77-4EB0-8519-4B28CF39004C}" destId="{72B17749-193B-4AB8-A029-02AFD0FB1FE8}" srcOrd="1" destOrd="0" parTransId="{D7486F84-F0BD-4C0F-8AB2-10D0CFBB5185}" sibTransId="{4D8C60D8-DC48-43CA-8115-F8C4F2256C8D}"/>
     <dgm:cxn modelId="{1364AB59-290F-9A43-AC3F-5B2D9C865299}" type="presOf" srcId="{68F260F8-C686-4B14-9BC3-32ACBFED5BB1}" destId="{E63CE2A7-444E-6C49-BB01-DB9E7A8EB9A1}" srcOrd="0" destOrd="3" presId="urn:microsoft.com/office/officeart/2005/8/layout/list1"/>
-    <dgm:cxn modelId="{BE3C065C-89FF-46A3-BC7B-7B0BC8C1AEA2}" srcId="{D7991870-34F1-47CB-A317-81504E02B615}" destId="{FD838E01-6B9C-4A61-B455-A49CAE3A0051}" srcOrd="0" destOrd="0" parTransId="{B3280BB1-4877-4A8D-80AC-43C69D14434A}" sibTransId="{9E689BDA-6711-47AB-8B6A-DAF96D72BBA2}"/>
     <dgm:cxn modelId="{F050B887-8FF6-4EDC-9F40-87B1DC074D43}" srcId="{B567122B-2DA1-4231-87C0-8DBEBBDC50B3}" destId="{D7991870-34F1-47CB-A317-81504E02B615}" srcOrd="2" destOrd="0" parTransId="{5B904C4D-50F6-4A45-AA27-5300015642E2}" sibTransId="{DBC80708-C0D0-46F2-B859-ECC3836EAA4A}"/>
     <dgm:cxn modelId="{7706FE8A-E8CB-46E0-9FF1-F66C1B333F88}" srcId="{C5EE9917-5C77-4EB0-8519-4B28CF39004C}" destId="{1D96B52E-AAC9-4CA9-ABF6-2A8595E9C960}" srcOrd="0" destOrd="0" parTransId="{CA3F3E44-5EFD-4885-9E0A-13D7E0E0DB07}" sibTransId="{6B3485DF-A57A-461F-9B76-2834F54E053F}"/>
     <dgm:cxn modelId="{F5A9B992-6E8C-704C-ADFE-495B2EB7DE0C}" type="presOf" srcId="{C5EE9917-5C77-4EB0-8519-4B28CF39004C}" destId="{1EF4B7BA-8951-B14B-8E25-DFDC082E0F34}" srcOrd="0" destOrd="0" presId="urn:microsoft.com/office/officeart/2005/8/layout/list1"/>
@@ -7492,9 +7495,9 @@
     <dgm:cxn modelId="{BB64F13F-CD2D-4E5F-A86B-9B972685048E}" type="presOf" srcId="{AB4A78BC-A636-4816-8218-077AF96DD5F3}" destId="{D9098081-96E5-40BF-AE60-55C12A14BF6D}" srcOrd="0" destOrd="0" presId="urn:microsoft.com/office/officeart/2018/2/layout/IconLabelDescriptionList"/>
     <dgm:cxn modelId="{CC8C9041-E545-4562-A358-ACB424D84A22}" srcId="{FC6EEA98-08CB-4341-81F4-57C6C42AB697}" destId="{ED72CAF4-1ADD-46D9-99FA-FCF20856A82E}" srcOrd="0" destOrd="0" parTransId="{337FE9B8-710A-4012-BAFD-B1C3F7A790FF}" sibTransId="{21FE072D-6E8E-4050-BC06-77049C1BAD82}"/>
     <dgm:cxn modelId="{9C070B47-AF9D-4F50-874E-D0FC3CA4B5F5}" type="presOf" srcId="{C05D6C3B-44AB-4B18-A366-D1938EADF742}" destId="{8DE5FAF8-55DB-4C19-996A-BE6E1ABCBFC7}" srcOrd="0" destOrd="3" presId="urn:microsoft.com/office/officeart/2018/2/layout/IconLabelDescriptionList"/>
+    <dgm:cxn modelId="{DEC6786B-00C1-416C-90F2-5B613057798E}" srcId="{AB4A78BC-A636-4816-8218-077AF96DD5F3}" destId="{F3F02045-0784-4019-93D5-A051D46D8C24}" srcOrd="2" destOrd="0" parTransId="{DB38FB14-5A19-45FE-9320-77BFA095294C}" sibTransId="{1BBFA4E9-BDD1-493A-9802-D37E3DABA732}"/>
     <dgm:cxn modelId="{1D8D124D-B742-4F04-8AD0-817982A5D72B}" srcId="{AB4A78BC-A636-4816-8218-077AF96DD5F3}" destId="{5C61146D-EDC5-43CB-B05E-918ECBA6A851}" srcOrd="4" destOrd="0" parTransId="{3D697CA5-8E61-4D47-A8C8-2C7292F5819A}" sibTransId="{B6C881A4-7FCF-46F3-9DAB-84B114DF8B5B}"/>
     <dgm:cxn modelId="{E80F6E56-1198-4838-838A-7385C932734C}" type="presOf" srcId="{E4140B18-ACAD-483E-B584-4480D290C871}" destId="{8DE5FAF8-55DB-4C19-996A-BE6E1ABCBFC7}" srcOrd="0" destOrd="0" presId="urn:microsoft.com/office/officeart/2018/2/layout/IconLabelDescriptionList"/>
-    <dgm:cxn modelId="{DEC6786B-00C1-416C-90F2-5B613057798E}" srcId="{AB4A78BC-A636-4816-8218-077AF96DD5F3}" destId="{F3F02045-0784-4019-93D5-A051D46D8C24}" srcOrd="2" destOrd="0" parTransId="{DB38FB14-5A19-45FE-9320-77BFA095294C}" sibTransId="{1BBFA4E9-BDD1-493A-9802-D37E3DABA732}"/>
     <dgm:cxn modelId="{0F026A7A-BF45-40F4-AD23-5A9757164D91}" srcId="{AB4A78BC-A636-4816-8218-077AF96DD5F3}" destId="{A04A648F-BA96-487C-928A-902E86B92433}" srcOrd="6" destOrd="0" parTransId="{D7C1B894-9AA1-4031-AB65-53C6E72126F5}" sibTransId="{4C30017B-9F79-4598-8D92-8ED135536107}"/>
     <dgm:cxn modelId="{C1837F7C-E746-45D3-9294-4134143DB1D2}" srcId="{FC6EEA98-08CB-4341-81F4-57C6C42AB697}" destId="{AB4A78BC-A636-4816-8218-077AF96DD5F3}" srcOrd="1" destOrd="0" parTransId="{06421B20-53BA-4A4C-8CD9-04C28C43EFB5}" sibTransId="{1AFFD330-C4DE-4964-88F3-4D1B6E9B4CE5}"/>
     <dgm:cxn modelId="{ED055287-EBE5-4B39-B1AB-FF7B2608DC7D}" srcId="{AB4A78BC-A636-4816-8218-077AF96DD5F3}" destId="{238C5A5E-6E0D-4D08-9F7E-6771871F1C9E}" srcOrd="1" destOrd="0" parTransId="{AD5BB021-EF50-4601-8CF3-A662E6B22457}" sibTransId="{0262E8C3-10D6-4499-A715-00076EC7BFFE}"/>
@@ -8695,11 +8698,11 @@
     <dgm:cxn modelId="{C50A042E-A1DD-4341-86F0-C2C7E43385D6}" type="presOf" srcId="{4BF5E493-3336-4C47-9B05-4366FE259950}" destId="{0CADE6A6-0D74-BC46-A730-226095243C70}" srcOrd="0" destOrd="0" presId="urn:microsoft.com/office/officeart/2016/7/layout/VerticalSolidActionList"/>
     <dgm:cxn modelId="{758EAB3E-D023-7643-8633-B7AEBBE25059}" type="presOf" srcId="{BBB9F2FD-3D9D-4960-A90D-A6E36433DF57}" destId="{EE5FF2D3-A1B8-9C48-8746-6AC9DDCFEF6B}" srcOrd="0" destOrd="4" presId="urn:microsoft.com/office/officeart/2016/7/layout/VerticalSolidActionList"/>
     <dgm:cxn modelId="{BBFBC63E-2631-4869-B284-BD0DA17C0A9D}" srcId="{B2C6DF80-5640-4FCF-8165-37D49527BEAA}" destId="{4BF5E493-3336-4C47-9B05-4366FE259950}" srcOrd="1" destOrd="0" parTransId="{B8BE21B3-BE7A-4564-BE8D-7FFE62A0FA52}" sibTransId="{6F92FA55-400D-41CA-A4CF-EA177936F080}"/>
-    <dgm:cxn modelId="{59776E48-34C3-BB49-A1A8-3D320F5316F7}" type="presOf" srcId="{6BAD276A-D2F0-43C6-AA8D-004CD12D2C74}" destId="{EE5FF2D3-A1B8-9C48-8746-6AC9DDCFEF6B}" srcOrd="0" destOrd="2" presId="urn:microsoft.com/office/officeart/2016/7/layout/VerticalSolidActionList"/>
     <dgm:cxn modelId="{A942315C-AA9B-4B8D-8A74-B71943A49174}" srcId="{D9A1B532-5031-4828-81D8-35ECB5DEB8A2}" destId="{08120919-8D09-4CF0-B9BB-1271AD81967E}" srcOrd="0" destOrd="0" parTransId="{498D737A-EFA3-4CF6-B86E-E1E955E9630D}" sibTransId="{14BBC4D6-1B7D-4D0C-B213-D7CA60036357}"/>
     <dgm:cxn modelId="{71918662-6A22-5B42-8DBB-F0B8877F1557}" type="presOf" srcId="{D9A1B532-5031-4828-81D8-35ECB5DEB8A2}" destId="{34CFC70A-7C21-8A41-AE1F-7FBAB0F5B4EF}" srcOrd="0" destOrd="0" presId="urn:microsoft.com/office/officeart/2016/7/layout/VerticalSolidActionList"/>
     <dgm:cxn modelId="{5286C663-56BF-5441-9206-0A611527787A}" type="presOf" srcId="{66AC4FBA-EABB-418F-9981-A241EB86828F}" destId="{EE5FF2D3-A1B8-9C48-8746-6AC9DDCFEF6B}" srcOrd="0" destOrd="6" presId="urn:microsoft.com/office/officeart/2016/7/layout/VerticalSolidActionList"/>
     <dgm:cxn modelId="{977F2965-C26B-486F-965C-2BE18A5E8008}" srcId="{F91DF93E-548D-43F0-B6A2-65AD8C6A989A}" destId="{1F5FE46D-89C0-4D5F-AF3E-586725919B09}" srcOrd="1" destOrd="0" parTransId="{0D3E8C41-BFAA-4568-8131-D39CF4ADBF1E}" sibTransId="{5834A34A-F55A-409D-B4B9-1809E48D50E1}"/>
+    <dgm:cxn modelId="{59776E48-34C3-BB49-A1A8-3D320F5316F7}" type="presOf" srcId="{6BAD276A-D2F0-43C6-AA8D-004CD12D2C74}" destId="{EE5FF2D3-A1B8-9C48-8746-6AC9DDCFEF6B}" srcOrd="0" destOrd="2" presId="urn:microsoft.com/office/officeart/2016/7/layout/VerticalSolidActionList"/>
     <dgm:cxn modelId="{08B66F69-28EC-A740-A7E9-FD71509B8EC4}" type="presOf" srcId="{1E092850-3823-124D-BEA9-AD1874386E72}" destId="{EE5FF2D3-A1B8-9C48-8746-6AC9DDCFEF6B}" srcOrd="0" destOrd="3" presId="urn:microsoft.com/office/officeart/2016/7/layout/VerticalSolidActionList"/>
     <dgm:cxn modelId="{011B8D6D-C504-4331-8A9B-F5D8F027FE1E}" srcId="{08120919-8D09-4CF0-B9BB-1271AD81967E}" destId="{6BAD276A-D2F0-43C6-AA8D-004CD12D2C74}" srcOrd="1" destOrd="0" parTransId="{D51037D2-FC40-4102-9F1E-F819047A3B6F}" sibTransId="{8B439AEF-F3D4-42AF-955D-DC262B790415}"/>
     <dgm:cxn modelId="{0C854474-A51A-F542-8259-C4D4FAD5E8D8}" type="presOf" srcId="{A49188F4-CFA1-9043-B718-E68F3C6C3448}" destId="{A97485DF-E2CF-BE42-BCCA-57E4E40E4F39}" srcOrd="0" destOrd="3" presId="urn:microsoft.com/office/officeart/2016/7/layout/VerticalSolidActionList"/>
@@ -8832,7 +8835,7 @@
         </a:bodyPr>
         <a:lstStyle/>
         <a:p>
-          <a:pPr marL="0" lvl="0" indent="0" algn="ctr" defTabSz="666750">
+          <a:pPr marL="0" lvl="0" indent="0" algn="ctr" defTabSz="711200">
             <a:lnSpc>
               <a:spcPct val="100000"/>
             </a:lnSpc>
@@ -8846,10 +8849,10 @@
             <a:defRPr b="1"/>
           </a:pPr>
           <a:r>
-            <a:rPr lang="en-US" sz="1500" kern="1200" baseline="0" dirty="0"/>
+            <a:rPr lang="en-US" sz="1600" kern="1200" baseline="0" dirty="0"/>
             <a:t>HCL is a declarative configuration language used in Terraform to define infrastructure as code.</a:t>
           </a:r>
-          <a:endParaRPr lang="en-US" sz="1500" kern="1200" dirty="0"/>
+          <a:endParaRPr lang="en-US" sz="1600" kern="1200" dirty="0"/>
         </a:p>
       </dsp:txBody>
       <dsp:txXfrm>
@@ -9042,7 +9045,7 @@
         </a:bodyPr>
         <a:lstStyle/>
         <a:p>
-          <a:pPr marL="0" lvl="0" indent="0" algn="ctr" defTabSz="666750">
+          <a:pPr marL="0" lvl="0" indent="0" algn="ctr" defTabSz="711200">
             <a:lnSpc>
               <a:spcPct val="100000"/>
             </a:lnSpc>
@@ -9056,10 +9059,10 @@
             <a:defRPr b="1"/>
           </a:pPr>
           <a:r>
-            <a:rPr lang="en-US" sz="1500" kern="1200" baseline="0"/>
+            <a:rPr lang="en-US" sz="1600" kern="1200" baseline="0"/>
             <a:t>Everything in Terraform configurations (e.g., variables, resources, outputs) is written in HCL.</a:t>
           </a:r>
-          <a:endParaRPr lang="en-US" sz="1500" kern="1200"/>
+          <a:endParaRPr lang="en-US" sz="1600" kern="1200"/>
         </a:p>
       </dsp:txBody>
       <dsp:txXfrm>
@@ -9119,7 +9122,7 @@
       <dsp:spPr>
         <a:xfrm>
           <a:off x="0" y="433507"/>
-          <a:ext cx="6506304" cy="2513699"/>
+          <a:ext cx="6506304" cy="2513700"/>
         </a:xfrm>
         <a:prstGeom prst="rect">
           <a:avLst/>
@@ -9204,7 +9207,7 @@
               <a:latin typeface="Consolas" panose="020B0609020204030204" pitchFamily="49" charset="0"/>
               <a:cs typeface="Consolas" panose="020B0609020204030204" pitchFamily="49" charset="0"/>
             </a:rPr>
-            <a:t>description = "The Azure region to deploy resources"</a:t>
+            <a:t>  description = "The Azure region to   deploy resources"</a:t>
           </a:r>
         </a:p>
         <a:p>
@@ -9225,7 +9228,7 @@
               <a:latin typeface="Consolas" panose="020B0609020204030204" pitchFamily="49" charset="0"/>
               <a:cs typeface="Consolas" panose="020B0609020204030204" pitchFamily="49" charset="0"/>
             </a:rPr>
-            <a:t>type        = string</a:t>
+            <a:t>  type        = string</a:t>
           </a:r>
         </a:p>
         <a:p>
@@ -9242,16 +9245,12 @@
             <a:buNone/>
           </a:pPr>
           <a:r>
-            <a:rPr lang="en-US" sz="2100" kern="1200">
+            <a:rPr lang="en-US" sz="2100" kern="1200" dirty="0">
               <a:latin typeface="Consolas" panose="020B0609020204030204" pitchFamily="49" charset="0"/>
               <a:cs typeface="Consolas" panose="020B0609020204030204" pitchFamily="49" charset="0"/>
             </a:rPr>
-            <a:t>default     = "East US"</a:t>
+            <a:t>  default     = "East US"</a:t>
           </a:r>
-          <a:endParaRPr lang="en-US" sz="2100" kern="1200" dirty="0">
-            <a:latin typeface="Consolas" panose="020B0609020204030204" pitchFamily="49" charset="0"/>
-            <a:cs typeface="Consolas" panose="020B0609020204030204" pitchFamily="49" charset="0"/>
-          </a:endParaRPr>
         </a:p>
         <a:p>
           <a:pPr marL="228600" lvl="1" indent="-228600" algn="l" defTabSz="933450">
@@ -9277,7 +9276,7 @@
       </dsp:txBody>
       <dsp:txXfrm>
         <a:off x="0" y="433507"/>
-        <a:ext cx="6506304" cy="2513699"/>
+        <a:ext cx="6506304" cy="2513700"/>
       </dsp:txXfrm>
     </dsp:sp>
     <dsp:sp modelId="{07738641-BC7E-E547-8E3F-1F72C34237BD}">
@@ -9366,7 +9365,7 @@
       <dsp:spPr>
         <a:xfrm>
           <a:off x="0" y="3370567"/>
-          <a:ext cx="6506304" cy="2083724"/>
+          <a:ext cx="6506304" cy="2083725"/>
         </a:xfrm>
         <a:prstGeom prst="rect">
           <a:avLst/>
@@ -9383,7 +9382,7 @@
         <a:ln w="34925" cap="flat" cmpd="sng" algn="in">
           <a:solidFill>
             <a:schemeClr val="accent2">
-              <a:hueOff val="-165653"/>
+              <a:hueOff val="-165654"/>
               <a:satOff val="-54335"/>
               <a:lumOff val="-19803"/>
               <a:alphaOff val="0"/>
@@ -9489,7 +9488,7 @@
       </dsp:txBody>
       <dsp:txXfrm>
         <a:off x="0" y="3370567"/>
-        <a:ext cx="6506304" cy="2083724"/>
+        <a:ext cx="6506304" cy="2083725"/>
       </dsp:txXfrm>
     </dsp:sp>
     <dsp:sp modelId="{9DF3466A-6779-264F-A44D-7D8A24CD611A}">
@@ -9507,7 +9506,7 @@
         </a:prstGeom>
         <a:solidFill>
           <a:schemeClr val="accent2">
-            <a:hueOff val="-165653"/>
+            <a:hueOff val="-165654"/>
             <a:satOff val="-54335"/>
             <a:lumOff val="-19803"/>
             <a:alphaOff val="0"/>
@@ -19552,7 +19551,7 @@
           <a:p>
             <a:fld id="{FE4F2414-4F02-4348-8B25-B7C5BF9EB218}" type="datetimeFigureOut">
               <a:rPr lang="en-US" smtClean="0"/>
-              <a:t>10/29/24</a:t>
+              <a:t>11/7/2024</a:t>
             </a:fld>
             <a:endParaRPr lang="en-US"/>
           </a:p>
@@ -19988,7 +19987,7 @@
           <a:p>
             <a:fld id="{68453380-E5F8-448B-A055-F6BD15B6CE7F}" type="datetimeFigureOut">
               <a:rPr lang="en-US" smtClean="0"/>
-              <a:t>10/29/24</a:t>
+              <a:t>11/7/2024</a:t>
             </a:fld>
             <a:endParaRPr lang="en-US"/>
           </a:p>
@@ -20318,7 +20317,7 @@
           <a:p>
             <a:fld id="{68453380-E5F8-448B-A055-F6BD15B6CE7F}" type="datetimeFigureOut">
               <a:rPr lang="en-US" smtClean="0"/>
-              <a:t>10/29/24</a:t>
+              <a:t>11/7/2024</a:t>
             </a:fld>
             <a:endParaRPr lang="en-US"/>
           </a:p>
@@ -20498,7 +20497,7 @@
           <a:p>
             <a:fld id="{68453380-E5F8-448B-A055-F6BD15B6CE7F}" type="datetimeFigureOut">
               <a:rPr lang="en-US" smtClean="0"/>
-              <a:t>10/29/24</a:t>
+              <a:t>11/7/2024</a:t>
             </a:fld>
             <a:endParaRPr lang="en-US"/>
           </a:p>
@@ -20668,7 +20667,7 @@
           <a:p>
             <a:fld id="{68453380-E5F8-448B-A055-F6BD15B6CE7F}" type="datetimeFigureOut">
               <a:rPr lang="en-US" smtClean="0"/>
-              <a:t>10/29/24</a:t>
+              <a:t>11/7/2024</a:t>
             </a:fld>
             <a:endParaRPr lang="en-US"/>
           </a:p>
@@ -20945,7 +20944,7 @@
           <a:p>
             <a:fld id="{68453380-E5F8-448B-A055-F6BD15B6CE7F}" type="datetimeFigureOut">
               <a:rPr lang="en-US" smtClean="0"/>
-              <a:t>10/29/24</a:t>
+              <a:t>11/7/2024</a:t>
             </a:fld>
             <a:endParaRPr lang="en-US"/>
           </a:p>
@@ -21339,7 +21338,7 @@
           <a:p>
             <a:fld id="{68453380-E5F8-448B-A055-F6BD15B6CE7F}" type="datetimeFigureOut">
               <a:rPr lang="en-US" smtClean="0"/>
-              <a:t>10/29/24</a:t>
+              <a:t>11/7/2024</a:t>
             </a:fld>
             <a:endParaRPr lang="en-US"/>
           </a:p>
@@ -21816,7 +21815,7 @@
           <a:p>
             <a:fld id="{68453380-E5F8-448B-A055-F6BD15B6CE7F}" type="datetimeFigureOut">
               <a:rPr lang="en-US" smtClean="0"/>
-              <a:t>10/29/24</a:t>
+              <a:t>11/7/2024</a:t>
             </a:fld>
             <a:endParaRPr lang="en-US"/>
           </a:p>
@@ -21934,7 +21933,7 @@
           <a:p>
             <a:fld id="{68453380-E5F8-448B-A055-F6BD15B6CE7F}" type="datetimeFigureOut">
               <a:rPr lang="en-US" smtClean="0"/>
-              <a:t>10/29/24</a:t>
+              <a:t>11/7/2024</a:t>
             </a:fld>
             <a:endParaRPr lang="en-US"/>
           </a:p>
@@ -22029,7 +22028,7 @@
           <a:p>
             <a:fld id="{68453380-E5F8-448B-A055-F6BD15B6CE7F}" type="datetimeFigureOut">
               <a:rPr lang="en-US" smtClean="0"/>
-              <a:t>10/29/24</a:t>
+              <a:t>11/7/2024</a:t>
             </a:fld>
             <a:endParaRPr lang="en-US"/>
           </a:p>
@@ -22375,7 +22374,7 @@
           <a:p>
             <a:fld id="{68453380-E5F8-448B-A055-F6BD15B6CE7F}" type="datetimeFigureOut">
               <a:rPr lang="en-US" smtClean="0"/>
-              <a:t>10/29/24</a:t>
+              <a:t>11/7/2024</a:t>
             </a:fld>
             <a:endParaRPr lang="en-US"/>
           </a:p>
@@ -22763,7 +22762,7 @@
           <a:p>
             <a:fld id="{68453380-E5F8-448B-A055-F6BD15B6CE7F}" type="datetimeFigureOut">
               <a:rPr lang="en-US" smtClean="0"/>
-              <a:t>10/29/24</a:t>
+              <a:t>11/7/2024</a:t>
             </a:fld>
             <a:endParaRPr lang="en-US"/>
           </a:p>
@@ -23041,7 +23040,7 @@
           <a:p>
             <a:fld id="{68453380-E5F8-448B-A055-F6BD15B6CE7F}" type="datetimeFigureOut">
               <a:rPr lang="en-US" smtClean="0"/>
-              <a:t>10/29/24</a:t>
+              <a:t>11/7/2024</a:t>
             </a:fld>
             <a:endParaRPr lang="en-US"/>
           </a:p>
@@ -24155,7 +24154,7 @@
             <p:ph idx="1"/>
             <p:extLst>
               <p:ext uri="{D42A27DB-BD31-4B8C-83A1-F6EECF244321}">
-                <p14:modId xmlns:p14="http://schemas.microsoft.com/office/powerpoint/2010/main" val="2499803740"/>
+                <p14:modId xmlns:p14="http://schemas.microsoft.com/office/powerpoint/2010/main" val="1254443114"/>
               </p:ext>
             </p:extLst>
           </p:nvPr>
